--- a/6.1. Skip Lists.pptx
+++ b/6.1. Skip Lists.pptx
@@ -12,26 +12,26 @@
   </p:handoutMasterIdLst>
   <p:sldIdLst>
     <p:sldId id="256" r:id="rId2"/>
-    <p:sldId id="365" r:id="rId3"/>
-    <p:sldId id="382" r:id="rId4"/>
-    <p:sldId id="383" r:id="rId5"/>
-    <p:sldId id="384" r:id="rId6"/>
-    <p:sldId id="366" r:id="rId7"/>
-    <p:sldId id="367" r:id="rId8"/>
-    <p:sldId id="368" r:id="rId9"/>
-    <p:sldId id="369" r:id="rId10"/>
-    <p:sldId id="370" r:id="rId11"/>
-    <p:sldId id="371" r:id="rId12"/>
-    <p:sldId id="372" r:id="rId13"/>
-    <p:sldId id="373" r:id="rId14"/>
-    <p:sldId id="374" r:id="rId15"/>
-    <p:sldId id="376" r:id="rId16"/>
-    <p:sldId id="375" r:id="rId17"/>
-    <p:sldId id="380" r:id="rId18"/>
-    <p:sldId id="377" r:id="rId19"/>
-    <p:sldId id="378" r:id="rId20"/>
-    <p:sldId id="379" r:id="rId21"/>
-    <p:sldId id="381" r:id="rId22"/>
+    <p:sldId id="384" r:id="rId3"/>
+    <p:sldId id="383" r:id="rId4"/>
+    <p:sldId id="365" r:id="rId5"/>
+    <p:sldId id="366" r:id="rId6"/>
+    <p:sldId id="367" r:id="rId7"/>
+    <p:sldId id="368" r:id="rId8"/>
+    <p:sldId id="369" r:id="rId9"/>
+    <p:sldId id="370" r:id="rId10"/>
+    <p:sldId id="371" r:id="rId11"/>
+    <p:sldId id="372" r:id="rId12"/>
+    <p:sldId id="373" r:id="rId13"/>
+    <p:sldId id="374" r:id="rId14"/>
+    <p:sldId id="376" r:id="rId15"/>
+    <p:sldId id="375" r:id="rId16"/>
+    <p:sldId id="380" r:id="rId17"/>
+    <p:sldId id="377" r:id="rId18"/>
+    <p:sldId id="378" r:id="rId19"/>
+    <p:sldId id="379" r:id="rId20"/>
+    <p:sldId id="381" r:id="rId21"/>
+    <p:sldId id="382" r:id="rId22"/>
   </p:sldIdLst>
   <p:sldSz cx="9144000" cy="6858000" type="screen4x3"/>
   <p:notesSz cx="9874250" cy="6797675"/>
@@ -285,7 +285,7 @@
               <a:pPr>
                 <a:defRPr/>
               </a:pPr>
-              <a:t>18/2/2024</a:t>
+              <a:t>20/2/2024</a:t>
             </a:fld>
             <a:endParaRPr lang="en-SG"/>
           </a:p>
@@ -484,7 +484,7 @@
               <a:pPr>
                 <a:defRPr/>
               </a:pPr>
-              <a:t>18/2/2024</a:t>
+              <a:t>20/2/2024</a:t>
             </a:fld>
             <a:endParaRPr lang="en-SG"/>
           </a:p>
@@ -4484,3198 +4484,6 @@
           </a:p>
         </p:txBody>
       </p:sp>
-      <mc:AlternateContent xmlns:mc="http://schemas.openxmlformats.org/markup-compatibility/2006" xmlns:a14="http://schemas.microsoft.com/office/drawing/2010/main">
-        <mc:Choice Requires="a14">
-          <p:sp>
-            <p:nvSpPr>
-              <p:cNvPr id="3" name="Content Placeholder 2">
-                <a:extLst>
-                  <a:ext uri="{FF2B5EF4-FFF2-40B4-BE49-F238E27FC236}">
-                    <a16:creationId xmlns:a16="http://schemas.microsoft.com/office/drawing/2014/main" id="{FBE3A370-27BD-6F01-E3D4-C91157F6AB9E}"/>
-                  </a:ext>
-                </a:extLst>
-              </p:cNvPr>
-              <p:cNvSpPr>
-                <a:spLocks noGrp="1"/>
-              </p:cNvSpPr>
-              <p:nvPr>
-                <p:ph idx="1"/>
-              </p:nvPr>
-            </p:nvSpPr>
-            <p:spPr>
-              <a:xfrm>
-                <a:off x="457200" y="1124744"/>
-                <a:ext cx="8507288" cy="2448272"/>
-              </a:xfrm>
-            </p:spPr>
-            <p:txBody>
-              <a:bodyPr/>
-              <a:lstStyle/>
-              <a:p>
-                <a:r>
-                  <a:rPr lang="en-US" sz="2200" dirty="0"/>
-                  <a:t>In general, the </a:t>
-                </a:r>
-                <a:r>
-                  <a:rPr lang="en-US" sz="2200" dirty="0">
-                    <a:solidFill>
-                      <a:srgbClr val="FF0000"/>
-                    </a:solidFill>
-                  </a:rPr>
-                  <a:t>SEARCH</a:t>
-                </a:r>
-                <a:r>
-                  <a:rPr lang="en-US" sz="2200" dirty="0"/>
-                  <a:t> cost is:</a:t>
-                </a:r>
-              </a:p>
-              <a:p>
-                <a:pPr lvl="1"/>
-                <a:r>
-                  <a:rPr lang="en-US" sz="2200" dirty="0">
-                    <a:solidFill>
-                      <a:srgbClr val="0000FF"/>
-                    </a:solidFill>
-                  </a:rPr>
-                  <a:t>2</a:t>
-                </a:r>
-                <a:r>
-                  <a:rPr lang="en-US" sz="2200" dirty="0"/>
-                  <a:t> sorted lists: </a:t>
-                </a:r>
-                <a14:m>
-                  <m:oMath xmlns:m="http://schemas.openxmlformats.org/officeDocument/2006/math">
-                    <m:r>
-                      <a:rPr lang="en-US" sz="2200" b="0" i="1" smtClean="0">
-                        <a:solidFill>
-                          <a:srgbClr val="0000FF"/>
-                        </a:solidFill>
-                        <a:latin typeface="Cambria Math" panose="02040503050406030204" pitchFamily="18" charset="0"/>
-                      </a:rPr>
-                      <m:t>2⋅</m:t>
-                    </m:r>
-                    <m:rad>
-                      <m:radPr>
-                        <m:degHide m:val="on"/>
-                        <m:ctrlPr>
-                          <a:rPr lang="en-US" sz="2200" i="1" smtClean="0">
-                            <a:solidFill>
-                              <a:srgbClr val="0000FF"/>
-                            </a:solidFill>
-                            <a:latin typeface="Cambria Math" panose="02040503050406030204" pitchFamily="18" charset="0"/>
-                          </a:rPr>
-                        </m:ctrlPr>
-                      </m:radPr>
-                      <m:deg/>
-                      <m:e>
-                        <m:r>
-                          <a:rPr lang="en-US" sz="2200" b="0" i="1" smtClean="0">
-                            <a:solidFill>
-                              <a:srgbClr val="0000FF"/>
-                            </a:solidFill>
-                            <a:latin typeface="Cambria Math" panose="02040503050406030204" pitchFamily="18" charset="0"/>
-                          </a:rPr>
-                          <m:t>𝑛</m:t>
-                        </m:r>
-                      </m:e>
-                    </m:rad>
-                  </m:oMath>
-                </a14:m>
-                <a:endParaRPr lang="en-US" sz="2200" dirty="0"/>
-              </a:p>
-              <a:p>
-                <a:pPr lvl="1"/>
-                <a:r>
-                  <a:rPr lang="en-US" sz="2200" dirty="0">
-                    <a:solidFill>
-                      <a:srgbClr val="0000FF"/>
-                    </a:solidFill>
-                  </a:rPr>
-                  <a:t>3</a:t>
-                </a:r>
-                <a:r>
-                  <a:rPr lang="en-US" sz="2200" dirty="0"/>
-                  <a:t> sorted lists: </a:t>
-                </a:r>
-                <a14:m>
-                  <m:oMath xmlns:m="http://schemas.openxmlformats.org/officeDocument/2006/math">
-                    <m:r>
-                      <a:rPr lang="en-US" sz="2200" b="0" i="0" dirty="0" smtClean="0">
-                        <a:solidFill>
-                          <a:srgbClr val="0000FF"/>
-                        </a:solidFill>
-                        <a:latin typeface="Cambria Math" panose="02040503050406030204" pitchFamily="18" charset="0"/>
-                      </a:rPr>
-                      <m:t>3</m:t>
-                    </m:r>
-                    <m:r>
-                      <a:rPr lang="en-US" sz="2200" b="0" i="1" dirty="0" smtClean="0">
-                        <a:solidFill>
-                          <a:srgbClr val="0000FF"/>
-                        </a:solidFill>
-                        <a:latin typeface="Cambria Math" panose="02040503050406030204" pitchFamily="18" charset="0"/>
-                      </a:rPr>
-                      <m:t>⋅</m:t>
-                    </m:r>
-                    <m:rad>
-                      <m:radPr>
-                        <m:ctrlPr>
-                          <a:rPr lang="en-US" sz="2200" i="1" dirty="0" smtClean="0">
-                            <a:solidFill>
-                              <a:srgbClr val="0000FF"/>
-                            </a:solidFill>
-                            <a:latin typeface="Cambria Math" panose="02040503050406030204" pitchFamily="18" charset="0"/>
-                          </a:rPr>
-                        </m:ctrlPr>
-                      </m:radPr>
-                      <m:deg>
-                        <m:r>
-                          <m:rPr>
-                            <m:brk m:alnAt="7"/>
-                          </m:rPr>
-                          <a:rPr lang="en-US" sz="2200" b="0" i="1" dirty="0" smtClean="0">
-                            <a:solidFill>
-                              <a:srgbClr val="0000FF"/>
-                            </a:solidFill>
-                            <a:latin typeface="Cambria Math" panose="02040503050406030204" pitchFamily="18" charset="0"/>
-                          </a:rPr>
-                          <m:t>3</m:t>
-                        </m:r>
-                      </m:deg>
-                      <m:e>
-                        <m:r>
-                          <a:rPr lang="en-US" sz="2200" b="0" i="1" dirty="0" smtClean="0">
-                            <a:solidFill>
-                              <a:srgbClr val="0000FF"/>
-                            </a:solidFill>
-                            <a:latin typeface="Cambria Math" panose="02040503050406030204" pitchFamily="18" charset="0"/>
-                          </a:rPr>
-                          <m:t>𝑛</m:t>
-                        </m:r>
-                      </m:e>
-                    </m:rad>
-                  </m:oMath>
-                </a14:m>
-                <a:endParaRPr lang="en-US" sz="2200" dirty="0"/>
-              </a:p>
-              <a:p>
-                <a:pPr lvl="1"/>
-                <a14:m>
-                  <m:oMath xmlns:m="http://schemas.openxmlformats.org/officeDocument/2006/math">
-                    <m:r>
-                      <a:rPr lang="en-US" sz="2200" i="1" dirty="0" smtClean="0">
-                        <a:solidFill>
-                          <a:srgbClr val="0000FF"/>
-                        </a:solidFill>
-                        <a:latin typeface="Cambria Math" panose="02040503050406030204" pitchFamily="18" charset="0"/>
-                      </a:rPr>
-                      <m:t>𝑘</m:t>
-                    </m:r>
-                  </m:oMath>
-                </a14:m>
-                <a:r>
-                  <a:rPr lang="en-US" sz="2200" dirty="0"/>
-                  <a:t> sorted lists: </a:t>
-                </a:r>
-                <a14:m>
-                  <m:oMath xmlns:m="http://schemas.openxmlformats.org/officeDocument/2006/math">
-                    <m:r>
-                      <a:rPr lang="en-US" sz="2200" i="1" dirty="0" smtClean="0">
-                        <a:solidFill>
-                          <a:srgbClr val="0000FF"/>
-                        </a:solidFill>
-                        <a:latin typeface="Cambria Math" panose="02040503050406030204" pitchFamily="18" charset="0"/>
-                      </a:rPr>
-                      <m:t>𝑘</m:t>
-                    </m:r>
-                    <m:r>
-                      <a:rPr lang="en-US" sz="2200" b="0" i="1" dirty="0" smtClean="0">
-                        <a:solidFill>
-                          <a:srgbClr val="0000FF"/>
-                        </a:solidFill>
-                        <a:latin typeface="Cambria Math" panose="02040503050406030204" pitchFamily="18" charset="0"/>
-                      </a:rPr>
-                      <m:t>⋅</m:t>
-                    </m:r>
-                    <m:rad>
-                      <m:radPr>
-                        <m:ctrlPr>
-                          <a:rPr lang="en-US" sz="2200" i="1" dirty="0" smtClean="0">
-                            <a:solidFill>
-                              <a:srgbClr val="0000FF"/>
-                            </a:solidFill>
-                            <a:latin typeface="Cambria Math" panose="02040503050406030204" pitchFamily="18" charset="0"/>
-                          </a:rPr>
-                        </m:ctrlPr>
-                      </m:radPr>
-                      <m:deg>
-                        <m:r>
-                          <m:rPr>
-                            <m:brk m:alnAt="7"/>
-                          </m:rPr>
-                          <a:rPr lang="en-US" sz="2200" b="0" i="1" dirty="0" smtClean="0">
-                            <a:solidFill>
-                              <a:srgbClr val="0000FF"/>
-                            </a:solidFill>
-                            <a:latin typeface="Cambria Math" panose="02040503050406030204" pitchFamily="18" charset="0"/>
-                          </a:rPr>
-                          <m:t>𝑘</m:t>
-                        </m:r>
-                      </m:deg>
-                      <m:e>
-                        <m:r>
-                          <a:rPr lang="en-US" sz="2200" b="0" i="1" dirty="0" smtClean="0">
-                            <a:solidFill>
-                              <a:srgbClr val="0000FF"/>
-                            </a:solidFill>
-                            <a:latin typeface="Cambria Math" panose="02040503050406030204" pitchFamily="18" charset="0"/>
-                          </a:rPr>
-                          <m:t>𝑛</m:t>
-                        </m:r>
-                      </m:e>
-                    </m:rad>
-                  </m:oMath>
-                </a14:m>
-                <a:endParaRPr lang="en-US" sz="2200" dirty="0"/>
-              </a:p>
-              <a:p>
-                <a:r>
-                  <a:rPr lang="en-US" sz="2200" dirty="0">
-                    <a:solidFill>
-                      <a:srgbClr val="FF0000"/>
-                    </a:solidFill>
-                  </a:rPr>
-                  <a:t>Skip lists </a:t>
-                </a:r>
-                <a:r>
-                  <a:rPr lang="en-US" sz="2200" dirty="0"/>
-                  <a:t>maintain </a:t>
-                </a:r>
-                <a14:m>
-                  <m:oMath xmlns:m="http://schemas.openxmlformats.org/officeDocument/2006/math">
-                    <m:func>
-                      <m:funcPr>
-                        <m:ctrlPr>
-                          <a:rPr lang="en-US" sz="2200" b="0" i="1" smtClean="0">
-                            <a:solidFill>
-                              <a:srgbClr val="0000FF"/>
-                            </a:solidFill>
-                            <a:latin typeface="Cambria Math" panose="02040503050406030204" pitchFamily="18" charset="0"/>
-                          </a:rPr>
-                        </m:ctrlPr>
-                      </m:funcPr>
-                      <m:fName>
-                        <m:r>
-                          <m:rPr>
-                            <m:sty m:val="p"/>
-                          </m:rPr>
-                          <a:rPr lang="en-US" sz="2200" b="0" i="0" smtClean="0">
-                            <a:solidFill>
-                              <a:srgbClr val="0000FF"/>
-                            </a:solidFill>
-                            <a:latin typeface="Cambria Math" panose="02040503050406030204" pitchFamily="18" charset="0"/>
-                          </a:rPr>
-                          <m:t>lg</m:t>
-                        </m:r>
-                      </m:fName>
-                      <m:e>
-                        <m:r>
-                          <a:rPr lang="en-US" sz="2200" b="0" i="1" smtClean="0">
-                            <a:solidFill>
-                              <a:srgbClr val="0000FF"/>
-                            </a:solidFill>
-                            <a:latin typeface="Cambria Math" panose="02040503050406030204" pitchFamily="18" charset="0"/>
-                          </a:rPr>
-                          <m:t>𝑛</m:t>
-                        </m:r>
-                      </m:e>
-                    </m:func>
-                  </m:oMath>
-                </a14:m>
-                <a:r>
-                  <a:rPr lang="en-US" sz="2200" dirty="0">
-                    <a:solidFill>
-                      <a:srgbClr val="0000FF"/>
-                    </a:solidFill>
-                  </a:rPr>
-                  <a:t> </a:t>
-                </a:r>
-                <a:r>
-                  <a:rPr lang="en-US" sz="2200" dirty="0"/>
-                  <a:t>sorted lists with a cost: </a:t>
-                </a:r>
-                <a14:m>
-                  <m:oMath xmlns:m="http://schemas.openxmlformats.org/officeDocument/2006/math">
-                    <m:r>
-                      <m:rPr>
-                        <m:sty m:val="p"/>
-                      </m:rPr>
-                      <a:rPr lang="en-US" sz="2200" dirty="0">
-                        <a:solidFill>
-                          <a:srgbClr val="0000FF"/>
-                        </a:solidFill>
-                        <a:latin typeface="Cambria Math" panose="02040503050406030204" pitchFamily="18" charset="0"/>
-                      </a:rPr>
-                      <m:t>l</m:t>
-                    </m:r>
-                    <m:r>
-                      <m:rPr>
-                        <m:sty m:val="p"/>
-                      </m:rPr>
-                      <a:rPr lang="en-US" sz="2200" b="0" i="0" dirty="0" smtClean="0">
-                        <a:solidFill>
-                          <a:srgbClr val="0000FF"/>
-                        </a:solidFill>
-                        <a:latin typeface="Cambria Math" panose="02040503050406030204" pitchFamily="18" charset="0"/>
-                      </a:rPr>
-                      <m:t>g</m:t>
-                    </m:r>
-                    <m:r>
-                      <a:rPr lang="en-US" sz="2200" b="0" i="0" dirty="0" smtClean="0">
-                        <a:solidFill>
-                          <a:srgbClr val="0000FF"/>
-                        </a:solidFill>
-                        <a:latin typeface="Cambria Math" panose="02040503050406030204" pitchFamily="18" charset="0"/>
-                      </a:rPr>
-                      <m:t> </m:t>
-                    </m:r>
-                    <m:r>
-                      <a:rPr lang="en-US" sz="2200" b="0" i="1" dirty="0" smtClean="0">
-                        <a:solidFill>
-                          <a:srgbClr val="0000FF"/>
-                        </a:solidFill>
-                        <a:latin typeface="Cambria Math" panose="02040503050406030204" pitchFamily="18" charset="0"/>
-                      </a:rPr>
-                      <m:t>𝑛</m:t>
-                    </m:r>
-                    <m:r>
-                      <a:rPr lang="en-US" sz="2200" i="1" dirty="0">
-                        <a:solidFill>
-                          <a:srgbClr val="0000FF"/>
-                        </a:solidFill>
-                        <a:latin typeface="Cambria Math" panose="02040503050406030204" pitchFamily="18" charset="0"/>
-                      </a:rPr>
-                      <m:t>⋅</m:t>
-                    </m:r>
-                    <m:rad>
-                      <m:radPr>
-                        <m:ctrlPr>
-                          <a:rPr lang="en-US" sz="2200" i="1" dirty="0">
-                            <a:solidFill>
-                              <a:srgbClr val="0000FF"/>
-                            </a:solidFill>
-                            <a:latin typeface="Cambria Math" panose="02040503050406030204" pitchFamily="18" charset="0"/>
-                          </a:rPr>
-                        </m:ctrlPr>
-                      </m:radPr>
-                      <m:deg>
-                        <m:func>
-                          <m:funcPr>
-                            <m:ctrlPr>
-                              <a:rPr lang="en-US" sz="2200" i="1">
-                                <a:solidFill>
-                                  <a:srgbClr val="0000FF"/>
-                                </a:solidFill>
-                                <a:latin typeface="Cambria Math" panose="02040503050406030204" pitchFamily="18" charset="0"/>
-                              </a:rPr>
-                            </m:ctrlPr>
-                          </m:funcPr>
-                          <m:fName>
-                            <m:r>
-                              <m:rPr>
-                                <m:sty m:val="p"/>
-                              </m:rPr>
-                              <a:rPr lang="en-US" sz="2200">
-                                <a:solidFill>
-                                  <a:srgbClr val="0000FF"/>
-                                </a:solidFill>
-                                <a:latin typeface="Cambria Math" panose="02040503050406030204" pitchFamily="18" charset="0"/>
-                              </a:rPr>
-                              <m:t>lg</m:t>
-                            </m:r>
-                          </m:fName>
-                          <m:e>
-                            <m:r>
-                              <a:rPr lang="en-US" sz="2200" i="1">
-                                <a:solidFill>
-                                  <a:srgbClr val="0000FF"/>
-                                </a:solidFill>
-                                <a:latin typeface="Cambria Math" panose="02040503050406030204" pitchFamily="18" charset="0"/>
-                              </a:rPr>
-                              <m:t>𝑛</m:t>
-                            </m:r>
-                          </m:e>
-                        </m:func>
-                      </m:deg>
-                      <m:e>
-                        <m:r>
-                          <a:rPr lang="en-US" sz="2200" i="1" dirty="0">
-                            <a:solidFill>
-                              <a:srgbClr val="0000FF"/>
-                            </a:solidFill>
-                            <a:latin typeface="Cambria Math" panose="02040503050406030204" pitchFamily="18" charset="0"/>
-                          </a:rPr>
-                          <m:t>𝑛</m:t>
-                        </m:r>
-                      </m:e>
-                    </m:rad>
-                    <m:r>
-                      <a:rPr lang="en-US" sz="2200" b="0" i="1" dirty="0" smtClean="0">
-                        <a:solidFill>
-                          <a:srgbClr val="0000FF"/>
-                        </a:solidFill>
-                        <a:latin typeface="Cambria Math" panose="02040503050406030204" pitchFamily="18" charset="0"/>
-                      </a:rPr>
-                      <m:t>=</m:t>
-                    </m:r>
-                    <m:r>
-                      <a:rPr lang="en-US" sz="2200" b="0" i="0" dirty="0" smtClean="0">
-                        <a:solidFill>
-                          <a:srgbClr val="0000FF"/>
-                        </a:solidFill>
-                        <a:latin typeface="Cambria Math" panose="02040503050406030204" pitchFamily="18" charset="0"/>
-                      </a:rPr>
-                      <m:t>2</m:t>
-                    </m:r>
-                    <m:r>
-                      <m:rPr>
-                        <m:sty m:val="p"/>
-                      </m:rPr>
-                      <a:rPr lang="en-US" sz="2200" dirty="0">
-                        <a:solidFill>
-                          <a:srgbClr val="0000FF"/>
-                        </a:solidFill>
-                        <a:latin typeface="Cambria Math" panose="02040503050406030204" pitchFamily="18" charset="0"/>
-                      </a:rPr>
-                      <m:t>lg</m:t>
-                    </m:r>
-                    <m:r>
-                      <a:rPr lang="en-US" sz="2200" dirty="0">
-                        <a:solidFill>
-                          <a:srgbClr val="0000FF"/>
-                        </a:solidFill>
-                        <a:latin typeface="Cambria Math" panose="02040503050406030204" pitchFamily="18" charset="0"/>
-                      </a:rPr>
-                      <m:t> </m:t>
-                    </m:r>
-                    <m:r>
-                      <a:rPr lang="en-US" sz="2200" i="1" dirty="0">
-                        <a:solidFill>
-                          <a:srgbClr val="0000FF"/>
-                        </a:solidFill>
-                        <a:latin typeface="Cambria Math" panose="02040503050406030204" pitchFamily="18" charset="0"/>
-                      </a:rPr>
-                      <m:t>𝑛</m:t>
-                    </m:r>
-                  </m:oMath>
-                </a14:m>
-                <a:endParaRPr lang="en-US" sz="2200" dirty="0"/>
-              </a:p>
-              <a:p>
-                <a:pPr lvl="1"/>
-                <a:endParaRPr lang="en-US" sz="2000" dirty="0"/>
-              </a:p>
-            </p:txBody>
-          </p:sp>
-        </mc:Choice>
-        <mc:Fallback xmlns="">
-          <p:sp>
-            <p:nvSpPr>
-              <p:cNvPr id="3" name="Content Placeholder 2">
-                <a:extLst>
-                  <a:ext uri="{FF2B5EF4-FFF2-40B4-BE49-F238E27FC236}">
-                    <a16:creationId xmlns:a16="http://schemas.microsoft.com/office/drawing/2014/main" id="{FBE3A370-27BD-6F01-E3D4-C91157F6AB9E}"/>
-                  </a:ext>
-                </a:extLst>
-              </p:cNvPr>
-              <p:cNvSpPr>
-                <a:spLocks noGrp="1" noRot="1" noChangeAspect="1" noMove="1" noResize="1" noEditPoints="1" noAdjustHandles="1" noChangeArrowheads="1" noChangeShapeType="1" noTextEdit="1"/>
-              </p:cNvSpPr>
-              <p:nvPr>
-                <p:ph idx="1"/>
-              </p:nvPr>
-            </p:nvSpPr>
-            <p:spPr>
-              <a:xfrm>
-                <a:off x="457200" y="1124744"/>
-                <a:ext cx="8507288" cy="2448272"/>
-              </a:xfrm>
-              <a:blipFill>
-                <a:blip r:embed="rId2"/>
-                <a:stretch>
-                  <a:fillRect l="-143" t="-1496"/>
-                </a:stretch>
-              </a:blipFill>
-            </p:spPr>
-            <p:txBody>
-              <a:bodyPr/>
-              <a:lstStyle/>
-              <a:p>
-                <a:r>
-                  <a:rPr lang="en-US">
-                    <a:noFill/>
-                  </a:rPr>
-                  <a:t> </a:t>
-                </a:r>
-              </a:p>
-            </p:txBody>
-          </p:sp>
-        </mc:Fallback>
-      </mc:AlternateContent>
-      <p:grpSp>
-        <p:nvGrpSpPr>
-          <p:cNvPr id="87" name="Group 86">
-            <a:extLst>
-              <a:ext uri="{FF2B5EF4-FFF2-40B4-BE49-F238E27FC236}">
-                <a16:creationId xmlns:a16="http://schemas.microsoft.com/office/drawing/2014/main" id="{0DD38B20-733B-14FF-5A58-C224C8F7233D}"/>
-              </a:ext>
-            </a:extLst>
-          </p:cNvPr>
-          <p:cNvGrpSpPr/>
-          <p:nvPr/>
-        </p:nvGrpSpPr>
-        <p:grpSpPr>
-          <a:xfrm>
-            <a:off x="1259632" y="3645024"/>
-            <a:ext cx="6219800" cy="2370584"/>
-            <a:chOff x="152400" y="2362200"/>
-            <a:chExt cx="8915400" cy="3581400"/>
-          </a:xfrm>
-        </p:grpSpPr>
-        <p:sp>
-          <p:nvSpPr>
-            <p:cNvPr id="4" name="AutoShape 4">
-              <a:extLst>
-                <a:ext uri="{FF2B5EF4-FFF2-40B4-BE49-F238E27FC236}">
-                  <a16:creationId xmlns:a16="http://schemas.microsoft.com/office/drawing/2014/main" id="{C28FF6BA-9DAD-FA66-2192-6253FF27CBF0}"/>
-                </a:ext>
-              </a:extLst>
-            </p:cNvPr>
-            <p:cNvSpPr>
-              <a:spLocks noChangeArrowheads="1"/>
-            </p:cNvSpPr>
-            <p:nvPr/>
-          </p:nvSpPr>
-          <p:spPr bwMode="auto">
-            <a:xfrm>
-              <a:off x="152400" y="5334000"/>
-              <a:ext cx="609600" cy="609600"/>
-            </a:xfrm>
-            <a:prstGeom prst="roundRect">
-              <a:avLst>
-                <a:gd name="adj" fmla="val 16667"/>
-              </a:avLst>
-            </a:prstGeom>
-            <a:solidFill>
-              <a:srgbClr val="FFFF66"/>
-            </a:solidFill>
-            <a:ln w="9525">
-              <a:solidFill>
-                <a:schemeClr val="tx1"/>
-              </a:solidFill>
-              <a:round/>
-              <a:headEnd/>
-              <a:tailEnd/>
-            </a:ln>
-            <a:effectLst/>
-          </p:spPr>
-          <p:txBody>
-            <a:bodyPr wrap="none" anchor="ctr"/>
-            <a:lstStyle/>
-            <a:p>
-              <a:pPr>
-                <a:lnSpc>
-                  <a:spcPct val="90000"/>
-                </a:lnSpc>
-              </a:pPr>
-              <a:r>
-                <a:rPr lang="en-US" altLang="en-US">
-                  <a:solidFill>
-                    <a:srgbClr val="008A87"/>
-                  </a:solidFill>
-                  <a:ea typeface="Arial Unicode MS" pitchFamily="34" charset="-122"/>
-                </a:rPr>
-                <a:t>14</a:t>
-              </a:r>
-            </a:p>
-          </p:txBody>
-        </p:sp>
-        <p:sp>
-          <p:nvSpPr>
-            <p:cNvPr id="5" name="AutoShape 5">
-              <a:extLst>
-                <a:ext uri="{FF2B5EF4-FFF2-40B4-BE49-F238E27FC236}">
-                  <a16:creationId xmlns:a16="http://schemas.microsoft.com/office/drawing/2014/main" id="{A1630324-F3C5-64B4-E245-1EF7EC058742}"/>
-                </a:ext>
-              </a:extLst>
-            </p:cNvPr>
-            <p:cNvSpPr>
-              <a:spLocks noChangeArrowheads="1"/>
-            </p:cNvSpPr>
-            <p:nvPr/>
-          </p:nvSpPr>
-          <p:spPr bwMode="auto">
-            <a:xfrm>
-              <a:off x="1143000" y="5334000"/>
-              <a:ext cx="609600" cy="609600"/>
-            </a:xfrm>
-            <a:prstGeom prst="roundRect">
-              <a:avLst>
-                <a:gd name="adj" fmla="val 16667"/>
-              </a:avLst>
-            </a:prstGeom>
-            <a:solidFill>
-              <a:srgbClr val="FFFF66"/>
-            </a:solidFill>
-            <a:ln w="9525">
-              <a:solidFill>
-                <a:schemeClr val="tx1"/>
-              </a:solidFill>
-              <a:round/>
-              <a:headEnd/>
-              <a:tailEnd/>
-            </a:ln>
-            <a:effectLst/>
-          </p:spPr>
-          <p:txBody>
-            <a:bodyPr wrap="none" anchor="ctr"/>
-            <a:lstStyle/>
-            <a:p>
-              <a:pPr>
-                <a:lnSpc>
-                  <a:spcPct val="90000"/>
-                </a:lnSpc>
-              </a:pPr>
-              <a:r>
-                <a:rPr lang="en-US" altLang="en-US">
-                  <a:solidFill>
-                    <a:srgbClr val="008A87"/>
-                  </a:solidFill>
-                  <a:ea typeface="Arial Unicode MS" pitchFamily="34" charset="-122"/>
-                </a:rPr>
-                <a:t>23</a:t>
-              </a:r>
-            </a:p>
-          </p:txBody>
-        </p:sp>
-        <p:cxnSp>
-          <p:nvCxnSpPr>
-            <p:cNvPr id="15" name="AutoShape 6">
-              <a:extLst>
-                <a:ext uri="{FF2B5EF4-FFF2-40B4-BE49-F238E27FC236}">
-                  <a16:creationId xmlns:a16="http://schemas.microsoft.com/office/drawing/2014/main" id="{DB9DD16F-E9AE-E86E-6397-91BCBECB1B6F}"/>
-                </a:ext>
-              </a:extLst>
-            </p:cNvPr>
-            <p:cNvCxnSpPr>
-              <a:cxnSpLocks noChangeShapeType="1"/>
-              <a:stCxn id="4" idx="3"/>
-              <a:endCxn id="5" idx="1"/>
-            </p:cNvCxnSpPr>
-            <p:nvPr/>
-          </p:nvCxnSpPr>
-          <p:spPr bwMode="auto">
-            <a:xfrm>
-              <a:off x="762000" y="5638800"/>
-              <a:ext cx="381000" cy="0"/>
-            </a:xfrm>
-            <a:prstGeom prst="straightConnector1">
-              <a:avLst/>
-            </a:prstGeom>
-            <a:noFill/>
-            <a:ln w="38100">
-              <a:solidFill>
-                <a:schemeClr val="tx1"/>
-              </a:solidFill>
-              <a:round/>
-              <a:headEnd type="triangle" w="med" len="med"/>
-              <a:tailEnd type="triangle" w="med" len="med"/>
-            </a:ln>
-            <a:effectLst/>
-            <a:extLst>
-              <a:ext uri="{909E8E84-426E-40DD-AFC4-6F175D3DCCD1}">
-                <a14:hiddenFill xmlns:a14="http://schemas.microsoft.com/office/drawing/2010/main">
-                  <a:noFill/>
-                </a14:hiddenFill>
-              </a:ext>
-            </a:extLst>
-          </p:spPr>
-        </p:cxnSp>
-        <p:sp>
-          <p:nvSpPr>
-            <p:cNvPr id="16" name="AutoShape 7">
-              <a:extLst>
-                <a:ext uri="{FF2B5EF4-FFF2-40B4-BE49-F238E27FC236}">
-                  <a16:creationId xmlns:a16="http://schemas.microsoft.com/office/drawing/2014/main" id="{3906E530-BAA0-A3DE-6A1F-43F9220A05A5}"/>
-                </a:ext>
-              </a:extLst>
-            </p:cNvPr>
-            <p:cNvSpPr>
-              <a:spLocks noChangeArrowheads="1"/>
-            </p:cNvSpPr>
-            <p:nvPr/>
-          </p:nvSpPr>
-          <p:spPr bwMode="auto">
-            <a:xfrm>
-              <a:off x="2133600" y="5334000"/>
-              <a:ext cx="609600" cy="609600"/>
-            </a:xfrm>
-            <a:prstGeom prst="roundRect">
-              <a:avLst>
-                <a:gd name="adj" fmla="val 16667"/>
-              </a:avLst>
-            </a:prstGeom>
-            <a:solidFill>
-              <a:srgbClr val="FFFF66"/>
-            </a:solidFill>
-            <a:ln w="9525">
-              <a:solidFill>
-                <a:schemeClr val="tx1"/>
-              </a:solidFill>
-              <a:round/>
-              <a:headEnd/>
-              <a:tailEnd/>
-            </a:ln>
-            <a:effectLst/>
-          </p:spPr>
-          <p:txBody>
-            <a:bodyPr wrap="none" anchor="ctr"/>
-            <a:lstStyle/>
-            <a:p>
-              <a:pPr>
-                <a:lnSpc>
-                  <a:spcPct val="90000"/>
-                </a:lnSpc>
-              </a:pPr>
-              <a:r>
-                <a:rPr lang="en-US" altLang="en-US">
-                  <a:solidFill>
-                    <a:srgbClr val="008A87"/>
-                  </a:solidFill>
-                  <a:ea typeface="Arial Unicode MS" pitchFamily="34" charset="-122"/>
-                </a:rPr>
-                <a:t>34</a:t>
-              </a:r>
-            </a:p>
-          </p:txBody>
-        </p:sp>
-        <p:cxnSp>
-          <p:nvCxnSpPr>
-            <p:cNvPr id="17" name="AutoShape 8">
-              <a:extLst>
-                <a:ext uri="{FF2B5EF4-FFF2-40B4-BE49-F238E27FC236}">
-                  <a16:creationId xmlns:a16="http://schemas.microsoft.com/office/drawing/2014/main" id="{964CBFDA-AE6F-2529-95B2-DF16A7021E73}"/>
-                </a:ext>
-              </a:extLst>
-            </p:cNvPr>
-            <p:cNvCxnSpPr>
-              <a:cxnSpLocks noChangeShapeType="1"/>
-              <a:stCxn id="5" idx="3"/>
-              <a:endCxn id="16" idx="1"/>
-            </p:cNvCxnSpPr>
-            <p:nvPr/>
-          </p:nvCxnSpPr>
-          <p:spPr bwMode="auto">
-            <a:xfrm>
-              <a:off x="1752600" y="5638800"/>
-              <a:ext cx="381000" cy="0"/>
-            </a:xfrm>
-            <a:prstGeom prst="straightConnector1">
-              <a:avLst/>
-            </a:prstGeom>
-            <a:noFill/>
-            <a:ln w="38100">
-              <a:solidFill>
-                <a:schemeClr val="tx1"/>
-              </a:solidFill>
-              <a:round/>
-              <a:headEnd type="triangle" w="med" len="med"/>
-              <a:tailEnd type="triangle" w="med" len="med"/>
-            </a:ln>
-            <a:effectLst/>
-            <a:extLst>
-              <a:ext uri="{909E8E84-426E-40DD-AFC4-6F175D3DCCD1}">
-                <a14:hiddenFill xmlns:a14="http://schemas.microsoft.com/office/drawing/2010/main">
-                  <a:noFill/>
-                </a14:hiddenFill>
-              </a:ext>
-            </a:extLst>
-          </p:spPr>
-        </p:cxnSp>
-        <p:sp>
-          <p:nvSpPr>
-            <p:cNvPr id="20" name="AutoShape 9">
-              <a:extLst>
-                <a:ext uri="{FF2B5EF4-FFF2-40B4-BE49-F238E27FC236}">
-                  <a16:creationId xmlns:a16="http://schemas.microsoft.com/office/drawing/2014/main" id="{A6F677B7-5A21-02E0-F05C-EF02C42EB980}"/>
-                </a:ext>
-              </a:extLst>
-            </p:cNvPr>
-            <p:cNvSpPr>
-              <a:spLocks noChangeArrowheads="1"/>
-            </p:cNvSpPr>
-            <p:nvPr/>
-          </p:nvSpPr>
-          <p:spPr bwMode="auto">
-            <a:xfrm>
-              <a:off x="3124200" y="5334000"/>
-              <a:ext cx="609600" cy="609600"/>
-            </a:xfrm>
-            <a:prstGeom prst="roundRect">
-              <a:avLst>
-                <a:gd name="adj" fmla="val 16667"/>
-              </a:avLst>
-            </a:prstGeom>
-            <a:solidFill>
-              <a:srgbClr val="FFFF66"/>
-            </a:solidFill>
-            <a:ln w="9525">
-              <a:solidFill>
-                <a:schemeClr val="tx1"/>
-              </a:solidFill>
-              <a:round/>
-              <a:headEnd/>
-              <a:tailEnd/>
-            </a:ln>
-            <a:effectLst/>
-          </p:spPr>
-          <p:txBody>
-            <a:bodyPr wrap="none" anchor="ctr"/>
-            <a:lstStyle/>
-            <a:p>
-              <a:pPr>
-                <a:lnSpc>
-                  <a:spcPct val="90000"/>
-                </a:lnSpc>
-              </a:pPr>
-              <a:r>
-                <a:rPr lang="en-US" altLang="en-US">
-                  <a:solidFill>
-                    <a:srgbClr val="008A87"/>
-                  </a:solidFill>
-                  <a:ea typeface="Arial Unicode MS" pitchFamily="34" charset="-122"/>
-                </a:rPr>
-                <a:t>42</a:t>
-              </a:r>
-            </a:p>
-          </p:txBody>
-        </p:sp>
-        <p:cxnSp>
-          <p:nvCxnSpPr>
-            <p:cNvPr id="21" name="AutoShape 10">
-              <a:extLst>
-                <a:ext uri="{FF2B5EF4-FFF2-40B4-BE49-F238E27FC236}">
-                  <a16:creationId xmlns:a16="http://schemas.microsoft.com/office/drawing/2014/main" id="{A7F20E0C-B270-7655-E894-DC818F0FC755}"/>
-                </a:ext>
-              </a:extLst>
-            </p:cNvPr>
-            <p:cNvCxnSpPr>
-              <a:cxnSpLocks noChangeShapeType="1"/>
-              <a:stCxn id="16" idx="3"/>
-              <a:endCxn id="20" idx="1"/>
-            </p:cNvCxnSpPr>
-            <p:nvPr/>
-          </p:nvCxnSpPr>
-          <p:spPr bwMode="auto">
-            <a:xfrm>
-              <a:off x="2743200" y="5638800"/>
-              <a:ext cx="381000" cy="0"/>
-            </a:xfrm>
-            <a:prstGeom prst="straightConnector1">
-              <a:avLst/>
-            </a:prstGeom>
-            <a:noFill/>
-            <a:ln w="38100">
-              <a:solidFill>
-                <a:schemeClr val="tx1"/>
-              </a:solidFill>
-              <a:round/>
-              <a:headEnd type="triangle" w="med" len="med"/>
-              <a:tailEnd type="triangle" w="med" len="med"/>
-            </a:ln>
-            <a:effectLst/>
-            <a:extLst>
-              <a:ext uri="{909E8E84-426E-40DD-AFC4-6F175D3DCCD1}">
-                <a14:hiddenFill xmlns:a14="http://schemas.microsoft.com/office/drawing/2010/main">
-                  <a:noFill/>
-                </a14:hiddenFill>
-              </a:ext>
-            </a:extLst>
-          </p:spPr>
-        </p:cxnSp>
-        <p:sp>
-          <p:nvSpPr>
-            <p:cNvPr id="26" name="AutoShape 11">
-              <a:extLst>
-                <a:ext uri="{FF2B5EF4-FFF2-40B4-BE49-F238E27FC236}">
-                  <a16:creationId xmlns:a16="http://schemas.microsoft.com/office/drawing/2014/main" id="{B6BC73F4-CCC1-4CC1-075E-F787843E089A}"/>
-                </a:ext>
-              </a:extLst>
-            </p:cNvPr>
-            <p:cNvSpPr>
-              <a:spLocks noChangeArrowheads="1"/>
-            </p:cNvSpPr>
-            <p:nvPr/>
-          </p:nvSpPr>
-          <p:spPr bwMode="auto">
-            <a:xfrm>
-              <a:off x="4114800" y="5334000"/>
-              <a:ext cx="609600" cy="609600"/>
-            </a:xfrm>
-            <a:prstGeom prst="roundRect">
-              <a:avLst>
-                <a:gd name="adj" fmla="val 16667"/>
-              </a:avLst>
-            </a:prstGeom>
-            <a:solidFill>
-              <a:srgbClr val="FFFF66"/>
-            </a:solidFill>
-            <a:ln w="9525">
-              <a:solidFill>
-                <a:schemeClr val="tx1"/>
-              </a:solidFill>
-              <a:round/>
-              <a:headEnd/>
-              <a:tailEnd/>
-            </a:ln>
-            <a:effectLst/>
-          </p:spPr>
-          <p:txBody>
-            <a:bodyPr wrap="none" anchor="ctr"/>
-            <a:lstStyle/>
-            <a:p>
-              <a:pPr>
-                <a:lnSpc>
-                  <a:spcPct val="90000"/>
-                </a:lnSpc>
-              </a:pPr>
-              <a:r>
-                <a:rPr lang="en-US" altLang="en-US">
-                  <a:solidFill>
-                    <a:srgbClr val="008A87"/>
-                  </a:solidFill>
-                  <a:ea typeface="Arial Unicode MS" pitchFamily="34" charset="-122"/>
-                </a:rPr>
-                <a:t>50</a:t>
-              </a:r>
-            </a:p>
-          </p:txBody>
-        </p:sp>
-        <p:sp>
-          <p:nvSpPr>
-            <p:cNvPr id="31" name="AutoShape 12">
-              <a:extLst>
-                <a:ext uri="{FF2B5EF4-FFF2-40B4-BE49-F238E27FC236}">
-                  <a16:creationId xmlns:a16="http://schemas.microsoft.com/office/drawing/2014/main" id="{4944AA23-0FB7-E0D9-3009-3D8EA07D73C5}"/>
-                </a:ext>
-              </a:extLst>
-            </p:cNvPr>
-            <p:cNvSpPr>
-              <a:spLocks noChangeArrowheads="1"/>
-            </p:cNvSpPr>
-            <p:nvPr/>
-          </p:nvSpPr>
-          <p:spPr bwMode="auto">
-            <a:xfrm>
-              <a:off x="5105400" y="5334000"/>
-              <a:ext cx="609600" cy="609600"/>
-            </a:xfrm>
-            <a:prstGeom prst="roundRect">
-              <a:avLst>
-                <a:gd name="adj" fmla="val 16667"/>
-              </a:avLst>
-            </a:prstGeom>
-            <a:solidFill>
-              <a:srgbClr val="FFFF66"/>
-            </a:solidFill>
-            <a:ln w="9525">
-              <a:solidFill>
-                <a:schemeClr val="tx1"/>
-              </a:solidFill>
-              <a:round/>
-              <a:headEnd/>
-              <a:tailEnd/>
-            </a:ln>
-            <a:effectLst/>
-          </p:spPr>
-          <p:txBody>
-            <a:bodyPr wrap="none" anchor="ctr"/>
-            <a:lstStyle/>
-            <a:p>
-              <a:pPr>
-                <a:lnSpc>
-                  <a:spcPct val="90000"/>
-                </a:lnSpc>
-              </a:pPr>
-              <a:r>
-                <a:rPr lang="en-US" altLang="en-US">
-                  <a:solidFill>
-                    <a:srgbClr val="008A87"/>
-                  </a:solidFill>
-                  <a:ea typeface="Arial Unicode MS" pitchFamily="34" charset="-122"/>
-                </a:rPr>
-                <a:t>59</a:t>
-              </a:r>
-            </a:p>
-          </p:txBody>
-        </p:sp>
-        <p:sp>
-          <p:nvSpPr>
-            <p:cNvPr id="32" name="AutoShape 13">
-              <a:extLst>
-                <a:ext uri="{FF2B5EF4-FFF2-40B4-BE49-F238E27FC236}">
-                  <a16:creationId xmlns:a16="http://schemas.microsoft.com/office/drawing/2014/main" id="{52260C36-08F6-E289-1A57-957DD47183B7}"/>
-                </a:ext>
-              </a:extLst>
-            </p:cNvPr>
-            <p:cNvSpPr>
-              <a:spLocks noChangeArrowheads="1"/>
-            </p:cNvSpPr>
-            <p:nvPr/>
-          </p:nvSpPr>
-          <p:spPr bwMode="auto">
-            <a:xfrm>
-              <a:off x="6096000" y="5334000"/>
-              <a:ext cx="609600" cy="609600"/>
-            </a:xfrm>
-            <a:prstGeom prst="roundRect">
-              <a:avLst>
-                <a:gd name="adj" fmla="val 16667"/>
-              </a:avLst>
-            </a:prstGeom>
-            <a:solidFill>
-              <a:srgbClr val="FFFF66"/>
-            </a:solidFill>
-            <a:ln w="9525">
-              <a:solidFill>
-                <a:schemeClr val="tx1"/>
-              </a:solidFill>
-              <a:round/>
-              <a:headEnd/>
-              <a:tailEnd/>
-            </a:ln>
-            <a:effectLst/>
-          </p:spPr>
-          <p:txBody>
-            <a:bodyPr wrap="none" anchor="ctr"/>
-            <a:lstStyle/>
-            <a:p>
-              <a:pPr>
-                <a:lnSpc>
-                  <a:spcPct val="90000"/>
-                </a:lnSpc>
-              </a:pPr>
-              <a:r>
-                <a:rPr lang="en-US" altLang="en-US">
-                  <a:solidFill>
-                    <a:srgbClr val="008A87"/>
-                  </a:solidFill>
-                  <a:ea typeface="Arial Unicode MS" pitchFamily="34" charset="-122"/>
-                </a:rPr>
-                <a:t>66</a:t>
-              </a:r>
-            </a:p>
-          </p:txBody>
-        </p:sp>
-        <p:sp>
-          <p:nvSpPr>
-            <p:cNvPr id="33" name="AutoShape 14">
-              <a:extLst>
-                <a:ext uri="{FF2B5EF4-FFF2-40B4-BE49-F238E27FC236}">
-                  <a16:creationId xmlns:a16="http://schemas.microsoft.com/office/drawing/2014/main" id="{270967E8-6E0D-0482-4E3C-0302348E9789}"/>
-                </a:ext>
-              </a:extLst>
-            </p:cNvPr>
-            <p:cNvSpPr>
-              <a:spLocks noChangeArrowheads="1"/>
-            </p:cNvSpPr>
-            <p:nvPr/>
-          </p:nvSpPr>
-          <p:spPr bwMode="auto">
-            <a:xfrm>
-              <a:off x="7086600" y="5334000"/>
-              <a:ext cx="609600" cy="609600"/>
-            </a:xfrm>
-            <a:prstGeom prst="roundRect">
-              <a:avLst>
-                <a:gd name="adj" fmla="val 16667"/>
-              </a:avLst>
-            </a:prstGeom>
-            <a:solidFill>
-              <a:srgbClr val="FFFF66"/>
-            </a:solidFill>
-            <a:ln w="9525">
-              <a:solidFill>
-                <a:schemeClr val="tx1"/>
-              </a:solidFill>
-              <a:round/>
-              <a:headEnd/>
-              <a:tailEnd/>
-            </a:ln>
-            <a:effectLst/>
-          </p:spPr>
-          <p:txBody>
-            <a:bodyPr wrap="none" anchor="ctr"/>
-            <a:lstStyle/>
-            <a:p>
-              <a:pPr>
-                <a:lnSpc>
-                  <a:spcPct val="90000"/>
-                </a:lnSpc>
-              </a:pPr>
-              <a:r>
-                <a:rPr lang="en-US" altLang="en-US">
-                  <a:solidFill>
-                    <a:srgbClr val="008A87"/>
-                  </a:solidFill>
-                  <a:ea typeface="Arial Unicode MS" pitchFamily="34" charset="-122"/>
-                </a:rPr>
-                <a:t>72</a:t>
-              </a:r>
-            </a:p>
-          </p:txBody>
-        </p:sp>
-        <p:cxnSp>
-          <p:nvCxnSpPr>
-            <p:cNvPr id="34" name="AutoShape 15">
-              <a:extLst>
-                <a:ext uri="{FF2B5EF4-FFF2-40B4-BE49-F238E27FC236}">
-                  <a16:creationId xmlns:a16="http://schemas.microsoft.com/office/drawing/2014/main" id="{E0A99421-8663-BD8D-182C-F7A0A7A5BD61}"/>
-                </a:ext>
-              </a:extLst>
-            </p:cNvPr>
-            <p:cNvCxnSpPr>
-              <a:cxnSpLocks noChangeShapeType="1"/>
-              <a:stCxn id="32" idx="3"/>
-              <a:endCxn id="33" idx="1"/>
-            </p:cNvCxnSpPr>
-            <p:nvPr/>
-          </p:nvCxnSpPr>
-          <p:spPr bwMode="auto">
-            <a:xfrm>
-              <a:off x="6705600" y="5638800"/>
-              <a:ext cx="381000" cy="0"/>
-            </a:xfrm>
-            <a:prstGeom prst="straightConnector1">
-              <a:avLst/>
-            </a:prstGeom>
-            <a:noFill/>
-            <a:ln w="38100">
-              <a:solidFill>
-                <a:schemeClr val="tx1"/>
-              </a:solidFill>
-              <a:round/>
-              <a:headEnd type="triangle" w="med" len="med"/>
-              <a:tailEnd type="triangle" w="med" len="med"/>
-            </a:ln>
-            <a:effectLst/>
-            <a:extLst>
-              <a:ext uri="{909E8E84-426E-40DD-AFC4-6F175D3DCCD1}">
-                <a14:hiddenFill xmlns:a14="http://schemas.microsoft.com/office/drawing/2010/main">
-                  <a:noFill/>
-                </a14:hiddenFill>
-              </a:ext>
-            </a:extLst>
-          </p:spPr>
-        </p:cxnSp>
-        <p:sp>
-          <p:nvSpPr>
-            <p:cNvPr id="51" name="AutoShape 16">
-              <a:extLst>
-                <a:ext uri="{FF2B5EF4-FFF2-40B4-BE49-F238E27FC236}">
-                  <a16:creationId xmlns:a16="http://schemas.microsoft.com/office/drawing/2014/main" id="{8860A565-2683-17E9-7023-A969EE1E7C4F}"/>
-                </a:ext>
-              </a:extLst>
-            </p:cNvPr>
-            <p:cNvSpPr>
-              <a:spLocks noChangeArrowheads="1"/>
-            </p:cNvSpPr>
-            <p:nvPr/>
-          </p:nvSpPr>
-          <p:spPr bwMode="auto">
-            <a:xfrm>
-              <a:off x="8077200" y="5334000"/>
-              <a:ext cx="609600" cy="609600"/>
-            </a:xfrm>
-            <a:prstGeom prst="roundRect">
-              <a:avLst>
-                <a:gd name="adj" fmla="val 16667"/>
-              </a:avLst>
-            </a:prstGeom>
-            <a:solidFill>
-              <a:srgbClr val="FFFF66"/>
-            </a:solidFill>
-            <a:ln w="9525">
-              <a:solidFill>
-                <a:schemeClr val="tx1"/>
-              </a:solidFill>
-              <a:round/>
-              <a:headEnd/>
-              <a:tailEnd/>
-            </a:ln>
-            <a:effectLst/>
-          </p:spPr>
-          <p:txBody>
-            <a:bodyPr wrap="none" anchor="ctr"/>
-            <a:lstStyle/>
-            <a:p>
-              <a:pPr>
-                <a:lnSpc>
-                  <a:spcPct val="90000"/>
-                </a:lnSpc>
-              </a:pPr>
-              <a:r>
-                <a:rPr lang="en-US" altLang="en-US">
-                  <a:solidFill>
-                    <a:srgbClr val="008A87"/>
-                  </a:solidFill>
-                  <a:ea typeface="Arial Unicode MS" pitchFamily="34" charset="-122"/>
-                </a:rPr>
-                <a:t>79</a:t>
-              </a:r>
-            </a:p>
-          </p:txBody>
-        </p:sp>
-        <p:cxnSp>
-          <p:nvCxnSpPr>
-            <p:cNvPr id="52" name="AutoShape 17">
-              <a:extLst>
-                <a:ext uri="{FF2B5EF4-FFF2-40B4-BE49-F238E27FC236}">
-                  <a16:creationId xmlns:a16="http://schemas.microsoft.com/office/drawing/2014/main" id="{790514D1-6F43-A8B2-CAC1-4AAB09B53DDC}"/>
-                </a:ext>
-              </a:extLst>
-            </p:cNvPr>
-            <p:cNvCxnSpPr>
-              <a:cxnSpLocks noChangeShapeType="1"/>
-              <a:stCxn id="33" idx="3"/>
-              <a:endCxn id="51" idx="1"/>
-            </p:cNvCxnSpPr>
-            <p:nvPr/>
-          </p:nvCxnSpPr>
-          <p:spPr bwMode="auto">
-            <a:xfrm>
-              <a:off x="7696200" y="5638800"/>
-              <a:ext cx="381000" cy="0"/>
-            </a:xfrm>
-            <a:prstGeom prst="straightConnector1">
-              <a:avLst/>
-            </a:prstGeom>
-            <a:noFill/>
-            <a:ln w="38100">
-              <a:solidFill>
-                <a:schemeClr val="tx1"/>
-              </a:solidFill>
-              <a:round/>
-              <a:headEnd type="triangle" w="med" len="med"/>
-              <a:tailEnd type="triangle" w="med" len="med"/>
-            </a:ln>
-            <a:effectLst/>
-            <a:extLst>
-              <a:ext uri="{909E8E84-426E-40DD-AFC4-6F175D3DCCD1}">
-                <a14:hiddenFill xmlns:a14="http://schemas.microsoft.com/office/drawing/2010/main">
-                  <a:noFill/>
-                </a14:hiddenFill>
-              </a:ext>
-            </a:extLst>
-          </p:spPr>
-        </p:cxnSp>
-        <p:cxnSp>
-          <p:nvCxnSpPr>
-            <p:cNvPr id="53" name="AutoShape 18">
-              <a:extLst>
-                <a:ext uri="{FF2B5EF4-FFF2-40B4-BE49-F238E27FC236}">
-                  <a16:creationId xmlns:a16="http://schemas.microsoft.com/office/drawing/2014/main" id="{FAD8F871-B43C-D682-5BBF-338E4456E2A4}"/>
-                </a:ext>
-              </a:extLst>
-            </p:cNvPr>
-            <p:cNvCxnSpPr>
-              <a:cxnSpLocks noChangeShapeType="1"/>
-              <a:stCxn id="51" idx="3"/>
-            </p:cNvCxnSpPr>
-            <p:nvPr/>
-          </p:nvCxnSpPr>
-          <p:spPr bwMode="auto">
-            <a:xfrm>
-              <a:off x="8686800" y="5638800"/>
-              <a:ext cx="381000" cy="1588"/>
-            </a:xfrm>
-            <a:prstGeom prst="straightConnector1">
-              <a:avLst/>
-            </a:prstGeom>
-            <a:noFill/>
-            <a:ln w="38100">
-              <a:solidFill>
-                <a:schemeClr val="tx1"/>
-              </a:solidFill>
-              <a:round/>
-              <a:headEnd type="triangle" w="med" len="med"/>
-              <a:tailEnd type="triangle" w="med" len="med"/>
-            </a:ln>
-            <a:effectLst/>
-            <a:extLst>
-              <a:ext uri="{909E8E84-426E-40DD-AFC4-6F175D3DCCD1}">
-                <a14:hiddenFill xmlns:a14="http://schemas.microsoft.com/office/drawing/2010/main">
-                  <a:noFill/>
-                </a14:hiddenFill>
-              </a:ext>
-            </a:extLst>
-          </p:spPr>
-        </p:cxnSp>
-        <p:sp>
-          <p:nvSpPr>
-            <p:cNvPr id="54" name="AutoShape 19">
-              <a:extLst>
-                <a:ext uri="{FF2B5EF4-FFF2-40B4-BE49-F238E27FC236}">
-                  <a16:creationId xmlns:a16="http://schemas.microsoft.com/office/drawing/2014/main" id="{01B40B1F-CBC5-44C0-6F25-C66FD35538EB}"/>
-                </a:ext>
-              </a:extLst>
-            </p:cNvPr>
-            <p:cNvSpPr>
-              <a:spLocks noChangeArrowheads="1"/>
-            </p:cNvSpPr>
-            <p:nvPr/>
-          </p:nvSpPr>
-          <p:spPr bwMode="auto">
-            <a:xfrm>
-              <a:off x="152400" y="4343400"/>
-              <a:ext cx="609600" cy="609600"/>
-            </a:xfrm>
-            <a:prstGeom prst="roundRect">
-              <a:avLst>
-                <a:gd name="adj" fmla="val 16667"/>
-              </a:avLst>
-            </a:prstGeom>
-            <a:solidFill>
-              <a:srgbClr val="FFFF66"/>
-            </a:solidFill>
-            <a:ln w="9525">
-              <a:solidFill>
-                <a:schemeClr val="tx1"/>
-              </a:solidFill>
-              <a:round/>
-              <a:headEnd/>
-              <a:tailEnd/>
-            </a:ln>
-            <a:effectLst/>
-          </p:spPr>
-          <p:txBody>
-            <a:bodyPr wrap="none" anchor="ctr"/>
-            <a:lstStyle/>
-            <a:p>
-              <a:pPr>
-                <a:lnSpc>
-                  <a:spcPct val="90000"/>
-                </a:lnSpc>
-              </a:pPr>
-              <a:r>
-                <a:rPr lang="en-US" altLang="en-US">
-                  <a:solidFill>
-                    <a:srgbClr val="008A87"/>
-                  </a:solidFill>
-                  <a:ea typeface="Arial Unicode MS" pitchFamily="34" charset="-122"/>
-                </a:rPr>
-                <a:t>14</a:t>
-              </a:r>
-            </a:p>
-          </p:txBody>
-        </p:sp>
-        <p:sp>
-          <p:nvSpPr>
-            <p:cNvPr id="55" name="AutoShape 20">
-              <a:extLst>
-                <a:ext uri="{FF2B5EF4-FFF2-40B4-BE49-F238E27FC236}">
-                  <a16:creationId xmlns:a16="http://schemas.microsoft.com/office/drawing/2014/main" id="{8B8D4FD8-7A7D-ECB0-A7F4-398D8E8E1903}"/>
-                </a:ext>
-              </a:extLst>
-            </p:cNvPr>
-            <p:cNvSpPr>
-              <a:spLocks noChangeArrowheads="1"/>
-            </p:cNvSpPr>
-            <p:nvPr/>
-          </p:nvSpPr>
-          <p:spPr bwMode="auto">
-            <a:xfrm>
-              <a:off x="2133600" y="4343400"/>
-              <a:ext cx="609600" cy="609600"/>
-            </a:xfrm>
-            <a:prstGeom prst="roundRect">
-              <a:avLst>
-                <a:gd name="adj" fmla="val 16667"/>
-              </a:avLst>
-            </a:prstGeom>
-            <a:solidFill>
-              <a:srgbClr val="FFFF66"/>
-            </a:solidFill>
-            <a:ln w="9525">
-              <a:solidFill>
-                <a:schemeClr val="tx1"/>
-              </a:solidFill>
-              <a:round/>
-              <a:headEnd/>
-              <a:tailEnd/>
-            </a:ln>
-            <a:effectLst/>
-          </p:spPr>
-          <p:txBody>
-            <a:bodyPr wrap="none" anchor="ctr"/>
-            <a:lstStyle/>
-            <a:p>
-              <a:pPr>
-                <a:lnSpc>
-                  <a:spcPct val="90000"/>
-                </a:lnSpc>
-              </a:pPr>
-              <a:r>
-                <a:rPr lang="en-US" altLang="en-US">
-                  <a:solidFill>
-                    <a:srgbClr val="008A87"/>
-                  </a:solidFill>
-                  <a:ea typeface="Arial Unicode MS" pitchFamily="34" charset="-122"/>
-                </a:rPr>
-                <a:t>34</a:t>
-              </a:r>
-            </a:p>
-          </p:txBody>
-        </p:sp>
-        <p:sp>
-          <p:nvSpPr>
-            <p:cNvPr id="56" name="AutoShape 21">
-              <a:extLst>
-                <a:ext uri="{FF2B5EF4-FFF2-40B4-BE49-F238E27FC236}">
-                  <a16:creationId xmlns:a16="http://schemas.microsoft.com/office/drawing/2014/main" id="{284C0AB9-1E39-8474-C1B9-AAFCA18CDF74}"/>
-                </a:ext>
-              </a:extLst>
-            </p:cNvPr>
-            <p:cNvSpPr>
-              <a:spLocks noChangeArrowheads="1"/>
-            </p:cNvSpPr>
-            <p:nvPr/>
-          </p:nvSpPr>
-          <p:spPr bwMode="auto">
-            <a:xfrm>
-              <a:off x="6096000" y="4343400"/>
-              <a:ext cx="609600" cy="609600"/>
-            </a:xfrm>
-            <a:prstGeom prst="roundRect">
-              <a:avLst>
-                <a:gd name="adj" fmla="val 16667"/>
-              </a:avLst>
-            </a:prstGeom>
-            <a:solidFill>
-              <a:srgbClr val="FFFF66"/>
-            </a:solidFill>
-            <a:ln w="9525">
-              <a:solidFill>
-                <a:schemeClr val="tx1"/>
-              </a:solidFill>
-              <a:round/>
-              <a:headEnd/>
-              <a:tailEnd/>
-            </a:ln>
-            <a:effectLst/>
-          </p:spPr>
-          <p:txBody>
-            <a:bodyPr wrap="none" anchor="ctr"/>
-            <a:lstStyle/>
-            <a:p>
-              <a:pPr>
-                <a:lnSpc>
-                  <a:spcPct val="90000"/>
-                </a:lnSpc>
-              </a:pPr>
-              <a:r>
-                <a:rPr lang="en-US" altLang="en-US">
-                  <a:solidFill>
-                    <a:srgbClr val="008A87"/>
-                  </a:solidFill>
-                  <a:ea typeface="Arial Unicode MS" pitchFamily="34" charset="-122"/>
-                </a:rPr>
-                <a:t>66</a:t>
-              </a:r>
-            </a:p>
-          </p:txBody>
-        </p:sp>
-        <p:cxnSp>
-          <p:nvCxnSpPr>
-            <p:cNvPr id="57" name="AutoShape 22">
-              <a:extLst>
-                <a:ext uri="{FF2B5EF4-FFF2-40B4-BE49-F238E27FC236}">
-                  <a16:creationId xmlns:a16="http://schemas.microsoft.com/office/drawing/2014/main" id="{AE541858-59A9-2F0D-D523-3D5EF4BAB21D}"/>
-                </a:ext>
-              </a:extLst>
-            </p:cNvPr>
-            <p:cNvCxnSpPr>
-              <a:cxnSpLocks noChangeShapeType="1"/>
-              <a:stCxn id="56" idx="3"/>
-              <a:endCxn id="69" idx="1"/>
-            </p:cNvCxnSpPr>
-            <p:nvPr/>
-          </p:nvCxnSpPr>
-          <p:spPr bwMode="auto">
-            <a:xfrm>
-              <a:off x="6705600" y="4648200"/>
-              <a:ext cx="1371600" cy="0"/>
-            </a:xfrm>
-            <a:prstGeom prst="straightConnector1">
-              <a:avLst/>
-            </a:prstGeom>
-            <a:noFill/>
-            <a:ln w="38100">
-              <a:solidFill>
-                <a:schemeClr val="tx1"/>
-              </a:solidFill>
-              <a:round/>
-              <a:headEnd type="triangle" w="med" len="med"/>
-              <a:tailEnd type="triangle" w="med" len="med"/>
-            </a:ln>
-            <a:effectLst/>
-            <a:extLst>
-              <a:ext uri="{909E8E84-426E-40DD-AFC4-6F175D3DCCD1}">
-                <a14:hiddenFill xmlns:a14="http://schemas.microsoft.com/office/drawing/2010/main">
-                  <a:noFill/>
-                </a14:hiddenFill>
-              </a:ext>
-            </a:extLst>
-          </p:spPr>
-        </p:cxnSp>
-        <p:cxnSp>
-          <p:nvCxnSpPr>
-            <p:cNvPr id="58" name="AutoShape 23">
-              <a:extLst>
-                <a:ext uri="{FF2B5EF4-FFF2-40B4-BE49-F238E27FC236}">
-                  <a16:creationId xmlns:a16="http://schemas.microsoft.com/office/drawing/2014/main" id="{82E97256-F52A-7184-42D3-1909993C9AEC}"/>
-                </a:ext>
-              </a:extLst>
-            </p:cNvPr>
-            <p:cNvCxnSpPr>
-              <a:cxnSpLocks noChangeShapeType="1"/>
-              <a:stCxn id="54" idx="2"/>
-              <a:endCxn id="4" idx="0"/>
-            </p:cNvCxnSpPr>
-            <p:nvPr/>
-          </p:nvCxnSpPr>
-          <p:spPr bwMode="auto">
-            <a:xfrm>
-              <a:off x="457200" y="4953000"/>
-              <a:ext cx="0" cy="381000"/>
-            </a:xfrm>
-            <a:prstGeom prst="straightConnector1">
-              <a:avLst/>
-            </a:prstGeom>
-            <a:noFill/>
-            <a:ln w="38100">
-              <a:solidFill>
-                <a:schemeClr val="tx1"/>
-              </a:solidFill>
-              <a:round/>
-              <a:headEnd type="triangle" w="med" len="med"/>
-              <a:tailEnd type="triangle" w="med" len="med"/>
-            </a:ln>
-            <a:effectLst/>
-            <a:extLst>
-              <a:ext uri="{909E8E84-426E-40DD-AFC4-6F175D3DCCD1}">
-                <a14:hiddenFill xmlns:a14="http://schemas.microsoft.com/office/drawing/2010/main">
-                  <a:noFill/>
-                </a14:hiddenFill>
-              </a:ext>
-            </a:extLst>
-          </p:spPr>
-        </p:cxnSp>
-        <p:cxnSp>
-          <p:nvCxnSpPr>
-            <p:cNvPr id="59" name="AutoShape 24">
-              <a:extLst>
-                <a:ext uri="{FF2B5EF4-FFF2-40B4-BE49-F238E27FC236}">
-                  <a16:creationId xmlns:a16="http://schemas.microsoft.com/office/drawing/2014/main" id="{B6AB9559-38DC-0F4D-E1D2-AD3C85AB9A71}"/>
-                </a:ext>
-              </a:extLst>
-            </p:cNvPr>
-            <p:cNvCxnSpPr>
-              <a:cxnSpLocks noChangeShapeType="1"/>
-              <a:stCxn id="56" idx="2"/>
-              <a:endCxn id="32" idx="0"/>
-            </p:cNvCxnSpPr>
-            <p:nvPr/>
-          </p:nvCxnSpPr>
-          <p:spPr bwMode="auto">
-            <a:xfrm>
-              <a:off x="6400800" y="4953000"/>
-              <a:ext cx="0" cy="381000"/>
-            </a:xfrm>
-            <a:prstGeom prst="straightConnector1">
-              <a:avLst/>
-            </a:prstGeom>
-            <a:noFill/>
-            <a:ln w="38100">
-              <a:solidFill>
-                <a:schemeClr val="tx1"/>
-              </a:solidFill>
-              <a:round/>
-              <a:headEnd type="triangle" w="med" len="med"/>
-              <a:tailEnd type="triangle" w="med" len="med"/>
-            </a:ln>
-            <a:effectLst/>
-            <a:extLst>
-              <a:ext uri="{909E8E84-426E-40DD-AFC4-6F175D3DCCD1}">
-                <a14:hiddenFill xmlns:a14="http://schemas.microsoft.com/office/drawing/2010/main">
-                  <a:noFill/>
-                </a14:hiddenFill>
-              </a:ext>
-            </a:extLst>
-          </p:spPr>
-        </p:cxnSp>
-        <p:cxnSp>
-          <p:nvCxnSpPr>
-            <p:cNvPr id="60" name="AutoShape 25">
-              <a:extLst>
-                <a:ext uri="{FF2B5EF4-FFF2-40B4-BE49-F238E27FC236}">
-                  <a16:creationId xmlns:a16="http://schemas.microsoft.com/office/drawing/2014/main" id="{19D979FB-B0F5-EE0C-7609-10D352469978}"/>
-                </a:ext>
-              </a:extLst>
-            </p:cNvPr>
-            <p:cNvCxnSpPr>
-              <a:cxnSpLocks noChangeShapeType="1"/>
-              <a:stCxn id="54" idx="3"/>
-              <a:endCxn id="55" idx="1"/>
-            </p:cNvCxnSpPr>
-            <p:nvPr/>
-          </p:nvCxnSpPr>
-          <p:spPr bwMode="auto">
-            <a:xfrm>
-              <a:off x="762000" y="4648200"/>
-              <a:ext cx="1371600" cy="0"/>
-            </a:xfrm>
-            <a:prstGeom prst="straightConnector1">
-              <a:avLst/>
-            </a:prstGeom>
-            <a:noFill/>
-            <a:ln w="38100">
-              <a:solidFill>
-                <a:schemeClr val="tx1"/>
-              </a:solidFill>
-              <a:round/>
-              <a:headEnd type="triangle" w="med" len="med"/>
-              <a:tailEnd type="triangle" w="med" len="med"/>
-            </a:ln>
-            <a:effectLst/>
-            <a:extLst>
-              <a:ext uri="{909E8E84-426E-40DD-AFC4-6F175D3DCCD1}">
-                <a14:hiddenFill xmlns:a14="http://schemas.microsoft.com/office/drawing/2010/main">
-                  <a:noFill/>
-                </a14:hiddenFill>
-              </a:ext>
-            </a:extLst>
-          </p:spPr>
-        </p:cxnSp>
-        <p:cxnSp>
-          <p:nvCxnSpPr>
-            <p:cNvPr id="61" name="AutoShape 26">
-              <a:extLst>
-                <a:ext uri="{FF2B5EF4-FFF2-40B4-BE49-F238E27FC236}">
-                  <a16:creationId xmlns:a16="http://schemas.microsoft.com/office/drawing/2014/main" id="{33B675A9-1A68-3C81-5CD8-C7525541BC6C}"/>
-                </a:ext>
-              </a:extLst>
-            </p:cNvPr>
-            <p:cNvCxnSpPr>
-              <a:cxnSpLocks noChangeShapeType="1"/>
-              <a:stCxn id="55" idx="3"/>
-              <a:endCxn id="66" idx="1"/>
-            </p:cNvCxnSpPr>
-            <p:nvPr/>
-          </p:nvCxnSpPr>
-          <p:spPr bwMode="auto">
-            <a:xfrm>
-              <a:off x="2743200" y="4648200"/>
-              <a:ext cx="1371600" cy="0"/>
-            </a:xfrm>
-            <a:prstGeom prst="straightConnector1">
-              <a:avLst/>
-            </a:prstGeom>
-            <a:noFill/>
-            <a:ln w="38100">
-              <a:solidFill>
-                <a:schemeClr val="tx1"/>
-              </a:solidFill>
-              <a:round/>
-              <a:headEnd type="triangle" w="med" len="med"/>
-              <a:tailEnd type="triangle" w="med" len="med"/>
-            </a:ln>
-            <a:effectLst/>
-            <a:extLst>
-              <a:ext uri="{909E8E84-426E-40DD-AFC4-6F175D3DCCD1}">
-                <a14:hiddenFill xmlns:a14="http://schemas.microsoft.com/office/drawing/2010/main">
-                  <a:noFill/>
-                </a14:hiddenFill>
-              </a:ext>
-            </a:extLst>
-          </p:spPr>
-        </p:cxnSp>
-        <p:cxnSp>
-          <p:nvCxnSpPr>
-            <p:cNvPr id="62" name="AutoShape 27">
-              <a:extLst>
-                <a:ext uri="{FF2B5EF4-FFF2-40B4-BE49-F238E27FC236}">
-                  <a16:creationId xmlns:a16="http://schemas.microsoft.com/office/drawing/2014/main" id="{AF4F3F49-5060-71BC-03EB-05D937D862D9}"/>
-                </a:ext>
-              </a:extLst>
-            </p:cNvPr>
-            <p:cNvCxnSpPr>
-              <a:cxnSpLocks noChangeShapeType="1"/>
-              <a:stCxn id="55" idx="2"/>
-              <a:endCxn id="16" idx="0"/>
-            </p:cNvCxnSpPr>
-            <p:nvPr/>
-          </p:nvCxnSpPr>
-          <p:spPr bwMode="auto">
-            <a:xfrm>
-              <a:off x="2438400" y="4953000"/>
-              <a:ext cx="0" cy="381000"/>
-            </a:xfrm>
-            <a:prstGeom prst="straightConnector1">
-              <a:avLst/>
-            </a:prstGeom>
-            <a:noFill/>
-            <a:ln w="38100">
-              <a:solidFill>
-                <a:schemeClr val="tx1"/>
-              </a:solidFill>
-              <a:round/>
-              <a:headEnd type="triangle" w="med" len="med"/>
-              <a:tailEnd type="triangle" w="med" len="med"/>
-            </a:ln>
-            <a:effectLst/>
-            <a:extLst>
-              <a:ext uri="{909E8E84-426E-40DD-AFC4-6F175D3DCCD1}">
-                <a14:hiddenFill xmlns:a14="http://schemas.microsoft.com/office/drawing/2010/main">
-                  <a:noFill/>
-                </a14:hiddenFill>
-              </a:ext>
-            </a:extLst>
-          </p:spPr>
-        </p:cxnSp>
-        <p:cxnSp>
-          <p:nvCxnSpPr>
-            <p:cNvPr id="63" name="AutoShape 28">
-              <a:extLst>
-                <a:ext uri="{FF2B5EF4-FFF2-40B4-BE49-F238E27FC236}">
-                  <a16:creationId xmlns:a16="http://schemas.microsoft.com/office/drawing/2014/main" id="{C301C38E-C141-F3FC-5C23-34362C8193C1}"/>
-                </a:ext>
-              </a:extLst>
-            </p:cNvPr>
-            <p:cNvCxnSpPr>
-              <a:cxnSpLocks noChangeShapeType="1"/>
-              <a:stCxn id="20" idx="3"/>
-              <a:endCxn id="26" idx="1"/>
-            </p:cNvCxnSpPr>
-            <p:nvPr/>
-          </p:nvCxnSpPr>
-          <p:spPr bwMode="auto">
-            <a:xfrm>
-              <a:off x="3733800" y="5638800"/>
-              <a:ext cx="381000" cy="0"/>
-            </a:xfrm>
-            <a:prstGeom prst="straightConnector1">
-              <a:avLst/>
-            </a:prstGeom>
-            <a:noFill/>
-            <a:ln w="38100">
-              <a:solidFill>
-                <a:schemeClr val="tx1"/>
-              </a:solidFill>
-              <a:round/>
-              <a:headEnd type="triangle" w="med" len="med"/>
-              <a:tailEnd type="triangle" w="med" len="med"/>
-            </a:ln>
-            <a:effectLst/>
-            <a:extLst>
-              <a:ext uri="{909E8E84-426E-40DD-AFC4-6F175D3DCCD1}">
-                <a14:hiddenFill xmlns:a14="http://schemas.microsoft.com/office/drawing/2010/main">
-                  <a:noFill/>
-                </a14:hiddenFill>
-              </a:ext>
-            </a:extLst>
-          </p:spPr>
-        </p:cxnSp>
-        <p:cxnSp>
-          <p:nvCxnSpPr>
-            <p:cNvPr id="64" name="AutoShape 29">
-              <a:extLst>
-                <a:ext uri="{FF2B5EF4-FFF2-40B4-BE49-F238E27FC236}">
-                  <a16:creationId xmlns:a16="http://schemas.microsoft.com/office/drawing/2014/main" id="{DDC73EE0-ED44-C1A1-37F8-88E520B87C27}"/>
-                </a:ext>
-              </a:extLst>
-            </p:cNvPr>
-            <p:cNvCxnSpPr>
-              <a:cxnSpLocks noChangeShapeType="1"/>
-              <a:stCxn id="26" idx="3"/>
-              <a:endCxn id="31" idx="1"/>
-            </p:cNvCxnSpPr>
-            <p:nvPr/>
-          </p:nvCxnSpPr>
-          <p:spPr bwMode="auto">
-            <a:xfrm>
-              <a:off x="4724400" y="5638800"/>
-              <a:ext cx="381000" cy="0"/>
-            </a:xfrm>
-            <a:prstGeom prst="straightConnector1">
-              <a:avLst/>
-            </a:prstGeom>
-            <a:noFill/>
-            <a:ln w="38100">
-              <a:solidFill>
-                <a:schemeClr val="tx1"/>
-              </a:solidFill>
-              <a:round/>
-              <a:headEnd type="triangle" w="med" len="med"/>
-              <a:tailEnd type="triangle" w="med" len="med"/>
-            </a:ln>
-            <a:effectLst/>
-            <a:extLst>
-              <a:ext uri="{909E8E84-426E-40DD-AFC4-6F175D3DCCD1}">
-                <a14:hiddenFill xmlns:a14="http://schemas.microsoft.com/office/drawing/2010/main">
-                  <a:noFill/>
-                </a14:hiddenFill>
-              </a:ext>
-            </a:extLst>
-          </p:spPr>
-        </p:cxnSp>
-        <p:cxnSp>
-          <p:nvCxnSpPr>
-            <p:cNvPr id="65" name="AutoShape 30">
-              <a:extLst>
-                <a:ext uri="{FF2B5EF4-FFF2-40B4-BE49-F238E27FC236}">
-                  <a16:creationId xmlns:a16="http://schemas.microsoft.com/office/drawing/2014/main" id="{50C8CB1C-4964-0F95-AF73-871F517F351E}"/>
-                </a:ext>
-              </a:extLst>
-            </p:cNvPr>
-            <p:cNvCxnSpPr>
-              <a:cxnSpLocks noChangeShapeType="1"/>
-              <a:stCxn id="31" idx="3"/>
-              <a:endCxn id="32" idx="1"/>
-            </p:cNvCxnSpPr>
-            <p:nvPr/>
-          </p:nvCxnSpPr>
-          <p:spPr bwMode="auto">
-            <a:xfrm>
-              <a:off x="5715000" y="5638800"/>
-              <a:ext cx="381000" cy="0"/>
-            </a:xfrm>
-            <a:prstGeom prst="straightConnector1">
-              <a:avLst/>
-            </a:prstGeom>
-            <a:noFill/>
-            <a:ln w="38100">
-              <a:solidFill>
-                <a:schemeClr val="tx1"/>
-              </a:solidFill>
-              <a:round/>
-              <a:headEnd type="triangle" w="med" len="med"/>
-              <a:tailEnd type="triangle" w="med" len="med"/>
-            </a:ln>
-            <a:effectLst/>
-            <a:extLst>
-              <a:ext uri="{909E8E84-426E-40DD-AFC4-6F175D3DCCD1}">
-                <a14:hiddenFill xmlns:a14="http://schemas.microsoft.com/office/drawing/2010/main">
-                  <a:noFill/>
-                </a14:hiddenFill>
-              </a:ext>
-            </a:extLst>
-          </p:spPr>
-        </p:cxnSp>
-        <p:sp>
-          <p:nvSpPr>
-            <p:cNvPr id="66" name="AutoShape 46">
-              <a:extLst>
-                <a:ext uri="{FF2B5EF4-FFF2-40B4-BE49-F238E27FC236}">
-                  <a16:creationId xmlns:a16="http://schemas.microsoft.com/office/drawing/2014/main" id="{94A60583-51CA-396D-772E-836253748596}"/>
-                </a:ext>
-              </a:extLst>
-            </p:cNvPr>
-            <p:cNvSpPr>
-              <a:spLocks noChangeArrowheads="1"/>
-            </p:cNvSpPr>
-            <p:nvPr/>
-          </p:nvSpPr>
-          <p:spPr bwMode="auto">
-            <a:xfrm>
-              <a:off x="4114800" y="4343400"/>
-              <a:ext cx="609600" cy="609600"/>
-            </a:xfrm>
-            <a:prstGeom prst="roundRect">
-              <a:avLst>
-                <a:gd name="adj" fmla="val 16667"/>
-              </a:avLst>
-            </a:prstGeom>
-            <a:solidFill>
-              <a:srgbClr val="FFFF66"/>
-            </a:solidFill>
-            <a:ln w="9525">
-              <a:solidFill>
-                <a:schemeClr val="tx1"/>
-              </a:solidFill>
-              <a:round/>
-              <a:headEnd/>
-              <a:tailEnd/>
-            </a:ln>
-            <a:effectLst/>
-          </p:spPr>
-          <p:txBody>
-            <a:bodyPr wrap="none" anchor="ctr"/>
-            <a:lstStyle/>
-            <a:p>
-              <a:pPr>
-                <a:lnSpc>
-                  <a:spcPct val="90000"/>
-                </a:lnSpc>
-              </a:pPr>
-              <a:r>
-                <a:rPr lang="en-US" altLang="en-US">
-                  <a:solidFill>
-                    <a:srgbClr val="008A87"/>
-                  </a:solidFill>
-                  <a:ea typeface="Arial Unicode MS" pitchFamily="34" charset="-122"/>
-                </a:rPr>
-                <a:t>50</a:t>
-              </a:r>
-            </a:p>
-          </p:txBody>
-        </p:sp>
-        <p:cxnSp>
-          <p:nvCxnSpPr>
-            <p:cNvPr id="67" name="AutoShape 47">
-              <a:extLst>
-                <a:ext uri="{FF2B5EF4-FFF2-40B4-BE49-F238E27FC236}">
-                  <a16:creationId xmlns:a16="http://schemas.microsoft.com/office/drawing/2014/main" id="{F568BF41-CF7C-F3D5-153E-E76C5BFF9674}"/>
-                </a:ext>
-              </a:extLst>
-            </p:cNvPr>
-            <p:cNvCxnSpPr>
-              <a:cxnSpLocks noChangeShapeType="1"/>
-              <a:stCxn id="66" idx="3"/>
-              <a:endCxn id="56" idx="1"/>
-            </p:cNvCxnSpPr>
-            <p:nvPr/>
-          </p:nvCxnSpPr>
-          <p:spPr bwMode="auto">
-            <a:xfrm>
-              <a:off x="4724400" y="4648200"/>
-              <a:ext cx="1371600" cy="0"/>
-            </a:xfrm>
-            <a:prstGeom prst="straightConnector1">
-              <a:avLst/>
-            </a:prstGeom>
-            <a:noFill/>
-            <a:ln w="38100">
-              <a:solidFill>
-                <a:schemeClr val="tx1"/>
-              </a:solidFill>
-              <a:round/>
-              <a:headEnd type="triangle" w="med" len="med"/>
-              <a:tailEnd type="triangle" w="med" len="med"/>
-            </a:ln>
-            <a:effectLst/>
-            <a:extLst>
-              <a:ext uri="{909E8E84-426E-40DD-AFC4-6F175D3DCCD1}">
-                <a14:hiddenFill xmlns:a14="http://schemas.microsoft.com/office/drawing/2010/main">
-                  <a:noFill/>
-                </a14:hiddenFill>
-              </a:ext>
-            </a:extLst>
-          </p:spPr>
-        </p:cxnSp>
-        <p:cxnSp>
-          <p:nvCxnSpPr>
-            <p:cNvPr id="68" name="AutoShape 48">
-              <a:extLst>
-                <a:ext uri="{FF2B5EF4-FFF2-40B4-BE49-F238E27FC236}">
-                  <a16:creationId xmlns:a16="http://schemas.microsoft.com/office/drawing/2014/main" id="{D044EDE6-EA49-7900-EF5D-EBD1FF53BD37}"/>
-                </a:ext>
-              </a:extLst>
-            </p:cNvPr>
-            <p:cNvCxnSpPr>
-              <a:cxnSpLocks noChangeShapeType="1"/>
-              <a:stCxn id="66" idx="2"/>
-              <a:endCxn id="26" idx="0"/>
-            </p:cNvCxnSpPr>
-            <p:nvPr/>
-          </p:nvCxnSpPr>
-          <p:spPr bwMode="auto">
-            <a:xfrm>
-              <a:off x="4419600" y="4953000"/>
-              <a:ext cx="0" cy="381000"/>
-            </a:xfrm>
-            <a:prstGeom prst="straightConnector1">
-              <a:avLst/>
-            </a:prstGeom>
-            <a:noFill/>
-            <a:ln w="38100">
-              <a:solidFill>
-                <a:schemeClr val="tx1"/>
-              </a:solidFill>
-              <a:round/>
-              <a:headEnd type="triangle" w="med" len="med"/>
-              <a:tailEnd type="triangle" w="med" len="med"/>
-            </a:ln>
-            <a:effectLst/>
-            <a:extLst>
-              <a:ext uri="{909E8E84-426E-40DD-AFC4-6F175D3DCCD1}">
-                <a14:hiddenFill xmlns:a14="http://schemas.microsoft.com/office/drawing/2010/main">
-                  <a:noFill/>
-                </a14:hiddenFill>
-              </a:ext>
-            </a:extLst>
-          </p:spPr>
-        </p:cxnSp>
-        <p:sp>
-          <p:nvSpPr>
-            <p:cNvPr id="69" name="AutoShape 49">
-              <a:extLst>
-                <a:ext uri="{FF2B5EF4-FFF2-40B4-BE49-F238E27FC236}">
-                  <a16:creationId xmlns:a16="http://schemas.microsoft.com/office/drawing/2014/main" id="{171BC906-6682-4FFB-1545-B4A1EB178B8A}"/>
-                </a:ext>
-              </a:extLst>
-            </p:cNvPr>
-            <p:cNvSpPr>
-              <a:spLocks noChangeArrowheads="1"/>
-            </p:cNvSpPr>
-            <p:nvPr/>
-          </p:nvSpPr>
-          <p:spPr bwMode="auto">
-            <a:xfrm>
-              <a:off x="8077200" y="4343400"/>
-              <a:ext cx="609600" cy="609600"/>
-            </a:xfrm>
-            <a:prstGeom prst="roundRect">
-              <a:avLst>
-                <a:gd name="adj" fmla="val 16667"/>
-              </a:avLst>
-            </a:prstGeom>
-            <a:solidFill>
-              <a:srgbClr val="FFFF66"/>
-            </a:solidFill>
-            <a:ln w="9525">
-              <a:solidFill>
-                <a:schemeClr val="tx1"/>
-              </a:solidFill>
-              <a:round/>
-              <a:headEnd/>
-              <a:tailEnd/>
-            </a:ln>
-            <a:effectLst/>
-          </p:spPr>
-          <p:txBody>
-            <a:bodyPr wrap="none" anchor="ctr"/>
-            <a:lstStyle/>
-            <a:p>
-              <a:pPr>
-                <a:lnSpc>
-                  <a:spcPct val="90000"/>
-                </a:lnSpc>
-              </a:pPr>
-              <a:r>
-                <a:rPr lang="en-US" altLang="en-US">
-                  <a:solidFill>
-                    <a:srgbClr val="008A87"/>
-                  </a:solidFill>
-                  <a:ea typeface="Arial Unicode MS" pitchFamily="34" charset="-122"/>
-                </a:rPr>
-                <a:t>79</a:t>
-              </a:r>
-            </a:p>
-          </p:txBody>
-        </p:sp>
-        <p:cxnSp>
-          <p:nvCxnSpPr>
-            <p:cNvPr id="70" name="AutoShape 50">
-              <a:extLst>
-                <a:ext uri="{FF2B5EF4-FFF2-40B4-BE49-F238E27FC236}">
-                  <a16:creationId xmlns:a16="http://schemas.microsoft.com/office/drawing/2014/main" id="{5A7DB1E4-9DDB-9AAD-493D-35B2E3EC7DB1}"/>
-                </a:ext>
-              </a:extLst>
-            </p:cNvPr>
-            <p:cNvCxnSpPr>
-              <a:cxnSpLocks noChangeShapeType="1"/>
-              <a:stCxn id="69" idx="2"/>
-              <a:endCxn id="51" idx="0"/>
-            </p:cNvCxnSpPr>
-            <p:nvPr/>
-          </p:nvCxnSpPr>
-          <p:spPr bwMode="auto">
-            <a:xfrm>
-              <a:off x="8382000" y="4953000"/>
-              <a:ext cx="0" cy="381000"/>
-            </a:xfrm>
-            <a:prstGeom prst="straightConnector1">
-              <a:avLst/>
-            </a:prstGeom>
-            <a:noFill/>
-            <a:ln w="38100">
-              <a:solidFill>
-                <a:schemeClr val="tx1"/>
-              </a:solidFill>
-              <a:round/>
-              <a:headEnd type="triangle" w="med" len="med"/>
-              <a:tailEnd type="triangle" w="med" len="med"/>
-            </a:ln>
-            <a:effectLst/>
-            <a:extLst>
-              <a:ext uri="{909E8E84-426E-40DD-AFC4-6F175D3DCCD1}">
-                <a14:hiddenFill xmlns:a14="http://schemas.microsoft.com/office/drawing/2010/main">
-                  <a:noFill/>
-                </a14:hiddenFill>
-              </a:ext>
-            </a:extLst>
-          </p:spPr>
-        </p:cxnSp>
-        <p:sp>
-          <p:nvSpPr>
-            <p:cNvPr id="71" name="AutoShape 51">
-              <a:extLst>
-                <a:ext uri="{FF2B5EF4-FFF2-40B4-BE49-F238E27FC236}">
-                  <a16:creationId xmlns:a16="http://schemas.microsoft.com/office/drawing/2014/main" id="{1D60EF03-38A9-9F4D-A3CD-F7FD5EB65C66}"/>
-                </a:ext>
-              </a:extLst>
-            </p:cNvPr>
-            <p:cNvSpPr>
-              <a:spLocks noChangeArrowheads="1"/>
-            </p:cNvSpPr>
-            <p:nvPr/>
-          </p:nvSpPr>
-          <p:spPr bwMode="auto">
-            <a:xfrm>
-              <a:off x="152400" y="3352800"/>
-              <a:ext cx="609600" cy="609600"/>
-            </a:xfrm>
-            <a:prstGeom prst="roundRect">
-              <a:avLst>
-                <a:gd name="adj" fmla="val 16667"/>
-              </a:avLst>
-            </a:prstGeom>
-            <a:solidFill>
-              <a:srgbClr val="FFFF66"/>
-            </a:solidFill>
-            <a:ln w="9525">
-              <a:solidFill>
-                <a:schemeClr val="tx1"/>
-              </a:solidFill>
-              <a:round/>
-              <a:headEnd/>
-              <a:tailEnd/>
-            </a:ln>
-            <a:effectLst/>
-          </p:spPr>
-          <p:txBody>
-            <a:bodyPr wrap="none" anchor="ctr"/>
-            <a:lstStyle/>
-            <a:p>
-              <a:pPr>
-                <a:lnSpc>
-                  <a:spcPct val="90000"/>
-                </a:lnSpc>
-              </a:pPr>
-              <a:r>
-                <a:rPr lang="en-US" altLang="en-US">
-                  <a:solidFill>
-                    <a:srgbClr val="008A87"/>
-                  </a:solidFill>
-                  <a:ea typeface="Arial Unicode MS" pitchFamily="34" charset="-122"/>
-                </a:rPr>
-                <a:t>14</a:t>
-              </a:r>
-            </a:p>
-          </p:txBody>
-        </p:sp>
-        <p:cxnSp>
-          <p:nvCxnSpPr>
-            <p:cNvPr id="72" name="AutoShape 52">
-              <a:extLst>
-                <a:ext uri="{FF2B5EF4-FFF2-40B4-BE49-F238E27FC236}">
-                  <a16:creationId xmlns:a16="http://schemas.microsoft.com/office/drawing/2014/main" id="{FA1A4262-1612-BD16-14E3-2CAD2D088AB3}"/>
-                </a:ext>
-              </a:extLst>
-            </p:cNvPr>
-            <p:cNvCxnSpPr>
-              <a:cxnSpLocks noChangeShapeType="1"/>
-              <a:stCxn id="71" idx="2"/>
-              <a:endCxn id="54" idx="0"/>
-            </p:cNvCxnSpPr>
-            <p:nvPr/>
-          </p:nvCxnSpPr>
-          <p:spPr bwMode="auto">
-            <a:xfrm>
-              <a:off x="457200" y="3962400"/>
-              <a:ext cx="0" cy="381000"/>
-            </a:xfrm>
-            <a:prstGeom prst="straightConnector1">
-              <a:avLst/>
-            </a:prstGeom>
-            <a:noFill/>
-            <a:ln w="38100">
-              <a:solidFill>
-                <a:schemeClr val="tx1"/>
-              </a:solidFill>
-              <a:round/>
-              <a:headEnd type="triangle" w="med" len="med"/>
-              <a:tailEnd type="triangle" w="med" len="med"/>
-            </a:ln>
-            <a:effectLst/>
-            <a:extLst>
-              <a:ext uri="{909E8E84-426E-40DD-AFC4-6F175D3DCCD1}">
-                <a14:hiddenFill xmlns:a14="http://schemas.microsoft.com/office/drawing/2010/main">
-                  <a:noFill/>
-                </a14:hiddenFill>
-              </a:ext>
-            </a:extLst>
-          </p:spPr>
-        </p:cxnSp>
-        <p:sp>
-          <p:nvSpPr>
-            <p:cNvPr id="73" name="AutoShape 53">
-              <a:extLst>
-                <a:ext uri="{FF2B5EF4-FFF2-40B4-BE49-F238E27FC236}">
-                  <a16:creationId xmlns:a16="http://schemas.microsoft.com/office/drawing/2014/main" id="{656B5637-0735-C074-42D5-937B903BE151}"/>
-                </a:ext>
-              </a:extLst>
-            </p:cNvPr>
-            <p:cNvSpPr>
-              <a:spLocks noChangeArrowheads="1"/>
-            </p:cNvSpPr>
-            <p:nvPr/>
-          </p:nvSpPr>
-          <p:spPr bwMode="auto">
-            <a:xfrm>
-              <a:off x="4114800" y="3352800"/>
-              <a:ext cx="609600" cy="609600"/>
-            </a:xfrm>
-            <a:prstGeom prst="roundRect">
-              <a:avLst>
-                <a:gd name="adj" fmla="val 16667"/>
-              </a:avLst>
-            </a:prstGeom>
-            <a:solidFill>
-              <a:srgbClr val="FFFF66"/>
-            </a:solidFill>
-            <a:ln w="9525">
-              <a:solidFill>
-                <a:schemeClr val="tx1"/>
-              </a:solidFill>
-              <a:round/>
-              <a:headEnd/>
-              <a:tailEnd/>
-            </a:ln>
-            <a:effectLst/>
-          </p:spPr>
-          <p:txBody>
-            <a:bodyPr wrap="none" anchor="ctr"/>
-            <a:lstStyle/>
-            <a:p>
-              <a:pPr>
-                <a:lnSpc>
-                  <a:spcPct val="90000"/>
-                </a:lnSpc>
-              </a:pPr>
-              <a:r>
-                <a:rPr lang="en-US" altLang="en-US">
-                  <a:solidFill>
-                    <a:srgbClr val="008A87"/>
-                  </a:solidFill>
-                  <a:ea typeface="Arial Unicode MS" pitchFamily="34" charset="-122"/>
-                </a:rPr>
-                <a:t>50</a:t>
-              </a:r>
-            </a:p>
-          </p:txBody>
-        </p:sp>
-        <p:cxnSp>
-          <p:nvCxnSpPr>
-            <p:cNvPr id="74" name="AutoShape 54">
-              <a:extLst>
-                <a:ext uri="{FF2B5EF4-FFF2-40B4-BE49-F238E27FC236}">
-                  <a16:creationId xmlns:a16="http://schemas.microsoft.com/office/drawing/2014/main" id="{56666AE5-DE39-83B8-D968-28BD8F545F97}"/>
-                </a:ext>
-              </a:extLst>
-            </p:cNvPr>
-            <p:cNvCxnSpPr>
-              <a:cxnSpLocks noChangeShapeType="1"/>
-              <a:stCxn id="73" idx="2"/>
-              <a:endCxn id="66" idx="0"/>
-            </p:cNvCxnSpPr>
-            <p:nvPr/>
-          </p:nvCxnSpPr>
-          <p:spPr bwMode="auto">
-            <a:xfrm>
-              <a:off x="4419600" y="3962400"/>
-              <a:ext cx="0" cy="381000"/>
-            </a:xfrm>
-            <a:prstGeom prst="straightConnector1">
-              <a:avLst/>
-            </a:prstGeom>
-            <a:noFill/>
-            <a:ln w="38100">
-              <a:solidFill>
-                <a:schemeClr val="tx1"/>
-              </a:solidFill>
-              <a:round/>
-              <a:headEnd type="triangle" w="med" len="med"/>
-              <a:tailEnd type="triangle" w="med" len="med"/>
-            </a:ln>
-            <a:effectLst/>
-            <a:extLst>
-              <a:ext uri="{909E8E84-426E-40DD-AFC4-6F175D3DCCD1}">
-                <a14:hiddenFill xmlns:a14="http://schemas.microsoft.com/office/drawing/2010/main">
-                  <a:noFill/>
-                </a14:hiddenFill>
-              </a:ext>
-            </a:extLst>
-          </p:spPr>
-        </p:cxnSp>
-        <p:sp>
-          <p:nvSpPr>
-            <p:cNvPr id="75" name="AutoShape 55">
-              <a:extLst>
-                <a:ext uri="{FF2B5EF4-FFF2-40B4-BE49-F238E27FC236}">
-                  <a16:creationId xmlns:a16="http://schemas.microsoft.com/office/drawing/2014/main" id="{95100B3E-0C0F-3B6B-F6EC-A1BF5DE385A9}"/>
-                </a:ext>
-              </a:extLst>
-            </p:cNvPr>
-            <p:cNvSpPr>
-              <a:spLocks noChangeArrowheads="1"/>
-            </p:cNvSpPr>
-            <p:nvPr/>
-          </p:nvSpPr>
-          <p:spPr bwMode="auto">
-            <a:xfrm>
-              <a:off x="8077200" y="3352800"/>
-              <a:ext cx="609600" cy="609600"/>
-            </a:xfrm>
-            <a:prstGeom prst="roundRect">
-              <a:avLst>
-                <a:gd name="adj" fmla="val 16667"/>
-              </a:avLst>
-            </a:prstGeom>
-            <a:solidFill>
-              <a:srgbClr val="FFFF66"/>
-            </a:solidFill>
-            <a:ln w="9525">
-              <a:solidFill>
-                <a:schemeClr val="tx1"/>
-              </a:solidFill>
-              <a:round/>
-              <a:headEnd/>
-              <a:tailEnd/>
-            </a:ln>
-            <a:effectLst/>
-          </p:spPr>
-          <p:txBody>
-            <a:bodyPr wrap="none" anchor="ctr"/>
-            <a:lstStyle/>
-            <a:p>
-              <a:pPr>
-                <a:lnSpc>
-                  <a:spcPct val="90000"/>
-                </a:lnSpc>
-              </a:pPr>
-              <a:r>
-                <a:rPr lang="en-US" altLang="en-US">
-                  <a:solidFill>
-                    <a:srgbClr val="008A87"/>
-                  </a:solidFill>
-                  <a:ea typeface="Arial Unicode MS" pitchFamily="34" charset="-122"/>
-                </a:rPr>
-                <a:t>79</a:t>
-              </a:r>
-            </a:p>
-          </p:txBody>
-        </p:sp>
-        <p:cxnSp>
-          <p:nvCxnSpPr>
-            <p:cNvPr id="76" name="AutoShape 56">
-              <a:extLst>
-                <a:ext uri="{FF2B5EF4-FFF2-40B4-BE49-F238E27FC236}">
-                  <a16:creationId xmlns:a16="http://schemas.microsoft.com/office/drawing/2014/main" id="{DD77DADD-9A18-2A53-739F-33CF26204764}"/>
-                </a:ext>
-              </a:extLst>
-            </p:cNvPr>
-            <p:cNvCxnSpPr>
-              <a:cxnSpLocks noChangeShapeType="1"/>
-              <a:stCxn id="75" idx="2"/>
-              <a:endCxn id="69" idx="0"/>
-            </p:cNvCxnSpPr>
-            <p:nvPr/>
-          </p:nvCxnSpPr>
-          <p:spPr bwMode="auto">
-            <a:xfrm>
-              <a:off x="8382000" y="3962400"/>
-              <a:ext cx="0" cy="381000"/>
-            </a:xfrm>
-            <a:prstGeom prst="straightConnector1">
-              <a:avLst/>
-            </a:prstGeom>
-            <a:noFill/>
-            <a:ln w="38100">
-              <a:solidFill>
-                <a:schemeClr val="tx1"/>
-              </a:solidFill>
-              <a:round/>
-              <a:headEnd type="triangle" w="med" len="med"/>
-              <a:tailEnd type="triangle" w="med" len="med"/>
-            </a:ln>
-            <a:effectLst/>
-            <a:extLst>
-              <a:ext uri="{909E8E84-426E-40DD-AFC4-6F175D3DCCD1}">
-                <a14:hiddenFill xmlns:a14="http://schemas.microsoft.com/office/drawing/2010/main">
-                  <a:noFill/>
-                </a14:hiddenFill>
-              </a:ext>
-            </a:extLst>
-          </p:spPr>
-        </p:cxnSp>
-        <p:cxnSp>
-          <p:nvCxnSpPr>
-            <p:cNvPr id="77" name="AutoShape 57">
-              <a:extLst>
-                <a:ext uri="{FF2B5EF4-FFF2-40B4-BE49-F238E27FC236}">
-                  <a16:creationId xmlns:a16="http://schemas.microsoft.com/office/drawing/2014/main" id="{4CD2226A-BE28-7810-ACFB-525D621D70F8}"/>
-                </a:ext>
-              </a:extLst>
-            </p:cNvPr>
-            <p:cNvCxnSpPr>
-              <a:cxnSpLocks noChangeShapeType="1"/>
-              <a:stCxn id="71" idx="3"/>
-              <a:endCxn id="73" idx="1"/>
-            </p:cNvCxnSpPr>
-            <p:nvPr/>
-          </p:nvCxnSpPr>
-          <p:spPr bwMode="auto">
-            <a:xfrm>
-              <a:off x="762000" y="3657600"/>
-              <a:ext cx="3352800" cy="0"/>
-            </a:xfrm>
-            <a:prstGeom prst="straightConnector1">
-              <a:avLst/>
-            </a:prstGeom>
-            <a:noFill/>
-            <a:ln w="38100">
-              <a:solidFill>
-                <a:schemeClr val="tx1"/>
-              </a:solidFill>
-              <a:round/>
-              <a:headEnd type="triangle" w="med" len="med"/>
-              <a:tailEnd type="triangle" w="med" len="med"/>
-            </a:ln>
-            <a:effectLst/>
-            <a:extLst>
-              <a:ext uri="{909E8E84-426E-40DD-AFC4-6F175D3DCCD1}">
-                <a14:hiddenFill xmlns:a14="http://schemas.microsoft.com/office/drawing/2010/main">
-                  <a:noFill/>
-                </a14:hiddenFill>
-              </a:ext>
-            </a:extLst>
-          </p:spPr>
-        </p:cxnSp>
-        <p:cxnSp>
-          <p:nvCxnSpPr>
-            <p:cNvPr id="78" name="AutoShape 58">
-              <a:extLst>
-                <a:ext uri="{FF2B5EF4-FFF2-40B4-BE49-F238E27FC236}">
-                  <a16:creationId xmlns:a16="http://schemas.microsoft.com/office/drawing/2014/main" id="{3337A946-0CA1-44D9-3064-BEC08BC251A4}"/>
-                </a:ext>
-              </a:extLst>
-            </p:cNvPr>
-            <p:cNvCxnSpPr>
-              <a:cxnSpLocks noChangeShapeType="1"/>
-              <a:stCxn id="73" idx="3"/>
-              <a:endCxn id="75" idx="1"/>
-            </p:cNvCxnSpPr>
-            <p:nvPr/>
-          </p:nvCxnSpPr>
-          <p:spPr bwMode="auto">
-            <a:xfrm>
-              <a:off x="4724400" y="3657600"/>
-              <a:ext cx="3352800" cy="0"/>
-            </a:xfrm>
-            <a:prstGeom prst="straightConnector1">
-              <a:avLst/>
-            </a:prstGeom>
-            <a:noFill/>
-            <a:ln w="38100">
-              <a:solidFill>
-                <a:schemeClr val="tx1"/>
-              </a:solidFill>
-              <a:round/>
-              <a:headEnd type="triangle" w="med" len="med"/>
-              <a:tailEnd type="triangle" w="med" len="med"/>
-            </a:ln>
-            <a:effectLst/>
-            <a:extLst>
-              <a:ext uri="{909E8E84-426E-40DD-AFC4-6F175D3DCCD1}">
-                <a14:hiddenFill xmlns:a14="http://schemas.microsoft.com/office/drawing/2010/main">
-                  <a:noFill/>
-                </a14:hiddenFill>
-              </a:ext>
-            </a:extLst>
-          </p:spPr>
-        </p:cxnSp>
-        <p:sp>
-          <p:nvSpPr>
-            <p:cNvPr id="79" name="AutoShape 59">
-              <a:extLst>
-                <a:ext uri="{FF2B5EF4-FFF2-40B4-BE49-F238E27FC236}">
-                  <a16:creationId xmlns:a16="http://schemas.microsoft.com/office/drawing/2014/main" id="{11069BBA-3682-148C-118B-73665275CE72}"/>
-                </a:ext>
-              </a:extLst>
-            </p:cNvPr>
-            <p:cNvSpPr>
-              <a:spLocks noChangeArrowheads="1"/>
-            </p:cNvSpPr>
-            <p:nvPr/>
-          </p:nvSpPr>
-          <p:spPr bwMode="auto">
-            <a:xfrm>
-              <a:off x="152400" y="2362200"/>
-              <a:ext cx="609600" cy="609600"/>
-            </a:xfrm>
-            <a:prstGeom prst="roundRect">
-              <a:avLst>
-                <a:gd name="adj" fmla="val 16667"/>
-              </a:avLst>
-            </a:prstGeom>
-            <a:solidFill>
-              <a:srgbClr val="FFFF66"/>
-            </a:solidFill>
-            <a:ln w="9525">
-              <a:solidFill>
-                <a:schemeClr val="tx1"/>
-              </a:solidFill>
-              <a:round/>
-              <a:headEnd/>
-              <a:tailEnd/>
-            </a:ln>
-            <a:effectLst/>
-          </p:spPr>
-          <p:txBody>
-            <a:bodyPr wrap="none" anchor="ctr"/>
-            <a:lstStyle/>
-            <a:p>
-              <a:pPr>
-                <a:lnSpc>
-                  <a:spcPct val="90000"/>
-                </a:lnSpc>
-              </a:pPr>
-              <a:r>
-                <a:rPr lang="en-US" altLang="en-US">
-                  <a:solidFill>
-                    <a:srgbClr val="008A87"/>
-                  </a:solidFill>
-                  <a:ea typeface="Arial Unicode MS" pitchFamily="34" charset="-122"/>
-                </a:rPr>
-                <a:t>14</a:t>
-              </a:r>
-            </a:p>
-          </p:txBody>
-        </p:sp>
-        <p:sp>
-          <p:nvSpPr>
-            <p:cNvPr id="80" name="AutoShape 60">
-              <a:extLst>
-                <a:ext uri="{FF2B5EF4-FFF2-40B4-BE49-F238E27FC236}">
-                  <a16:creationId xmlns:a16="http://schemas.microsoft.com/office/drawing/2014/main" id="{4EBFEDAC-6021-E249-BB73-5152A31AADF8}"/>
-                </a:ext>
-              </a:extLst>
-            </p:cNvPr>
-            <p:cNvSpPr>
-              <a:spLocks noChangeArrowheads="1"/>
-            </p:cNvSpPr>
-            <p:nvPr/>
-          </p:nvSpPr>
-          <p:spPr bwMode="auto">
-            <a:xfrm>
-              <a:off x="8077200" y="2362200"/>
-              <a:ext cx="609600" cy="609600"/>
-            </a:xfrm>
-            <a:prstGeom prst="roundRect">
-              <a:avLst>
-                <a:gd name="adj" fmla="val 16667"/>
-              </a:avLst>
-            </a:prstGeom>
-            <a:solidFill>
-              <a:srgbClr val="FFFF66"/>
-            </a:solidFill>
-            <a:ln w="9525">
-              <a:solidFill>
-                <a:schemeClr val="tx1"/>
-              </a:solidFill>
-              <a:round/>
-              <a:headEnd/>
-              <a:tailEnd/>
-            </a:ln>
-            <a:effectLst/>
-          </p:spPr>
-          <p:txBody>
-            <a:bodyPr wrap="none" anchor="ctr"/>
-            <a:lstStyle/>
-            <a:p>
-              <a:pPr>
-                <a:lnSpc>
-                  <a:spcPct val="90000"/>
-                </a:lnSpc>
-              </a:pPr>
-              <a:r>
-                <a:rPr lang="en-US" altLang="en-US">
-                  <a:solidFill>
-                    <a:srgbClr val="008A87"/>
-                  </a:solidFill>
-                  <a:ea typeface="Arial Unicode MS" pitchFamily="34" charset="-122"/>
-                </a:rPr>
-                <a:t>79</a:t>
-              </a:r>
-            </a:p>
-          </p:txBody>
-        </p:sp>
-        <p:cxnSp>
-          <p:nvCxnSpPr>
-            <p:cNvPr id="81" name="AutoShape 61">
-              <a:extLst>
-                <a:ext uri="{FF2B5EF4-FFF2-40B4-BE49-F238E27FC236}">
-                  <a16:creationId xmlns:a16="http://schemas.microsoft.com/office/drawing/2014/main" id="{6E35804E-3474-B620-ED0D-2CF06B6AFE41}"/>
-                </a:ext>
-              </a:extLst>
-            </p:cNvPr>
-            <p:cNvCxnSpPr>
-              <a:cxnSpLocks noChangeShapeType="1"/>
-              <a:stCxn id="79" idx="3"/>
-              <a:endCxn id="80" idx="1"/>
-            </p:cNvCxnSpPr>
-            <p:nvPr/>
-          </p:nvCxnSpPr>
-          <p:spPr bwMode="auto">
-            <a:xfrm>
-              <a:off x="762000" y="2667000"/>
-              <a:ext cx="7315200" cy="0"/>
-            </a:xfrm>
-            <a:prstGeom prst="straightConnector1">
-              <a:avLst/>
-            </a:prstGeom>
-            <a:noFill/>
-            <a:ln w="38100">
-              <a:solidFill>
-                <a:schemeClr val="tx1"/>
-              </a:solidFill>
-              <a:round/>
-              <a:headEnd type="triangle" w="med" len="med"/>
-              <a:tailEnd type="triangle" w="med" len="med"/>
-            </a:ln>
-            <a:effectLst/>
-            <a:extLst>
-              <a:ext uri="{909E8E84-426E-40DD-AFC4-6F175D3DCCD1}">
-                <a14:hiddenFill xmlns:a14="http://schemas.microsoft.com/office/drawing/2010/main">
-                  <a:noFill/>
-                </a14:hiddenFill>
-              </a:ext>
-            </a:extLst>
-          </p:spPr>
-        </p:cxnSp>
-        <p:cxnSp>
-          <p:nvCxnSpPr>
-            <p:cNvPr id="82" name="AutoShape 62">
-              <a:extLst>
-                <a:ext uri="{FF2B5EF4-FFF2-40B4-BE49-F238E27FC236}">
-                  <a16:creationId xmlns:a16="http://schemas.microsoft.com/office/drawing/2014/main" id="{EB647BFA-FBBA-C3DE-600C-EBE52579384E}"/>
-                </a:ext>
-              </a:extLst>
-            </p:cNvPr>
-            <p:cNvCxnSpPr>
-              <a:cxnSpLocks noChangeShapeType="1"/>
-              <a:stCxn id="79" idx="2"/>
-              <a:endCxn id="71" idx="0"/>
-            </p:cNvCxnSpPr>
-            <p:nvPr/>
-          </p:nvCxnSpPr>
-          <p:spPr bwMode="auto">
-            <a:xfrm>
-              <a:off x="457200" y="2971800"/>
-              <a:ext cx="0" cy="381000"/>
-            </a:xfrm>
-            <a:prstGeom prst="straightConnector1">
-              <a:avLst/>
-            </a:prstGeom>
-            <a:noFill/>
-            <a:ln w="38100">
-              <a:solidFill>
-                <a:schemeClr val="tx1"/>
-              </a:solidFill>
-              <a:round/>
-              <a:headEnd type="triangle" w="med" len="med"/>
-              <a:tailEnd type="triangle" w="med" len="med"/>
-            </a:ln>
-            <a:effectLst/>
-            <a:extLst>
-              <a:ext uri="{909E8E84-426E-40DD-AFC4-6F175D3DCCD1}">
-                <a14:hiddenFill xmlns:a14="http://schemas.microsoft.com/office/drawing/2010/main">
-                  <a:noFill/>
-                </a14:hiddenFill>
-              </a:ext>
-            </a:extLst>
-          </p:spPr>
-        </p:cxnSp>
-        <p:cxnSp>
-          <p:nvCxnSpPr>
-            <p:cNvPr id="83" name="AutoShape 63">
-              <a:extLst>
-                <a:ext uri="{FF2B5EF4-FFF2-40B4-BE49-F238E27FC236}">
-                  <a16:creationId xmlns:a16="http://schemas.microsoft.com/office/drawing/2014/main" id="{147347F3-21BB-69D3-3254-E5667989A786}"/>
-                </a:ext>
-              </a:extLst>
-            </p:cNvPr>
-            <p:cNvCxnSpPr>
-              <a:cxnSpLocks noChangeShapeType="1"/>
-              <a:stCxn id="80" idx="2"/>
-              <a:endCxn id="75" idx="0"/>
-            </p:cNvCxnSpPr>
-            <p:nvPr/>
-          </p:nvCxnSpPr>
-          <p:spPr bwMode="auto">
-            <a:xfrm>
-              <a:off x="8382000" y="2971800"/>
-              <a:ext cx="0" cy="381000"/>
-            </a:xfrm>
-            <a:prstGeom prst="straightConnector1">
-              <a:avLst/>
-            </a:prstGeom>
-            <a:noFill/>
-            <a:ln w="38100">
-              <a:solidFill>
-                <a:schemeClr val="tx1"/>
-              </a:solidFill>
-              <a:round/>
-              <a:headEnd type="triangle" w="med" len="med"/>
-              <a:tailEnd type="triangle" w="med" len="med"/>
-            </a:ln>
-            <a:effectLst/>
-            <a:extLst>
-              <a:ext uri="{909E8E84-426E-40DD-AFC4-6F175D3DCCD1}">
-                <a14:hiddenFill xmlns:a14="http://schemas.microsoft.com/office/drawing/2010/main">
-                  <a:noFill/>
-                </a14:hiddenFill>
-              </a:ext>
-            </a:extLst>
-          </p:spPr>
-        </p:cxnSp>
-        <p:cxnSp>
-          <p:nvCxnSpPr>
-            <p:cNvPr id="84" name="AutoShape 64">
-              <a:extLst>
-                <a:ext uri="{FF2B5EF4-FFF2-40B4-BE49-F238E27FC236}">
-                  <a16:creationId xmlns:a16="http://schemas.microsoft.com/office/drawing/2014/main" id="{AD302F35-C133-8FF6-ABFF-CBE2887C430E}"/>
-                </a:ext>
-              </a:extLst>
-            </p:cNvPr>
-            <p:cNvCxnSpPr>
-              <a:cxnSpLocks noChangeShapeType="1"/>
-              <a:stCxn id="69" idx="3"/>
-            </p:cNvCxnSpPr>
-            <p:nvPr/>
-          </p:nvCxnSpPr>
-          <p:spPr bwMode="auto">
-            <a:xfrm>
-              <a:off x="8686800" y="4648200"/>
-              <a:ext cx="381000" cy="1588"/>
-            </a:xfrm>
-            <a:prstGeom prst="straightConnector1">
-              <a:avLst/>
-            </a:prstGeom>
-            <a:noFill/>
-            <a:ln w="38100">
-              <a:solidFill>
-                <a:schemeClr val="tx1"/>
-              </a:solidFill>
-              <a:round/>
-              <a:headEnd type="triangle" w="med" len="med"/>
-              <a:tailEnd type="triangle" w="med" len="med"/>
-            </a:ln>
-            <a:effectLst/>
-            <a:extLst>
-              <a:ext uri="{909E8E84-426E-40DD-AFC4-6F175D3DCCD1}">
-                <a14:hiddenFill xmlns:a14="http://schemas.microsoft.com/office/drawing/2010/main">
-                  <a:noFill/>
-                </a14:hiddenFill>
-              </a:ext>
-            </a:extLst>
-          </p:spPr>
-        </p:cxnSp>
-        <p:cxnSp>
-          <p:nvCxnSpPr>
-            <p:cNvPr id="85" name="AutoShape 65">
-              <a:extLst>
-                <a:ext uri="{FF2B5EF4-FFF2-40B4-BE49-F238E27FC236}">
-                  <a16:creationId xmlns:a16="http://schemas.microsoft.com/office/drawing/2014/main" id="{A3D719B2-B293-B7F2-7968-2DA5C590260C}"/>
-                </a:ext>
-              </a:extLst>
-            </p:cNvPr>
-            <p:cNvCxnSpPr>
-              <a:cxnSpLocks noChangeShapeType="1"/>
-              <a:stCxn id="75" idx="3"/>
-            </p:cNvCxnSpPr>
-            <p:nvPr/>
-          </p:nvCxnSpPr>
-          <p:spPr bwMode="auto">
-            <a:xfrm>
-              <a:off x="8686800" y="3657600"/>
-              <a:ext cx="381000" cy="1588"/>
-            </a:xfrm>
-            <a:prstGeom prst="straightConnector1">
-              <a:avLst/>
-            </a:prstGeom>
-            <a:noFill/>
-            <a:ln w="38100">
-              <a:solidFill>
-                <a:schemeClr val="tx1"/>
-              </a:solidFill>
-              <a:round/>
-              <a:headEnd type="triangle" w="med" len="med"/>
-              <a:tailEnd type="triangle" w="med" len="med"/>
-            </a:ln>
-            <a:effectLst/>
-            <a:extLst>
-              <a:ext uri="{909E8E84-426E-40DD-AFC4-6F175D3DCCD1}">
-                <a14:hiddenFill xmlns:a14="http://schemas.microsoft.com/office/drawing/2010/main">
-                  <a:noFill/>
-                </a14:hiddenFill>
-              </a:ext>
-            </a:extLst>
-          </p:spPr>
-        </p:cxnSp>
-        <p:cxnSp>
-          <p:nvCxnSpPr>
-            <p:cNvPr id="86" name="AutoShape 66">
-              <a:extLst>
-                <a:ext uri="{FF2B5EF4-FFF2-40B4-BE49-F238E27FC236}">
-                  <a16:creationId xmlns:a16="http://schemas.microsoft.com/office/drawing/2014/main" id="{88B4C4D3-64CD-9FEE-8600-3EB5EBE523B4}"/>
-                </a:ext>
-              </a:extLst>
-            </p:cNvPr>
-            <p:cNvCxnSpPr>
-              <a:cxnSpLocks noChangeShapeType="1"/>
-              <a:stCxn id="80" idx="3"/>
-            </p:cNvCxnSpPr>
-            <p:nvPr/>
-          </p:nvCxnSpPr>
-          <p:spPr bwMode="auto">
-            <a:xfrm>
-              <a:off x="8686800" y="2667000"/>
-              <a:ext cx="381000" cy="1588"/>
-            </a:xfrm>
-            <a:prstGeom prst="straightConnector1">
-              <a:avLst/>
-            </a:prstGeom>
-            <a:noFill/>
-            <a:ln w="38100">
-              <a:solidFill>
-                <a:schemeClr val="tx1"/>
-              </a:solidFill>
-              <a:round/>
-              <a:headEnd type="triangle" w="med" len="med"/>
-              <a:tailEnd type="triangle" w="med" len="med"/>
-            </a:ln>
-            <a:effectLst/>
-            <a:extLst>
-              <a:ext uri="{909E8E84-426E-40DD-AFC4-6F175D3DCCD1}">
-                <a14:hiddenFill xmlns:a14="http://schemas.microsoft.com/office/drawing/2010/main">
-                  <a:noFill/>
-                </a14:hiddenFill>
-              </a:ext>
-            </a:extLst>
-          </p:spPr>
-        </p:cxnSp>
-      </p:grpSp>
-      <mc:AlternateContent xmlns:mc="http://schemas.openxmlformats.org/markup-compatibility/2006" xmlns:a14="http://schemas.microsoft.com/office/drawing/2010/main">
-        <mc:Choice Requires="a14">
-          <p:sp>
-            <p:nvSpPr>
-              <p:cNvPr id="89" name="TextBox 88">
-                <a:extLst>
-                  <a:ext uri="{FF2B5EF4-FFF2-40B4-BE49-F238E27FC236}">
-                    <a16:creationId xmlns:a16="http://schemas.microsoft.com/office/drawing/2014/main" id="{C63736D7-EC95-BE3C-9B23-BC0D3368D906}"/>
-                  </a:ext>
-                </a:extLst>
-              </p:cNvPr>
-              <p:cNvSpPr txBox="1"/>
-              <p:nvPr/>
-            </p:nvSpPr>
-            <p:spPr>
-              <a:xfrm>
-                <a:off x="8038478" y="4627407"/>
-                <a:ext cx="658706" cy="400110"/>
-              </a:xfrm>
-              <a:prstGeom prst="rect">
-                <a:avLst/>
-              </a:prstGeom>
-              <a:noFill/>
-            </p:spPr>
-            <p:txBody>
-              <a:bodyPr wrap="none" rtlCol="0">
-                <a:spAutoFit/>
-              </a:bodyPr>
-              <a:lstStyle/>
-              <a:p>
-                <a:pPr/>
-                <a14:m>
-                  <m:oMathPara xmlns:m="http://schemas.openxmlformats.org/officeDocument/2006/math">
-                    <m:oMathParaPr>
-                      <m:jc m:val="centerGroup"/>
-                    </m:oMathParaPr>
-                    <m:oMath xmlns:m="http://schemas.openxmlformats.org/officeDocument/2006/math">
-                      <m:r>
-                        <m:rPr>
-                          <m:sty m:val="p"/>
-                        </m:rPr>
-                        <a:rPr lang="en-US" sz="2000" dirty="0">
-                          <a:solidFill>
-                            <a:srgbClr val="0000FF"/>
-                          </a:solidFill>
-                          <a:latin typeface="Cambria Math" panose="02040503050406030204" pitchFamily="18" charset="0"/>
-                        </a:rPr>
-                        <m:t>lg</m:t>
-                      </m:r>
-                      <m:r>
-                        <a:rPr lang="en-US" sz="2000" dirty="0">
-                          <a:solidFill>
-                            <a:srgbClr val="0000FF"/>
-                          </a:solidFill>
-                          <a:latin typeface="Cambria Math" panose="02040503050406030204" pitchFamily="18" charset="0"/>
-                        </a:rPr>
-                        <m:t> </m:t>
-                      </m:r>
-                      <m:r>
-                        <a:rPr lang="en-US" sz="2000" i="1" dirty="0">
-                          <a:solidFill>
-                            <a:srgbClr val="0000FF"/>
-                          </a:solidFill>
-                          <a:latin typeface="Cambria Math" panose="02040503050406030204" pitchFamily="18" charset="0"/>
-                        </a:rPr>
-                        <m:t>𝑛</m:t>
-                      </m:r>
-                    </m:oMath>
-                  </m:oMathPara>
-                </a14:m>
-                <a:endParaRPr lang="en-US" sz="2000" b="1" dirty="0"/>
-              </a:p>
-            </p:txBody>
-          </p:sp>
-        </mc:Choice>
-        <mc:Fallback xmlns="">
-          <p:sp>
-            <p:nvSpPr>
-              <p:cNvPr id="89" name="TextBox 88">
-                <a:extLst>
-                  <a:ext uri="{FF2B5EF4-FFF2-40B4-BE49-F238E27FC236}">
-                    <a16:creationId xmlns:a16="http://schemas.microsoft.com/office/drawing/2014/main" id="{C63736D7-EC95-BE3C-9B23-BC0D3368D906}"/>
-                  </a:ext>
-                </a:extLst>
-              </p:cNvPr>
-              <p:cNvSpPr txBox="1">
-                <a:spLocks noRot="1" noChangeAspect="1" noMove="1" noResize="1" noEditPoints="1" noAdjustHandles="1" noChangeArrowheads="1" noChangeShapeType="1" noTextEdit="1"/>
-              </p:cNvSpPr>
-              <p:nvPr/>
-            </p:nvSpPr>
-            <p:spPr>
-              <a:xfrm>
-                <a:off x="8038478" y="4627407"/>
-                <a:ext cx="658706" cy="400110"/>
-              </a:xfrm>
-              <a:prstGeom prst="rect">
-                <a:avLst/>
-              </a:prstGeom>
-              <a:blipFill>
-                <a:blip r:embed="rId3"/>
-                <a:stretch>
-                  <a:fillRect b="-16667"/>
-                </a:stretch>
-              </a:blipFill>
-            </p:spPr>
-            <p:txBody>
-              <a:bodyPr/>
-              <a:lstStyle/>
-              <a:p>
-                <a:r>
-                  <a:rPr lang="en-US">
-                    <a:noFill/>
-                  </a:rPr>
-                  <a:t> </a:t>
-                </a:r>
-              </a:p>
-            </p:txBody>
-          </p:sp>
-        </mc:Fallback>
-      </mc:AlternateContent>
-      <p:sp>
-        <p:nvSpPr>
-          <p:cNvPr id="90" name="AutoShape 61">
-            <a:extLst>
-              <a:ext uri="{FF2B5EF4-FFF2-40B4-BE49-F238E27FC236}">
-                <a16:creationId xmlns:a16="http://schemas.microsoft.com/office/drawing/2014/main" id="{5F693FFF-C7A4-5E4B-7EF5-68AD5BFCC9C9}"/>
-              </a:ext>
-            </a:extLst>
-          </p:cNvPr>
-          <p:cNvSpPr>
-            <a:spLocks/>
-          </p:cNvSpPr>
-          <p:nvPr/>
-        </p:nvSpPr>
-        <p:spPr bwMode="auto">
-          <a:xfrm>
-            <a:off x="7746079" y="3744198"/>
-            <a:ext cx="228600" cy="2202982"/>
-          </a:xfrm>
-          <a:prstGeom prst="rightBrace">
-            <a:avLst>
-              <a:gd name="adj1" fmla="val 166177"/>
-              <a:gd name="adj2" fmla="val 50000"/>
-            </a:avLst>
-          </a:prstGeom>
-          <a:noFill/>
-          <a:ln w="22225">
-            <a:solidFill>
-              <a:srgbClr val="0000FF"/>
-            </a:solidFill>
-            <a:round/>
-            <a:headEnd/>
-            <a:tailEnd/>
-          </a:ln>
-          <a:effectLst/>
-          <a:extLst>
-            <a:ext uri="{909E8E84-426E-40DD-AFC4-6F175D3DCCD1}">
-              <a14:hiddenFill xmlns:a14="http://schemas.microsoft.com/office/drawing/2010/main">
-                <a:solidFill>
-                  <a:schemeClr val="accent1"/>
-                </a:solidFill>
-              </a14:hiddenFill>
-            </a:ext>
-            <a:ext uri="{AF507438-7753-43E0-B8FC-AC1667EBCBE1}">
-              <a14:hiddenEffects xmlns:a14="http://schemas.microsoft.com/office/drawing/2010/main">
-                <a:effectLst>
-                  <a:outerShdw dist="35921" dir="2700000" algn="ctr" rotWithShape="0">
-                    <a:schemeClr val="bg2"/>
-                  </a:outerShdw>
-                </a:effectLst>
-              </a14:hiddenEffects>
-            </a:ext>
-          </a:extLst>
-        </p:spPr>
-        <p:txBody>
-          <a:bodyPr wrap="none" anchor="ctr"/>
-          <a:lstStyle/>
-          <a:p>
-            <a:endParaRPr lang="en-US"/>
-          </a:p>
-        </p:txBody>
-      </p:sp>
-      <p:sp>
-        <p:nvSpPr>
-          <p:cNvPr id="91" name="TextBox 90">
-            <a:extLst>
-              <a:ext uri="{FF2B5EF4-FFF2-40B4-BE49-F238E27FC236}">
-                <a16:creationId xmlns:a16="http://schemas.microsoft.com/office/drawing/2014/main" id="{A812BDC0-0BDC-52DF-5A68-3902D5A86E2F}"/>
-              </a:ext>
-            </a:extLst>
-          </p:cNvPr>
-          <p:cNvSpPr txBox="1"/>
-          <p:nvPr/>
-        </p:nvSpPr>
-        <p:spPr>
-          <a:xfrm>
-            <a:off x="2121462" y="6242992"/>
-            <a:ext cx="4903907" cy="369332"/>
-          </a:xfrm>
-          <a:prstGeom prst="rect">
-            <a:avLst/>
-          </a:prstGeom>
-          <a:noFill/>
-        </p:spPr>
-        <p:txBody>
-          <a:bodyPr wrap="none" rtlCol="0">
-            <a:spAutoFit/>
-          </a:bodyPr>
-          <a:lstStyle/>
-          <a:p>
-            <a:r>
-              <a:rPr lang="en-US" dirty="0">
-                <a:solidFill>
-                  <a:srgbClr val="0000FF"/>
-                </a:solidFill>
-              </a:rPr>
-              <a:t>In each list, at most 2 elements are searched.</a:t>
-            </a:r>
-            <a:r>
-              <a:rPr lang="en-US" dirty="0"/>
-              <a:t> </a:t>
-            </a:r>
-          </a:p>
-        </p:txBody>
-      </p:sp>
-    </p:spTree>
-    <p:extLst>
-      <p:ext uri="{BB962C8B-B14F-4D97-AF65-F5344CB8AC3E}">
-        <p14:creationId xmlns:p14="http://schemas.microsoft.com/office/powerpoint/2010/main" val="2459153230"/>
-      </p:ext>
-    </p:extLst>
-  </p:cSld>
-  <p:clrMapOvr>
-    <a:masterClrMapping/>
-  </p:clrMapOvr>
-</p:sld>
-</file>
-
-<file path=ppt/slides/slide11.xml><?xml version="1.0" encoding="utf-8"?>
-<p:sld xmlns:a="http://schemas.openxmlformats.org/drawingml/2006/main" xmlns:r="http://schemas.openxmlformats.org/officeDocument/2006/relationships" xmlns:p="http://schemas.openxmlformats.org/presentationml/2006/main">
-  <p:cSld>
-    <p:spTree>
-      <p:nvGrpSpPr>
-        <p:cNvPr id="1" name=""/>
-        <p:cNvGrpSpPr/>
-        <p:nvPr/>
-      </p:nvGrpSpPr>
-      <p:grpSpPr>
-        <a:xfrm>
-          <a:off x="0" y="0"/>
-          <a:ext cx="0" cy="0"/>
-          <a:chOff x="0" y="0"/>
-          <a:chExt cx="0" cy="0"/>
-        </a:xfrm>
-      </p:grpSpPr>
-      <p:sp>
-        <p:nvSpPr>
-          <p:cNvPr id="2" name="Title 1">
-            <a:extLst>
-              <a:ext uri="{FF2B5EF4-FFF2-40B4-BE49-F238E27FC236}">
-                <a16:creationId xmlns:a16="http://schemas.microsoft.com/office/drawing/2014/main" id="{80F8BAA8-9E9C-7134-B2D0-E6101584F2CF}"/>
-              </a:ext>
-            </a:extLst>
-          </p:cNvPr>
-          <p:cNvSpPr>
-            <a:spLocks noGrp="1"/>
-          </p:cNvSpPr>
-          <p:nvPr>
-            <p:ph type="title"/>
-          </p:nvPr>
-        </p:nvSpPr>
-        <p:spPr>
-          <a:xfrm>
-            <a:off x="457200" y="277813"/>
-            <a:ext cx="8229600" cy="846931"/>
-          </a:xfrm>
-        </p:spPr>
-        <p:txBody>
-          <a:bodyPr/>
-          <a:lstStyle/>
-          <a:p>
-            <a:r>
-              <a:rPr lang="en-US" dirty="0"/>
-              <a:t>Skip lists</a:t>
-            </a:r>
-          </a:p>
-        </p:txBody>
-      </p:sp>
       <p:sp>
         <p:nvSpPr>
           <p:cNvPr id="6" name="Rectangle 3">
@@ -10973,7 +7781,7 @@
 </p:sld>
 </file>
 
-<file path=ppt/slides/slide12.xml><?xml version="1.0" encoding="utf-8"?>
+<file path=ppt/slides/slide11.xml><?xml version="1.0" encoding="utf-8"?>
 <p:sld xmlns:a="http://schemas.openxmlformats.org/drawingml/2006/main" xmlns:r="http://schemas.openxmlformats.org/officeDocument/2006/relationships" xmlns:p="http://schemas.openxmlformats.org/presentationml/2006/main">
   <p:cSld>
     <p:spTree>
@@ -13505,7 +10313,7 @@
 </p:sld>
 </file>
 
-<file path=ppt/slides/slide13.xml><?xml version="1.0" encoding="utf-8"?>
+<file path=ppt/slides/slide12.xml><?xml version="1.0" encoding="utf-8"?>
 <p:sld xmlns:a="http://schemas.openxmlformats.org/drawingml/2006/main" xmlns:r="http://schemas.openxmlformats.org/officeDocument/2006/relationships" xmlns:p="http://schemas.openxmlformats.org/presentationml/2006/main">
   <p:cSld>
     <p:spTree>
@@ -16486,7 +13294,7 @@
 </p:sld>
 </file>
 
-<file path=ppt/slides/slide14.xml><?xml version="1.0" encoding="utf-8"?>
+<file path=ppt/slides/slide13.xml><?xml version="1.0" encoding="utf-8"?>
 <p:sld xmlns:a="http://schemas.openxmlformats.org/drawingml/2006/main" xmlns:r="http://schemas.openxmlformats.org/officeDocument/2006/relationships" xmlns:p="http://schemas.openxmlformats.org/presentationml/2006/main">
   <p:cSld>
     <p:spTree>
@@ -19170,7 +15978,7 @@
 </p:sld>
 </file>
 
-<file path=ppt/slides/slide15.xml><?xml version="1.0" encoding="utf-8"?>
+<file path=ppt/slides/slide14.xml><?xml version="1.0" encoding="utf-8"?>
 <p:sld xmlns:a="http://schemas.openxmlformats.org/drawingml/2006/main" xmlns:r="http://schemas.openxmlformats.org/officeDocument/2006/relationships" xmlns:p="http://schemas.openxmlformats.org/presentationml/2006/main">
   <p:cSld>
     <p:spTree>
@@ -21983,7 +18791,7 @@
 </p:sld>
 </file>
 
-<file path=ppt/slides/slide16.xml><?xml version="1.0" encoding="utf-8"?>
+<file path=ppt/slides/slide15.xml><?xml version="1.0" encoding="utf-8"?>
 <p:sld xmlns:a="http://schemas.openxmlformats.org/drawingml/2006/main" xmlns:r="http://schemas.openxmlformats.org/officeDocument/2006/relationships" xmlns:p="http://schemas.openxmlformats.org/presentationml/2006/main">
   <p:cSld>
     <p:spTree>
@@ -24845,7 +21653,7 @@
 </p:sld>
 </file>
 
-<file path=ppt/slides/slide17.xml><?xml version="1.0" encoding="utf-8"?>
+<file path=ppt/slides/slide16.xml><?xml version="1.0" encoding="utf-8"?>
 <p:sld xmlns:a="http://schemas.openxmlformats.org/drawingml/2006/main" xmlns:r="http://schemas.openxmlformats.org/officeDocument/2006/relationships" xmlns:p="http://schemas.openxmlformats.org/presentationml/2006/main">
   <p:cSld>
     <p:spTree>
@@ -27749,7 +24557,7 @@
 </p:sld>
 </file>
 
-<file path=ppt/slides/slide18.xml><?xml version="1.0" encoding="utf-8"?>
+<file path=ppt/slides/slide17.xml><?xml version="1.0" encoding="utf-8"?>
 <p:sld xmlns:a="http://schemas.openxmlformats.org/drawingml/2006/main" xmlns:r="http://schemas.openxmlformats.org/officeDocument/2006/relationships" xmlns:p="http://schemas.openxmlformats.org/presentationml/2006/main">
   <p:cSld>
     <p:spTree>
@@ -30791,7 +27599,7 @@
 </p:sld>
 </file>
 
-<file path=ppt/slides/slide19.xml><?xml version="1.0" encoding="utf-8"?>
+<file path=ppt/slides/slide18.xml><?xml version="1.0" encoding="utf-8"?>
 <p:sld xmlns:a="http://schemas.openxmlformats.org/drawingml/2006/main" xmlns:r="http://schemas.openxmlformats.org/officeDocument/2006/relationships" xmlns:p="http://schemas.openxmlformats.org/presentationml/2006/main">
   <p:cSld>
     <p:spTree>
@@ -33971,936 +30779,7 @@
 </p:sld>
 </file>
 
-<file path=ppt/slides/slide2.xml><?xml version="1.0" encoding="utf-8"?>
-<p:sld xmlns:a="http://schemas.openxmlformats.org/drawingml/2006/main" xmlns:r="http://schemas.openxmlformats.org/officeDocument/2006/relationships" xmlns:p="http://schemas.openxmlformats.org/presentationml/2006/main">
-  <p:cSld>
-    <p:spTree>
-      <p:nvGrpSpPr>
-        <p:cNvPr id="1" name=""/>
-        <p:cNvGrpSpPr/>
-        <p:nvPr/>
-      </p:nvGrpSpPr>
-      <p:grpSpPr>
-        <a:xfrm>
-          <a:off x="0" y="0"/>
-          <a:ext cx="0" cy="0"/>
-          <a:chOff x="0" y="0"/>
-          <a:chExt cx="0" cy="0"/>
-        </a:xfrm>
-      </p:grpSpPr>
-      <p:sp>
-        <p:nvSpPr>
-          <p:cNvPr id="2" name="Title 1">
-            <a:extLst>
-              <a:ext uri="{FF2B5EF4-FFF2-40B4-BE49-F238E27FC236}">
-                <a16:creationId xmlns:a16="http://schemas.microsoft.com/office/drawing/2014/main" id="{80F8BAA8-9E9C-7134-B2D0-E6101584F2CF}"/>
-              </a:ext>
-            </a:extLst>
-          </p:cNvPr>
-          <p:cNvSpPr>
-            <a:spLocks noGrp="1"/>
-          </p:cNvSpPr>
-          <p:nvPr>
-            <p:ph type="title"/>
-          </p:nvPr>
-        </p:nvSpPr>
-        <p:spPr/>
-        <p:txBody>
-          <a:bodyPr/>
-          <a:lstStyle/>
-          <a:p>
-            <a:r>
-              <a:rPr lang="en-US" dirty="0"/>
-              <a:t>Skip lists</a:t>
-            </a:r>
-          </a:p>
-        </p:txBody>
-      </p:sp>
-      <mc:AlternateContent xmlns:mc="http://schemas.openxmlformats.org/markup-compatibility/2006" xmlns:a14="http://schemas.microsoft.com/office/drawing/2010/main">
-        <mc:Choice Requires="a14">
-          <p:sp>
-            <p:nvSpPr>
-              <p:cNvPr id="3" name="Content Placeholder 2">
-                <a:extLst>
-                  <a:ext uri="{FF2B5EF4-FFF2-40B4-BE49-F238E27FC236}">
-                    <a16:creationId xmlns:a16="http://schemas.microsoft.com/office/drawing/2014/main" id="{FBE3A370-27BD-6F01-E3D4-C91157F6AB9E}"/>
-                  </a:ext>
-                </a:extLst>
-              </p:cNvPr>
-              <p:cNvSpPr>
-                <a:spLocks noGrp="1"/>
-              </p:cNvSpPr>
-              <p:nvPr>
-                <p:ph idx="1"/>
-              </p:nvPr>
-            </p:nvSpPr>
-            <p:spPr>
-              <a:xfrm>
-                <a:off x="457200" y="1124744"/>
-                <a:ext cx="8435280" cy="2448272"/>
-              </a:xfrm>
-            </p:spPr>
-            <p:txBody>
-              <a:bodyPr/>
-              <a:lstStyle/>
-              <a:p>
-                <a:r>
-                  <a:rPr lang="en-US" sz="2200" b="1" dirty="0">
-                    <a:solidFill>
-                      <a:srgbClr val="FF0000"/>
-                    </a:solidFill>
-                  </a:rPr>
-                  <a:t>Skip lists</a:t>
-                </a:r>
-                <a:r>
-                  <a:rPr lang="en-US" sz="2200" dirty="0"/>
-                  <a:t> are randomized data structures that are built upon </a:t>
-                </a:r>
-                <a:r>
-                  <a:rPr lang="en-US" sz="2200" b="1" dirty="0">
-                    <a:solidFill>
-                      <a:srgbClr val="FF0000"/>
-                    </a:solidFill>
-                  </a:rPr>
-                  <a:t>sorted linked lists</a:t>
-                </a:r>
-                <a:r>
-                  <a:rPr lang="en-US" sz="2200" dirty="0">
-                    <a:solidFill>
-                      <a:srgbClr val="FF0000"/>
-                    </a:solidFill>
-                  </a:rPr>
-                  <a:t>, </a:t>
-                </a:r>
-                <a:r>
-                  <a:rPr lang="en-US" sz="2200" dirty="0"/>
-                  <a:t>but allows </a:t>
-                </a:r>
-                <a:r>
-                  <a:rPr lang="en-US" sz="2200" dirty="0">
-                    <a:solidFill>
-                      <a:srgbClr val="FF0000"/>
-                    </a:solidFill>
-                  </a:rPr>
-                  <a:t>INSERT, DELETE, SEARCH </a:t>
-                </a:r>
-                <a:r>
-                  <a:rPr lang="en-US" sz="2200" dirty="0"/>
-                  <a:t>operations</a:t>
-                </a:r>
-                <a:r>
-                  <a:rPr lang="en-US" sz="2200" dirty="0">
-                    <a:solidFill>
-                      <a:srgbClr val="FF0000"/>
-                    </a:solidFill>
-                  </a:rPr>
-                  <a:t> </a:t>
-                </a:r>
-                <a:r>
-                  <a:rPr lang="en-US" sz="2200" dirty="0"/>
-                  <a:t>done in </a:t>
-                </a:r>
-                <a14:m>
-                  <m:oMath xmlns:m="http://schemas.openxmlformats.org/officeDocument/2006/math">
-                    <m:r>
-                      <a:rPr lang="en-US" sz="2200" b="0" i="1" smtClean="0">
-                        <a:solidFill>
-                          <a:srgbClr val="0000FF"/>
-                        </a:solidFill>
-                        <a:latin typeface="Cambria Math" panose="02040503050406030204" pitchFamily="18" charset="0"/>
-                      </a:rPr>
-                      <m:t>𝑂</m:t>
-                    </m:r>
-                    <m:r>
-                      <a:rPr lang="en-US" sz="2200" b="0" i="1" smtClean="0">
-                        <a:solidFill>
-                          <a:srgbClr val="0000FF"/>
-                        </a:solidFill>
-                        <a:latin typeface="Cambria Math" panose="02040503050406030204" pitchFamily="18" charset="0"/>
-                      </a:rPr>
-                      <m:t>(</m:t>
-                    </m:r>
-                    <m:func>
-                      <m:funcPr>
-                        <m:ctrlPr>
-                          <a:rPr lang="en-US" sz="2200" i="1" smtClean="0">
-                            <a:solidFill>
-                              <a:srgbClr val="0000FF"/>
-                            </a:solidFill>
-                            <a:latin typeface="Cambria Math" panose="02040503050406030204" pitchFamily="18" charset="0"/>
-                          </a:rPr>
-                        </m:ctrlPr>
-                      </m:funcPr>
-                      <m:fName>
-                        <m:r>
-                          <m:rPr>
-                            <m:sty m:val="p"/>
-                          </m:rPr>
-                          <a:rPr lang="en-US" sz="2200" b="0" i="0" smtClean="0">
-                            <a:solidFill>
-                              <a:srgbClr val="0000FF"/>
-                            </a:solidFill>
-                            <a:latin typeface="Cambria Math" panose="02040503050406030204" pitchFamily="18" charset="0"/>
-                          </a:rPr>
-                          <m:t>lg</m:t>
-                        </m:r>
-                      </m:fName>
-                      <m:e>
-                        <m:r>
-                          <a:rPr lang="en-US" sz="2200" b="0" i="1" smtClean="0">
-                            <a:solidFill>
-                              <a:srgbClr val="0000FF"/>
-                            </a:solidFill>
-                            <a:latin typeface="Cambria Math" panose="02040503050406030204" pitchFamily="18" charset="0"/>
-                          </a:rPr>
-                          <m:t>𝑛</m:t>
-                        </m:r>
-                      </m:e>
-                    </m:func>
-                    <m:r>
-                      <a:rPr lang="en-US" sz="2200" b="0" i="1" smtClean="0">
-                        <a:solidFill>
-                          <a:srgbClr val="0000FF"/>
-                        </a:solidFill>
-                        <a:latin typeface="Cambria Math" panose="02040503050406030204" pitchFamily="18" charset="0"/>
-                      </a:rPr>
-                      <m:t>)</m:t>
-                    </m:r>
-                  </m:oMath>
-                </a14:m>
-                <a:r>
-                  <a:rPr lang="en-US" sz="2200" dirty="0">
-                    <a:solidFill>
-                      <a:srgbClr val="0000FF"/>
-                    </a:solidFill>
-                  </a:rPr>
-                  <a:t> </a:t>
-                </a:r>
-                <a:r>
-                  <a:rPr lang="en-US" sz="2200" dirty="0"/>
-                  <a:t>time.</a:t>
-                </a:r>
-                <a:endParaRPr lang="en-US" sz="1800" dirty="0"/>
-              </a:p>
-              <a:p>
-                <a:pPr lvl="1"/>
-                <a:r>
-                  <a:rPr lang="en-US" sz="2000" b="1" u="sng" dirty="0"/>
-                  <a:t>Note</a:t>
-                </a:r>
-                <a:r>
-                  <a:rPr lang="en-US" sz="2000" dirty="0"/>
-                  <a:t>: </a:t>
-                </a:r>
-                <a14:m>
-                  <m:oMath xmlns:m="http://schemas.openxmlformats.org/officeDocument/2006/math">
-                    <m:r>
-                      <a:rPr lang="en-US" sz="2000" b="0" i="1" smtClean="0">
-                        <a:solidFill>
-                          <a:srgbClr val="0000FF"/>
-                        </a:solidFill>
-                        <a:latin typeface="Cambria Math" panose="02040503050406030204" pitchFamily="18" charset="0"/>
-                      </a:rPr>
-                      <m:t>𝑂</m:t>
-                    </m:r>
-                    <m:r>
-                      <a:rPr lang="en-US" sz="2000" b="0" i="1" smtClean="0">
-                        <a:solidFill>
-                          <a:srgbClr val="0000FF"/>
-                        </a:solidFill>
-                        <a:latin typeface="Cambria Math" panose="02040503050406030204" pitchFamily="18" charset="0"/>
-                      </a:rPr>
-                      <m:t>(</m:t>
-                    </m:r>
-                    <m:func>
-                      <m:funcPr>
-                        <m:ctrlPr>
-                          <a:rPr lang="en-US" sz="2000" i="1" smtClean="0">
-                            <a:solidFill>
-                              <a:srgbClr val="0000FF"/>
-                            </a:solidFill>
-                            <a:latin typeface="Cambria Math" panose="02040503050406030204" pitchFamily="18" charset="0"/>
-                          </a:rPr>
-                        </m:ctrlPr>
-                      </m:funcPr>
-                      <m:fName>
-                        <m:r>
-                          <m:rPr>
-                            <m:sty m:val="p"/>
-                          </m:rPr>
-                          <a:rPr lang="en-US" sz="2000" b="0" i="0" smtClean="0">
-                            <a:solidFill>
-                              <a:srgbClr val="0000FF"/>
-                            </a:solidFill>
-                            <a:latin typeface="Cambria Math" panose="02040503050406030204" pitchFamily="18" charset="0"/>
-                          </a:rPr>
-                          <m:t>lg</m:t>
-                        </m:r>
-                      </m:fName>
-                      <m:e>
-                        <m:r>
-                          <a:rPr lang="en-US" sz="2000" b="0" i="1" smtClean="0">
-                            <a:solidFill>
-                              <a:srgbClr val="0000FF"/>
-                            </a:solidFill>
-                            <a:latin typeface="Cambria Math" panose="02040503050406030204" pitchFamily="18" charset="0"/>
-                          </a:rPr>
-                          <m:t>𝑛</m:t>
-                        </m:r>
-                      </m:e>
-                    </m:func>
-                    <m:r>
-                      <a:rPr lang="en-US" sz="2000" b="0" i="1" smtClean="0">
-                        <a:solidFill>
-                          <a:srgbClr val="0000FF"/>
-                        </a:solidFill>
-                        <a:latin typeface="Cambria Math" panose="02040503050406030204" pitchFamily="18" charset="0"/>
-                      </a:rPr>
-                      <m:t>)</m:t>
-                    </m:r>
-                  </m:oMath>
-                </a14:m>
-                <a:r>
-                  <a:rPr lang="en-US" sz="2000" i="1" dirty="0"/>
-                  <a:t> is the </a:t>
-                </a:r>
-                <a:r>
-                  <a:rPr lang="en-US" sz="2000" i="1" dirty="0">
-                    <a:solidFill>
-                      <a:srgbClr val="0000FF"/>
-                    </a:solidFill>
-                  </a:rPr>
-                  <a:t>average running time</a:t>
-                </a:r>
-                <a:r>
-                  <a:rPr lang="en-US" sz="2000" i="1" dirty="0"/>
-                  <a:t>, but </a:t>
-                </a:r>
-                <a:r>
-                  <a:rPr lang="en-US" sz="2000" i="1" dirty="0">
-                    <a:solidFill>
-                      <a:srgbClr val="0000FF"/>
-                    </a:solidFill>
-                  </a:rPr>
-                  <a:t>with high probability </a:t>
-                </a:r>
-                <a:r>
-                  <a:rPr lang="en-US" sz="2000" i="1" dirty="0"/>
-                  <a:t>(i.e., almost always guaranteed). </a:t>
-                </a:r>
-              </a:p>
-              <a:p>
-                <a:pPr lvl="1"/>
-                <a:endParaRPr lang="en-US" sz="1000" i="1" dirty="0"/>
-              </a:p>
-              <a:p>
-                <a:pPr marL="0" indent="0">
-                  <a:buNone/>
-                </a:pPr>
-                <a:r>
-                  <a:rPr lang="en-US" sz="2200" i="1" dirty="0"/>
-                  <a:t>For simplicity, we’ll use simplify drawing for a doubly linked list</a:t>
-                </a:r>
-              </a:p>
-            </p:txBody>
-          </p:sp>
-        </mc:Choice>
-        <mc:Fallback xmlns="">
-          <p:sp>
-            <p:nvSpPr>
-              <p:cNvPr id="3" name="Content Placeholder 2">
-                <a:extLst>
-                  <a:ext uri="{FF2B5EF4-FFF2-40B4-BE49-F238E27FC236}">
-                    <a16:creationId xmlns:a16="http://schemas.microsoft.com/office/drawing/2014/main" id="{FBE3A370-27BD-6F01-E3D4-C91157F6AB9E}"/>
-                  </a:ext>
-                </a:extLst>
-              </p:cNvPr>
-              <p:cNvSpPr>
-                <a:spLocks noGrp="1" noRot="1" noChangeAspect="1" noMove="1" noResize="1" noEditPoints="1" noAdjustHandles="1" noChangeArrowheads="1" noChangeShapeType="1" noTextEdit="1"/>
-              </p:cNvSpPr>
-              <p:nvPr>
-                <p:ph idx="1"/>
-              </p:nvPr>
-            </p:nvSpPr>
-            <p:spPr>
-              <a:xfrm>
-                <a:off x="457200" y="1124744"/>
-                <a:ext cx="8435280" cy="2448272"/>
-              </a:xfrm>
-              <a:blipFill>
-                <a:blip r:embed="rId2"/>
-                <a:stretch>
-                  <a:fillRect l="-939" t="-1496" b="-1496"/>
-                </a:stretch>
-              </a:blipFill>
-            </p:spPr>
-            <p:txBody>
-              <a:bodyPr/>
-              <a:lstStyle/>
-              <a:p>
-                <a:r>
-                  <a:rPr lang="en-US">
-                    <a:noFill/>
-                  </a:rPr>
-                  <a:t> </a:t>
-                </a:r>
-              </a:p>
-            </p:txBody>
-          </p:sp>
-        </mc:Fallback>
-      </mc:AlternateContent>
-      <p:sp>
-        <p:nvSpPr>
-          <p:cNvPr id="6" name="AutoShape 4">
-            <a:extLst>
-              <a:ext uri="{FF2B5EF4-FFF2-40B4-BE49-F238E27FC236}">
-                <a16:creationId xmlns:a16="http://schemas.microsoft.com/office/drawing/2014/main" id="{70459B03-1A46-C546-9220-3336F6270419}"/>
-              </a:ext>
-            </a:extLst>
-          </p:cNvPr>
-          <p:cNvSpPr>
-            <a:spLocks noChangeArrowheads="1"/>
-          </p:cNvSpPr>
-          <p:nvPr/>
-        </p:nvSpPr>
-        <p:spPr bwMode="auto">
-          <a:xfrm>
-            <a:off x="1981200" y="5428456"/>
-            <a:ext cx="609600" cy="609600"/>
-          </a:xfrm>
-          <a:prstGeom prst="roundRect">
-            <a:avLst>
-              <a:gd name="adj" fmla="val 16667"/>
-            </a:avLst>
-          </a:prstGeom>
-          <a:solidFill>
-            <a:srgbClr val="FFFF66"/>
-          </a:solidFill>
-          <a:ln w="9525">
-            <a:solidFill>
-              <a:schemeClr val="tx1"/>
-            </a:solidFill>
-            <a:round/>
-            <a:headEnd/>
-            <a:tailEnd/>
-          </a:ln>
-          <a:effectLst/>
-        </p:spPr>
-        <p:txBody>
-          <a:bodyPr wrap="none" anchor="ctr"/>
-          <a:lstStyle/>
-          <a:p>
-            <a:pPr>
-              <a:lnSpc>
-                <a:spcPct val="90000"/>
-              </a:lnSpc>
-            </a:pPr>
-            <a:r>
-              <a:rPr lang="en-US" altLang="en-US" sz="2400" dirty="0">
-                <a:solidFill>
-                  <a:srgbClr val="008A87"/>
-                </a:solidFill>
-                <a:ea typeface="Arial Unicode MS" pitchFamily="34" charset="-122"/>
-              </a:rPr>
-              <a:t>25</a:t>
-            </a:r>
-          </a:p>
-        </p:txBody>
-      </p:sp>
-      <p:sp>
-        <p:nvSpPr>
-          <p:cNvPr id="7" name="AutoShape 5">
-            <a:extLst>
-              <a:ext uri="{FF2B5EF4-FFF2-40B4-BE49-F238E27FC236}">
-                <a16:creationId xmlns:a16="http://schemas.microsoft.com/office/drawing/2014/main" id="{6275D0F5-78AD-FCD1-5413-9CE67663D41A}"/>
-              </a:ext>
-            </a:extLst>
-          </p:cNvPr>
-          <p:cNvSpPr>
-            <a:spLocks noChangeArrowheads="1"/>
-          </p:cNvSpPr>
-          <p:nvPr/>
-        </p:nvSpPr>
-        <p:spPr bwMode="auto">
-          <a:xfrm>
-            <a:off x="2971800" y="5428456"/>
-            <a:ext cx="609600" cy="609600"/>
-          </a:xfrm>
-          <a:prstGeom prst="roundRect">
-            <a:avLst>
-              <a:gd name="adj" fmla="val 16667"/>
-            </a:avLst>
-          </a:prstGeom>
-          <a:solidFill>
-            <a:srgbClr val="FFFF66"/>
-          </a:solidFill>
-          <a:ln w="9525">
-            <a:solidFill>
-              <a:schemeClr val="tx1"/>
-            </a:solidFill>
-            <a:round/>
-            <a:headEnd/>
-            <a:tailEnd/>
-          </a:ln>
-          <a:effectLst/>
-        </p:spPr>
-        <p:txBody>
-          <a:bodyPr wrap="none" anchor="ctr"/>
-          <a:lstStyle/>
-          <a:p>
-            <a:pPr algn="ctr">
-              <a:lnSpc>
-                <a:spcPct val="90000"/>
-              </a:lnSpc>
-            </a:pPr>
-            <a:r>
-              <a:rPr lang="en-US" altLang="en-US" sz="2400" dirty="0">
-                <a:solidFill>
-                  <a:srgbClr val="008A87"/>
-                </a:solidFill>
-                <a:ea typeface="Arial Unicode MS" pitchFamily="34" charset="-122"/>
-              </a:rPr>
-              <a:t>9</a:t>
-            </a:r>
-          </a:p>
-        </p:txBody>
-      </p:sp>
-      <p:cxnSp>
-        <p:nvCxnSpPr>
-          <p:cNvPr id="8" name="AutoShape 6">
-            <a:extLst>
-              <a:ext uri="{FF2B5EF4-FFF2-40B4-BE49-F238E27FC236}">
-                <a16:creationId xmlns:a16="http://schemas.microsoft.com/office/drawing/2014/main" id="{5AE590A0-F8EA-F76A-B7B3-168BC03D0CA4}"/>
-              </a:ext>
-            </a:extLst>
-          </p:cNvPr>
-          <p:cNvCxnSpPr>
-            <a:cxnSpLocks noChangeShapeType="1"/>
-            <a:stCxn id="6" idx="3"/>
-            <a:endCxn id="7" idx="1"/>
-          </p:cNvCxnSpPr>
-          <p:nvPr/>
-        </p:nvCxnSpPr>
-        <p:spPr bwMode="auto">
-          <a:xfrm>
-            <a:off x="2590800" y="5733256"/>
-            <a:ext cx="381000" cy="0"/>
-          </a:xfrm>
-          <a:prstGeom prst="straightConnector1">
-            <a:avLst/>
-          </a:prstGeom>
-          <a:noFill/>
-          <a:ln w="38100">
-            <a:solidFill>
-              <a:schemeClr val="tx1"/>
-            </a:solidFill>
-            <a:round/>
-            <a:headEnd type="triangle" w="med" len="med"/>
-            <a:tailEnd type="triangle" w="med" len="med"/>
-          </a:ln>
-          <a:effectLst/>
-          <a:extLst>
-            <a:ext uri="{909E8E84-426E-40DD-AFC4-6F175D3DCCD1}">
-              <a14:hiddenFill xmlns:a14="http://schemas.microsoft.com/office/drawing/2010/main">
-                <a:noFill/>
-              </a14:hiddenFill>
-            </a:ext>
-          </a:extLst>
-        </p:spPr>
-      </p:cxnSp>
-      <p:sp>
-        <p:nvSpPr>
-          <p:cNvPr id="9" name="AutoShape 7">
-            <a:extLst>
-              <a:ext uri="{FF2B5EF4-FFF2-40B4-BE49-F238E27FC236}">
-                <a16:creationId xmlns:a16="http://schemas.microsoft.com/office/drawing/2014/main" id="{441B14BE-673C-AFB6-0276-06C1155640BD}"/>
-              </a:ext>
-            </a:extLst>
-          </p:cNvPr>
-          <p:cNvSpPr>
-            <a:spLocks noChangeArrowheads="1"/>
-          </p:cNvSpPr>
-          <p:nvPr/>
-        </p:nvSpPr>
-        <p:spPr bwMode="auto">
-          <a:xfrm>
-            <a:off x="3962400" y="5428456"/>
-            <a:ext cx="609600" cy="609600"/>
-          </a:xfrm>
-          <a:prstGeom prst="roundRect">
-            <a:avLst>
-              <a:gd name="adj" fmla="val 16667"/>
-            </a:avLst>
-          </a:prstGeom>
-          <a:solidFill>
-            <a:srgbClr val="FFFF66"/>
-          </a:solidFill>
-          <a:ln w="9525">
-            <a:solidFill>
-              <a:schemeClr val="tx1"/>
-            </a:solidFill>
-            <a:round/>
-            <a:headEnd/>
-            <a:tailEnd/>
-          </a:ln>
-          <a:effectLst/>
-        </p:spPr>
-        <p:txBody>
-          <a:bodyPr wrap="none" anchor="ctr"/>
-          <a:lstStyle/>
-          <a:p>
-            <a:pPr>
-              <a:lnSpc>
-                <a:spcPct val="90000"/>
-              </a:lnSpc>
-            </a:pPr>
-            <a:r>
-              <a:rPr lang="en-US" altLang="en-US" sz="2400" dirty="0">
-                <a:solidFill>
-                  <a:srgbClr val="008A87"/>
-                </a:solidFill>
-                <a:ea typeface="Arial Unicode MS" pitchFamily="34" charset="-122"/>
-              </a:rPr>
-              <a:t>16</a:t>
-            </a:r>
-          </a:p>
-        </p:txBody>
-      </p:sp>
-      <p:cxnSp>
-        <p:nvCxnSpPr>
-          <p:cNvPr id="10" name="AutoShape 8">
-            <a:extLst>
-              <a:ext uri="{FF2B5EF4-FFF2-40B4-BE49-F238E27FC236}">
-                <a16:creationId xmlns:a16="http://schemas.microsoft.com/office/drawing/2014/main" id="{85A3A7B3-17D5-1B9A-7B2E-861E92D99427}"/>
-              </a:ext>
-            </a:extLst>
-          </p:cNvPr>
-          <p:cNvCxnSpPr>
-            <a:cxnSpLocks noChangeShapeType="1"/>
-            <a:stCxn id="7" idx="3"/>
-            <a:endCxn id="9" idx="1"/>
-          </p:cNvCxnSpPr>
-          <p:nvPr/>
-        </p:nvCxnSpPr>
-        <p:spPr bwMode="auto">
-          <a:xfrm>
-            <a:off x="3581400" y="5733256"/>
-            <a:ext cx="381000" cy="0"/>
-          </a:xfrm>
-          <a:prstGeom prst="straightConnector1">
-            <a:avLst/>
-          </a:prstGeom>
-          <a:noFill/>
-          <a:ln w="38100">
-            <a:solidFill>
-              <a:schemeClr val="tx1"/>
-            </a:solidFill>
-            <a:round/>
-            <a:headEnd type="triangle" w="med" len="med"/>
-            <a:tailEnd type="triangle" w="med" len="med"/>
-          </a:ln>
-          <a:effectLst/>
-          <a:extLst>
-            <a:ext uri="{909E8E84-426E-40DD-AFC4-6F175D3DCCD1}">
-              <a14:hiddenFill xmlns:a14="http://schemas.microsoft.com/office/drawing/2010/main">
-                <a:noFill/>
-              </a14:hiddenFill>
-            </a:ext>
-          </a:extLst>
-        </p:spPr>
-      </p:cxnSp>
-      <p:sp>
-        <p:nvSpPr>
-          <p:cNvPr id="11" name="AutoShape 9">
-            <a:extLst>
-              <a:ext uri="{FF2B5EF4-FFF2-40B4-BE49-F238E27FC236}">
-                <a16:creationId xmlns:a16="http://schemas.microsoft.com/office/drawing/2014/main" id="{781D77EF-B706-E1D8-3603-FEAA46696A36}"/>
-              </a:ext>
-            </a:extLst>
-          </p:cNvPr>
-          <p:cNvSpPr>
-            <a:spLocks noChangeArrowheads="1"/>
-          </p:cNvSpPr>
-          <p:nvPr/>
-        </p:nvSpPr>
-        <p:spPr bwMode="auto">
-          <a:xfrm>
-            <a:off x="4953000" y="5428456"/>
-            <a:ext cx="609600" cy="609600"/>
-          </a:xfrm>
-          <a:prstGeom prst="roundRect">
-            <a:avLst>
-              <a:gd name="adj" fmla="val 16667"/>
-            </a:avLst>
-          </a:prstGeom>
-          <a:solidFill>
-            <a:srgbClr val="FFFF66"/>
-          </a:solidFill>
-          <a:ln w="9525">
-            <a:solidFill>
-              <a:schemeClr val="tx1"/>
-            </a:solidFill>
-            <a:round/>
-            <a:headEnd/>
-            <a:tailEnd/>
-          </a:ln>
-          <a:effectLst/>
-        </p:spPr>
-        <p:txBody>
-          <a:bodyPr wrap="none" anchor="ctr"/>
-          <a:lstStyle/>
-          <a:p>
-            <a:pPr algn="ctr">
-              <a:lnSpc>
-                <a:spcPct val="90000"/>
-              </a:lnSpc>
-            </a:pPr>
-            <a:r>
-              <a:rPr lang="en-US" altLang="en-US" sz="2400" dirty="0">
-                <a:solidFill>
-                  <a:srgbClr val="008A87"/>
-                </a:solidFill>
-                <a:ea typeface="Arial Unicode MS" pitchFamily="34" charset="-122"/>
-              </a:rPr>
-              <a:t>4</a:t>
-            </a:r>
-          </a:p>
-        </p:txBody>
-      </p:sp>
-      <p:cxnSp>
-        <p:nvCxnSpPr>
-          <p:cNvPr id="12" name="AutoShape 10">
-            <a:extLst>
-              <a:ext uri="{FF2B5EF4-FFF2-40B4-BE49-F238E27FC236}">
-                <a16:creationId xmlns:a16="http://schemas.microsoft.com/office/drawing/2014/main" id="{4B2A3907-0DEC-EE62-CB06-517CE208C511}"/>
-              </a:ext>
-            </a:extLst>
-          </p:cNvPr>
-          <p:cNvCxnSpPr>
-            <a:cxnSpLocks noChangeShapeType="1"/>
-            <a:stCxn id="9" idx="3"/>
-            <a:endCxn id="11" idx="1"/>
-          </p:cNvCxnSpPr>
-          <p:nvPr/>
-        </p:nvCxnSpPr>
-        <p:spPr bwMode="auto">
-          <a:xfrm>
-            <a:off x="4572000" y="5733256"/>
-            <a:ext cx="381000" cy="0"/>
-          </a:xfrm>
-          <a:prstGeom prst="straightConnector1">
-            <a:avLst/>
-          </a:prstGeom>
-          <a:noFill/>
-          <a:ln w="38100">
-            <a:solidFill>
-              <a:schemeClr val="tx1"/>
-            </a:solidFill>
-            <a:round/>
-            <a:headEnd type="triangle" w="med" len="med"/>
-            <a:tailEnd type="triangle" w="med" len="med"/>
-          </a:ln>
-          <a:effectLst/>
-          <a:extLst>
-            <a:ext uri="{909E8E84-426E-40DD-AFC4-6F175D3DCCD1}">
-              <a14:hiddenFill xmlns:a14="http://schemas.microsoft.com/office/drawing/2010/main">
-                <a:noFill/>
-              </a14:hiddenFill>
-            </a:ext>
-          </a:extLst>
-        </p:spPr>
-      </p:cxnSp>
-      <p:sp>
-        <p:nvSpPr>
-          <p:cNvPr id="13" name="AutoShape 11">
-            <a:extLst>
-              <a:ext uri="{FF2B5EF4-FFF2-40B4-BE49-F238E27FC236}">
-                <a16:creationId xmlns:a16="http://schemas.microsoft.com/office/drawing/2014/main" id="{C8141BBA-B21F-5E53-527A-291B5A93B95E}"/>
-              </a:ext>
-            </a:extLst>
-          </p:cNvPr>
-          <p:cNvSpPr>
-            <a:spLocks noChangeArrowheads="1"/>
-          </p:cNvSpPr>
-          <p:nvPr/>
-        </p:nvSpPr>
-        <p:spPr bwMode="auto">
-          <a:xfrm>
-            <a:off x="5943600" y="5428456"/>
-            <a:ext cx="609600" cy="609600"/>
-          </a:xfrm>
-          <a:prstGeom prst="roundRect">
-            <a:avLst>
-              <a:gd name="adj" fmla="val 16667"/>
-            </a:avLst>
-          </a:prstGeom>
-          <a:solidFill>
-            <a:srgbClr val="FFFF66"/>
-          </a:solidFill>
-          <a:ln w="9525">
-            <a:solidFill>
-              <a:schemeClr val="tx1"/>
-            </a:solidFill>
-            <a:round/>
-            <a:headEnd/>
-            <a:tailEnd/>
-          </a:ln>
-          <a:effectLst/>
-        </p:spPr>
-        <p:txBody>
-          <a:bodyPr wrap="none" anchor="ctr"/>
-          <a:lstStyle/>
-          <a:p>
-            <a:pPr algn="ctr">
-              <a:lnSpc>
-                <a:spcPct val="90000"/>
-              </a:lnSpc>
-            </a:pPr>
-            <a:r>
-              <a:rPr lang="en-US" altLang="en-US" sz="2400" dirty="0">
-                <a:solidFill>
-                  <a:srgbClr val="008A87"/>
-                </a:solidFill>
-                <a:ea typeface="Arial Unicode MS" pitchFamily="34" charset="-122"/>
-              </a:rPr>
-              <a:t>1</a:t>
-            </a:r>
-          </a:p>
-        </p:txBody>
-      </p:sp>
-      <p:cxnSp>
-        <p:nvCxnSpPr>
-          <p:cNvPr id="14" name="AutoShape 12">
-            <a:extLst>
-              <a:ext uri="{FF2B5EF4-FFF2-40B4-BE49-F238E27FC236}">
-                <a16:creationId xmlns:a16="http://schemas.microsoft.com/office/drawing/2014/main" id="{F5E19483-1F1A-CA1C-5F8C-3B69F6D7F643}"/>
-              </a:ext>
-            </a:extLst>
-          </p:cNvPr>
-          <p:cNvCxnSpPr>
-            <a:cxnSpLocks noChangeShapeType="1"/>
-            <a:stCxn id="11" idx="3"/>
-            <a:endCxn id="13" idx="1"/>
-          </p:cNvCxnSpPr>
-          <p:nvPr/>
-        </p:nvCxnSpPr>
-        <p:spPr bwMode="auto">
-          <a:xfrm>
-            <a:off x="5562600" y="5733256"/>
-            <a:ext cx="381000" cy="0"/>
-          </a:xfrm>
-          <a:prstGeom prst="straightConnector1">
-            <a:avLst/>
-          </a:prstGeom>
-          <a:noFill/>
-          <a:ln w="38100">
-            <a:solidFill>
-              <a:schemeClr val="tx1"/>
-            </a:solidFill>
-            <a:round/>
-            <a:headEnd type="triangle" w="med" len="med"/>
-            <a:tailEnd type="triangle" w="med" len="med"/>
-          </a:ln>
-          <a:effectLst/>
-          <a:extLst>
-            <a:ext uri="{909E8E84-426E-40DD-AFC4-6F175D3DCCD1}">
-              <a14:hiddenFill xmlns:a14="http://schemas.microsoft.com/office/drawing/2010/main">
-                <a:noFill/>
-              </a14:hiddenFill>
-            </a:ext>
-          </a:extLst>
-        </p:spPr>
-      </p:cxnSp>
-      <p:pic>
-        <p:nvPicPr>
-          <p:cNvPr id="18" name="Picture 17">
-            <a:extLst>
-              <a:ext uri="{FF2B5EF4-FFF2-40B4-BE49-F238E27FC236}">
-                <a16:creationId xmlns:a16="http://schemas.microsoft.com/office/drawing/2014/main" id="{2D0DADED-14B1-F574-FEE7-E712D45A0F79}"/>
-              </a:ext>
-            </a:extLst>
-          </p:cNvPr>
-          <p:cNvPicPr>
-            <a:picLocks noChangeAspect="1"/>
-          </p:cNvPicPr>
-          <p:nvPr/>
-        </p:nvPicPr>
-        <p:blipFill>
-          <a:blip r:embed="rId3"/>
-          <a:stretch>
-            <a:fillRect/>
-          </a:stretch>
-        </p:blipFill>
-        <p:spPr>
-          <a:xfrm>
-            <a:off x="683568" y="3645024"/>
-            <a:ext cx="7681210" cy="855826"/>
-          </a:xfrm>
-          <a:prstGeom prst="rect">
-            <a:avLst/>
-          </a:prstGeom>
-        </p:spPr>
-      </p:pic>
-      <p:sp>
-        <p:nvSpPr>
-          <p:cNvPr id="19" name="Arrow: Down 18">
-            <a:extLst>
-              <a:ext uri="{FF2B5EF4-FFF2-40B4-BE49-F238E27FC236}">
-                <a16:creationId xmlns:a16="http://schemas.microsoft.com/office/drawing/2014/main" id="{35676B1E-89BA-C53F-69F9-C7F2DAB8214F}"/>
-              </a:ext>
-            </a:extLst>
-          </p:cNvPr>
-          <p:cNvSpPr/>
-          <p:nvPr/>
-        </p:nvSpPr>
-        <p:spPr>
-          <a:xfrm>
-            <a:off x="4139952" y="4581128"/>
-            <a:ext cx="288032" cy="504056"/>
-          </a:xfrm>
-          <a:prstGeom prst="downArrow">
-            <a:avLst/>
-          </a:prstGeom>
-        </p:spPr>
-        <p:style>
-          <a:lnRef idx="2">
-            <a:schemeClr val="dk1">
-              <a:shade val="15000"/>
-            </a:schemeClr>
-          </a:lnRef>
-          <a:fillRef idx="1">
-            <a:schemeClr val="dk1"/>
-          </a:fillRef>
-          <a:effectRef idx="0">
-            <a:schemeClr val="dk1"/>
-          </a:effectRef>
-          <a:fontRef idx="minor">
-            <a:schemeClr val="lt1"/>
-          </a:fontRef>
-        </p:style>
-        <p:txBody>
-          <a:bodyPr rtlCol="0" anchor="ctr"/>
-          <a:lstStyle/>
-          <a:p>
-            <a:pPr algn="ctr"/>
-            <a:endParaRPr lang="en-US"/>
-          </a:p>
-        </p:txBody>
-      </p:sp>
-    </p:spTree>
-    <p:extLst>
-      <p:ext uri="{BB962C8B-B14F-4D97-AF65-F5344CB8AC3E}">
-        <p14:creationId xmlns:p14="http://schemas.microsoft.com/office/powerpoint/2010/main" val="2376949845"/>
-      </p:ext>
-    </p:extLst>
-  </p:cSld>
-  <p:clrMapOvr>
-    <a:masterClrMapping/>
-  </p:clrMapOvr>
-</p:sld>
-</file>
-
-<file path=ppt/slides/slide20.xml><?xml version="1.0" encoding="utf-8"?>
+<file path=ppt/slides/slide19.xml><?xml version="1.0" encoding="utf-8"?>
 <p:sld xmlns:a="http://schemas.openxmlformats.org/drawingml/2006/main" xmlns:r="http://schemas.openxmlformats.org/officeDocument/2006/relationships" xmlns:p="http://schemas.openxmlformats.org/presentationml/2006/main">
   <p:cSld>
     <p:spTree>
@@ -38131,7 +34010,111 @@
 </p:sld>
 </file>
 
-<file path=ppt/slides/slide21.xml><?xml version="1.0" encoding="utf-8"?>
+<file path=ppt/slides/slide2.xml><?xml version="1.0" encoding="utf-8"?>
+<p:sld xmlns:a="http://schemas.openxmlformats.org/drawingml/2006/main" xmlns:r="http://schemas.openxmlformats.org/officeDocument/2006/relationships" xmlns:p="http://schemas.openxmlformats.org/presentationml/2006/main">
+  <p:cSld>
+    <p:spTree>
+      <p:nvGrpSpPr>
+        <p:cNvPr id="1" name=""/>
+        <p:cNvGrpSpPr/>
+        <p:nvPr/>
+      </p:nvGrpSpPr>
+      <p:grpSpPr>
+        <a:xfrm>
+          <a:off x="0" y="0"/>
+          <a:ext cx="0" cy="0"/>
+          <a:chOff x="0" y="0"/>
+          <a:chExt cx="0" cy="0"/>
+        </a:xfrm>
+      </p:grpSpPr>
+      <p:sp>
+        <p:nvSpPr>
+          <p:cNvPr id="2" name="Title 1">
+            <a:extLst>
+              <a:ext uri="{FF2B5EF4-FFF2-40B4-BE49-F238E27FC236}">
+                <a16:creationId xmlns:a16="http://schemas.microsoft.com/office/drawing/2014/main" id="{002699CB-3A90-BA09-703E-485B6108F903}"/>
+              </a:ext>
+            </a:extLst>
+          </p:cNvPr>
+          <p:cNvSpPr>
+            <a:spLocks noGrp="1"/>
+          </p:cNvSpPr>
+          <p:nvPr>
+            <p:ph type="title"/>
+          </p:nvPr>
+        </p:nvSpPr>
+        <p:spPr/>
+        <p:txBody>
+          <a:bodyPr/>
+          <a:lstStyle/>
+          <a:p>
+            <a:r>
+              <a:rPr lang="en-US" dirty="0"/>
+              <a:t>Quick Recap of Linked Lists</a:t>
+            </a:r>
+          </a:p>
+        </p:txBody>
+      </p:sp>
+      <p:sp>
+        <p:nvSpPr>
+          <p:cNvPr id="3" name="Content Placeholder 2">
+            <a:extLst>
+              <a:ext uri="{FF2B5EF4-FFF2-40B4-BE49-F238E27FC236}">
+                <a16:creationId xmlns:a16="http://schemas.microsoft.com/office/drawing/2014/main" id="{E743F478-A2DF-219A-5B57-04877F40911A}"/>
+              </a:ext>
+            </a:extLst>
+          </p:cNvPr>
+          <p:cNvSpPr>
+            <a:spLocks noGrp="1"/>
+          </p:cNvSpPr>
+          <p:nvPr>
+            <p:ph idx="1"/>
+          </p:nvPr>
+        </p:nvSpPr>
+        <p:spPr/>
+        <p:txBody>
+          <a:bodyPr/>
+          <a:lstStyle/>
+          <a:p>
+            <a:r>
+              <a:rPr lang="en-US" dirty="0"/>
+              <a:t>Two types of Linked Lists: Singly-linked and Doubly-linked</a:t>
+            </a:r>
+          </a:p>
+          <a:p>
+            <a:r>
+              <a:rPr lang="en-US" dirty="0"/>
+              <a:t>Each node contains data and a reference to the next(and previous) node.</a:t>
+            </a:r>
+          </a:p>
+          <a:p>
+            <a:r>
+              <a:rPr lang="en-US" dirty="0"/>
+              <a:t>Operations over Linked Lists: Insertion, Deletion and Traversal</a:t>
+            </a:r>
+          </a:p>
+          <a:p>
+            <a:r>
+              <a:rPr lang="en-US" dirty="0"/>
+              <a:t>Drawbacks: No Random Access</a:t>
+            </a:r>
+          </a:p>
+        </p:txBody>
+      </p:sp>
+    </p:spTree>
+    <p:extLst>
+      <p:ext uri="{BB962C8B-B14F-4D97-AF65-F5344CB8AC3E}">
+        <p14:creationId xmlns:p14="http://schemas.microsoft.com/office/powerpoint/2010/main" val="2338289289"/>
+      </p:ext>
+    </p:extLst>
+  </p:cSld>
+  <p:clrMapOvr>
+    <a:masterClrMapping/>
+  </p:clrMapOvr>
+</p:sld>
+</file>
+
+<file path=ppt/slides/slide20.xml><?xml version="1.0" encoding="utf-8"?>
 <p:sld xmlns:a="http://schemas.openxmlformats.org/drawingml/2006/main" xmlns:r="http://schemas.openxmlformats.org/officeDocument/2006/relationships" xmlns:p="http://schemas.openxmlformats.org/presentationml/2006/main">
   <p:cSld>
     <p:spTree>
@@ -40591,7 +36574,7 @@
 </p:sld>
 </file>
 
-<file path=ppt/slides/slide3.xml><?xml version="1.0" encoding="utf-8"?>
+<file path=ppt/slides/slide21.xml><?xml version="1.0" encoding="utf-8"?>
 <p:sld xmlns:a="http://schemas.openxmlformats.org/drawingml/2006/main" xmlns:r="http://schemas.openxmlformats.org/officeDocument/2006/relationships" xmlns:p="http://schemas.openxmlformats.org/presentationml/2006/main">
   <p:cSld>
     <p:spTree>
@@ -40826,7 +36809,7 @@
 </p:sld>
 </file>
 
-<file path=ppt/slides/slide4.xml><?xml version="1.0" encoding="utf-8"?>
+<file path=ppt/slides/slide3.xml><?xml version="1.0" encoding="utf-8"?>
 <p:sld xmlns:a="http://schemas.openxmlformats.org/drawingml/2006/main" xmlns:r="http://schemas.openxmlformats.org/officeDocument/2006/relationships" xmlns:p="http://schemas.openxmlformats.org/presentationml/2006/main">
   <p:cSld>
     <p:spTree>
@@ -40936,7 +36919,7 @@
 </p:sld>
 </file>
 
-<file path=ppt/slides/slide5.xml><?xml version="1.0" encoding="utf-8"?>
+<file path=ppt/slides/slide4.xml><?xml version="1.0" encoding="utf-8"?>
 <p:sld xmlns:a="http://schemas.openxmlformats.org/drawingml/2006/main" xmlns:r="http://schemas.openxmlformats.org/officeDocument/2006/relationships" xmlns:p="http://schemas.openxmlformats.org/presentationml/2006/main">
   <p:cSld>
     <p:spTree>
@@ -40958,7 +36941,7 @@
           <p:cNvPr id="2" name="Title 1">
             <a:extLst>
               <a:ext uri="{FF2B5EF4-FFF2-40B4-BE49-F238E27FC236}">
-                <a16:creationId xmlns:a16="http://schemas.microsoft.com/office/drawing/2014/main" id="{002699CB-3A90-BA09-703E-485B6108F903}"/>
+                <a16:creationId xmlns:a16="http://schemas.microsoft.com/office/drawing/2014/main" id="{80F8BAA8-9E9C-7134-B2D0-E6101584F2CF}"/>
               </a:ext>
             </a:extLst>
           </p:cNvPr>
@@ -40976,61 +36959,886 @@
           <a:p>
             <a:r>
               <a:rPr lang="en-US" dirty="0"/>
-              <a:t>Quick Recap of Linked Lists</a:t>
+              <a:t>Skip lists</a:t>
+            </a:r>
+          </a:p>
+        </p:txBody>
+      </p:sp>
+      <mc:AlternateContent xmlns:mc="http://schemas.openxmlformats.org/markup-compatibility/2006" xmlns:a14="http://schemas.microsoft.com/office/drawing/2010/main">
+        <mc:Choice Requires="a14">
+          <p:sp>
+            <p:nvSpPr>
+              <p:cNvPr id="3" name="Content Placeholder 2">
+                <a:extLst>
+                  <a:ext uri="{FF2B5EF4-FFF2-40B4-BE49-F238E27FC236}">
+                    <a16:creationId xmlns:a16="http://schemas.microsoft.com/office/drawing/2014/main" id="{FBE3A370-27BD-6F01-E3D4-C91157F6AB9E}"/>
+                  </a:ext>
+                </a:extLst>
+              </p:cNvPr>
+              <p:cNvSpPr>
+                <a:spLocks noGrp="1"/>
+              </p:cNvSpPr>
+              <p:nvPr>
+                <p:ph idx="1"/>
+              </p:nvPr>
+            </p:nvSpPr>
+            <p:spPr>
+              <a:xfrm>
+                <a:off x="457200" y="1124744"/>
+                <a:ext cx="8435280" cy="2448272"/>
+              </a:xfrm>
+            </p:spPr>
+            <p:txBody>
+              <a:bodyPr/>
+              <a:lstStyle/>
+              <a:p>
+                <a:r>
+                  <a:rPr lang="en-US" sz="2200" b="1" dirty="0">
+                    <a:solidFill>
+                      <a:srgbClr val="FF0000"/>
+                    </a:solidFill>
+                  </a:rPr>
+                  <a:t>Skip lists</a:t>
+                </a:r>
+                <a:r>
+                  <a:rPr lang="en-US" sz="2200" dirty="0"/>
+                  <a:t> are randomized data structures that are built upon </a:t>
+                </a:r>
+                <a:r>
+                  <a:rPr lang="en-US" sz="2200" b="1" dirty="0">
+                    <a:solidFill>
+                      <a:srgbClr val="FF0000"/>
+                    </a:solidFill>
+                  </a:rPr>
+                  <a:t>sorted linked lists</a:t>
+                </a:r>
+                <a:r>
+                  <a:rPr lang="en-US" sz="2200" dirty="0">
+                    <a:solidFill>
+                      <a:srgbClr val="FF0000"/>
+                    </a:solidFill>
+                  </a:rPr>
+                  <a:t>, </a:t>
+                </a:r>
+                <a:r>
+                  <a:rPr lang="en-US" sz="2200" dirty="0"/>
+                  <a:t>but allows </a:t>
+                </a:r>
+                <a:r>
+                  <a:rPr lang="en-US" sz="2200" dirty="0">
+                    <a:solidFill>
+                      <a:srgbClr val="FF0000"/>
+                    </a:solidFill>
+                  </a:rPr>
+                  <a:t>INSERT, DELETE, SEARCH </a:t>
+                </a:r>
+                <a:r>
+                  <a:rPr lang="en-US" sz="2200" dirty="0"/>
+                  <a:t>operations</a:t>
+                </a:r>
+                <a:r>
+                  <a:rPr lang="en-US" sz="2200" dirty="0">
+                    <a:solidFill>
+                      <a:srgbClr val="FF0000"/>
+                    </a:solidFill>
+                  </a:rPr>
+                  <a:t> </a:t>
+                </a:r>
+                <a:r>
+                  <a:rPr lang="en-US" sz="2200" dirty="0"/>
+                  <a:t>done in </a:t>
+                </a:r>
+                <a14:m>
+                  <m:oMath xmlns:m="http://schemas.openxmlformats.org/officeDocument/2006/math">
+                    <m:r>
+                      <a:rPr lang="en-US" sz="2200" b="0" i="1" smtClean="0">
+                        <a:solidFill>
+                          <a:srgbClr val="0000FF"/>
+                        </a:solidFill>
+                        <a:latin typeface="Cambria Math" panose="02040503050406030204" pitchFamily="18" charset="0"/>
+                      </a:rPr>
+                      <m:t>𝑂</m:t>
+                    </m:r>
+                    <m:r>
+                      <a:rPr lang="en-US" sz="2200" b="0" i="1" smtClean="0">
+                        <a:solidFill>
+                          <a:srgbClr val="0000FF"/>
+                        </a:solidFill>
+                        <a:latin typeface="Cambria Math" panose="02040503050406030204" pitchFamily="18" charset="0"/>
+                      </a:rPr>
+                      <m:t>(</m:t>
+                    </m:r>
+                    <m:func>
+                      <m:funcPr>
+                        <m:ctrlPr>
+                          <a:rPr lang="en-US" sz="2200" i="1" smtClean="0">
+                            <a:solidFill>
+                              <a:srgbClr val="0000FF"/>
+                            </a:solidFill>
+                            <a:latin typeface="Cambria Math" panose="02040503050406030204" pitchFamily="18" charset="0"/>
+                          </a:rPr>
+                        </m:ctrlPr>
+                      </m:funcPr>
+                      <m:fName>
+                        <m:r>
+                          <m:rPr>
+                            <m:sty m:val="p"/>
+                          </m:rPr>
+                          <a:rPr lang="en-US" sz="2200" b="0" i="0" smtClean="0">
+                            <a:solidFill>
+                              <a:srgbClr val="0000FF"/>
+                            </a:solidFill>
+                            <a:latin typeface="Cambria Math" panose="02040503050406030204" pitchFamily="18" charset="0"/>
+                          </a:rPr>
+                          <m:t>lg</m:t>
+                        </m:r>
+                      </m:fName>
+                      <m:e>
+                        <m:r>
+                          <a:rPr lang="en-US" sz="2200" b="0" i="1" smtClean="0">
+                            <a:solidFill>
+                              <a:srgbClr val="0000FF"/>
+                            </a:solidFill>
+                            <a:latin typeface="Cambria Math" panose="02040503050406030204" pitchFamily="18" charset="0"/>
+                          </a:rPr>
+                          <m:t>𝑛</m:t>
+                        </m:r>
+                      </m:e>
+                    </m:func>
+                    <m:r>
+                      <a:rPr lang="en-US" sz="2200" b="0" i="1" smtClean="0">
+                        <a:solidFill>
+                          <a:srgbClr val="0000FF"/>
+                        </a:solidFill>
+                        <a:latin typeface="Cambria Math" panose="02040503050406030204" pitchFamily="18" charset="0"/>
+                      </a:rPr>
+                      <m:t>)</m:t>
+                    </m:r>
+                  </m:oMath>
+                </a14:m>
+                <a:r>
+                  <a:rPr lang="en-US" sz="2200" dirty="0">
+                    <a:solidFill>
+                      <a:srgbClr val="0000FF"/>
+                    </a:solidFill>
+                  </a:rPr>
+                  <a:t> </a:t>
+                </a:r>
+                <a:r>
+                  <a:rPr lang="en-US" sz="2200" dirty="0"/>
+                  <a:t>time.</a:t>
+                </a:r>
+                <a:endParaRPr lang="en-US" sz="1800" dirty="0"/>
+              </a:p>
+              <a:p>
+                <a:pPr lvl="1"/>
+                <a:r>
+                  <a:rPr lang="en-US" sz="2000" b="1" u="sng" dirty="0"/>
+                  <a:t>Note</a:t>
+                </a:r>
+                <a:r>
+                  <a:rPr lang="en-US" sz="2000" dirty="0"/>
+                  <a:t>: </a:t>
+                </a:r>
+                <a14:m>
+                  <m:oMath xmlns:m="http://schemas.openxmlformats.org/officeDocument/2006/math">
+                    <m:r>
+                      <a:rPr lang="en-US" sz="2000" b="0" i="1" smtClean="0">
+                        <a:solidFill>
+                          <a:srgbClr val="0000FF"/>
+                        </a:solidFill>
+                        <a:latin typeface="Cambria Math" panose="02040503050406030204" pitchFamily="18" charset="0"/>
+                      </a:rPr>
+                      <m:t>𝑂</m:t>
+                    </m:r>
+                    <m:r>
+                      <a:rPr lang="en-US" sz="2000" b="0" i="1" smtClean="0">
+                        <a:solidFill>
+                          <a:srgbClr val="0000FF"/>
+                        </a:solidFill>
+                        <a:latin typeface="Cambria Math" panose="02040503050406030204" pitchFamily="18" charset="0"/>
+                      </a:rPr>
+                      <m:t>(</m:t>
+                    </m:r>
+                    <m:func>
+                      <m:funcPr>
+                        <m:ctrlPr>
+                          <a:rPr lang="en-US" sz="2000" i="1" smtClean="0">
+                            <a:solidFill>
+                              <a:srgbClr val="0000FF"/>
+                            </a:solidFill>
+                            <a:latin typeface="Cambria Math" panose="02040503050406030204" pitchFamily="18" charset="0"/>
+                          </a:rPr>
+                        </m:ctrlPr>
+                      </m:funcPr>
+                      <m:fName>
+                        <m:r>
+                          <m:rPr>
+                            <m:sty m:val="p"/>
+                          </m:rPr>
+                          <a:rPr lang="en-US" sz="2000" b="0" i="0" smtClean="0">
+                            <a:solidFill>
+                              <a:srgbClr val="0000FF"/>
+                            </a:solidFill>
+                            <a:latin typeface="Cambria Math" panose="02040503050406030204" pitchFamily="18" charset="0"/>
+                          </a:rPr>
+                          <m:t>lg</m:t>
+                        </m:r>
+                      </m:fName>
+                      <m:e>
+                        <m:r>
+                          <a:rPr lang="en-US" sz="2000" b="0" i="1" smtClean="0">
+                            <a:solidFill>
+                              <a:srgbClr val="0000FF"/>
+                            </a:solidFill>
+                            <a:latin typeface="Cambria Math" panose="02040503050406030204" pitchFamily="18" charset="0"/>
+                          </a:rPr>
+                          <m:t>𝑛</m:t>
+                        </m:r>
+                      </m:e>
+                    </m:func>
+                    <m:r>
+                      <a:rPr lang="en-US" sz="2000" b="0" i="1" smtClean="0">
+                        <a:solidFill>
+                          <a:srgbClr val="0000FF"/>
+                        </a:solidFill>
+                        <a:latin typeface="Cambria Math" panose="02040503050406030204" pitchFamily="18" charset="0"/>
+                      </a:rPr>
+                      <m:t>)</m:t>
+                    </m:r>
+                  </m:oMath>
+                </a14:m>
+                <a:r>
+                  <a:rPr lang="en-US" sz="2000" i="1" dirty="0"/>
+                  <a:t> is the </a:t>
+                </a:r>
+                <a:r>
+                  <a:rPr lang="en-US" sz="2000" i="1" dirty="0">
+                    <a:solidFill>
+                      <a:srgbClr val="0000FF"/>
+                    </a:solidFill>
+                  </a:rPr>
+                  <a:t>average running time</a:t>
+                </a:r>
+                <a:r>
+                  <a:rPr lang="en-US" sz="2000" i="1" dirty="0"/>
+                  <a:t>, but </a:t>
+                </a:r>
+                <a:r>
+                  <a:rPr lang="en-US" sz="2000" i="1" dirty="0">
+                    <a:solidFill>
+                      <a:srgbClr val="0000FF"/>
+                    </a:solidFill>
+                  </a:rPr>
+                  <a:t>with high probability </a:t>
+                </a:r>
+                <a:r>
+                  <a:rPr lang="en-US" sz="2000" i="1" dirty="0"/>
+                  <a:t>(i.e., almost always guaranteed). </a:t>
+                </a:r>
+              </a:p>
+              <a:p>
+                <a:pPr lvl="1"/>
+                <a:endParaRPr lang="en-US" sz="1000" i="1" dirty="0"/>
+              </a:p>
+              <a:p>
+                <a:pPr marL="0" indent="0">
+                  <a:buNone/>
+                </a:pPr>
+                <a:r>
+                  <a:rPr lang="en-US" sz="2200" i="1" dirty="0"/>
+                  <a:t>For simplicity, we’ll use simplify drawing for a doubly linked list</a:t>
+                </a:r>
+              </a:p>
+            </p:txBody>
+          </p:sp>
+        </mc:Choice>
+        <mc:Fallback xmlns="">
+          <p:sp>
+            <p:nvSpPr>
+              <p:cNvPr id="3" name="Content Placeholder 2">
+                <a:extLst>
+                  <a:ext uri="{FF2B5EF4-FFF2-40B4-BE49-F238E27FC236}">
+                    <a16:creationId xmlns:a16="http://schemas.microsoft.com/office/drawing/2014/main" id="{FBE3A370-27BD-6F01-E3D4-C91157F6AB9E}"/>
+                  </a:ext>
+                </a:extLst>
+              </p:cNvPr>
+              <p:cNvSpPr>
+                <a:spLocks noGrp="1" noRot="1" noChangeAspect="1" noMove="1" noResize="1" noEditPoints="1" noAdjustHandles="1" noChangeArrowheads="1" noChangeShapeType="1" noTextEdit="1"/>
+              </p:cNvSpPr>
+              <p:nvPr>
+                <p:ph idx="1"/>
+              </p:nvPr>
+            </p:nvSpPr>
+            <p:spPr>
+              <a:xfrm>
+                <a:off x="457200" y="1124744"/>
+                <a:ext cx="8435280" cy="2448272"/>
+              </a:xfrm>
+              <a:blipFill>
+                <a:blip r:embed="rId2"/>
+                <a:stretch>
+                  <a:fillRect l="-939" t="-1496" b="-1496"/>
+                </a:stretch>
+              </a:blipFill>
+            </p:spPr>
+            <p:txBody>
+              <a:bodyPr/>
+              <a:lstStyle/>
+              <a:p>
+                <a:r>
+                  <a:rPr lang="en-US">
+                    <a:noFill/>
+                  </a:rPr>
+                  <a:t> </a:t>
+                </a:r>
+              </a:p>
+            </p:txBody>
+          </p:sp>
+        </mc:Fallback>
+      </mc:AlternateContent>
+      <p:sp>
+        <p:nvSpPr>
+          <p:cNvPr id="6" name="AutoShape 4">
+            <a:extLst>
+              <a:ext uri="{FF2B5EF4-FFF2-40B4-BE49-F238E27FC236}">
+                <a16:creationId xmlns:a16="http://schemas.microsoft.com/office/drawing/2014/main" id="{70459B03-1A46-C546-9220-3336F6270419}"/>
+              </a:ext>
+            </a:extLst>
+          </p:cNvPr>
+          <p:cNvSpPr>
+            <a:spLocks noChangeArrowheads="1"/>
+          </p:cNvSpPr>
+          <p:nvPr/>
+        </p:nvSpPr>
+        <p:spPr bwMode="auto">
+          <a:xfrm>
+            <a:off x="1981200" y="5428456"/>
+            <a:ext cx="609600" cy="609600"/>
+          </a:xfrm>
+          <a:prstGeom prst="roundRect">
+            <a:avLst>
+              <a:gd name="adj" fmla="val 16667"/>
+            </a:avLst>
+          </a:prstGeom>
+          <a:solidFill>
+            <a:srgbClr val="FFFF66"/>
+          </a:solidFill>
+          <a:ln w="9525">
+            <a:solidFill>
+              <a:schemeClr val="tx1"/>
+            </a:solidFill>
+            <a:round/>
+            <a:headEnd/>
+            <a:tailEnd/>
+          </a:ln>
+          <a:effectLst/>
+        </p:spPr>
+        <p:txBody>
+          <a:bodyPr wrap="none" anchor="ctr"/>
+          <a:lstStyle/>
+          <a:p>
+            <a:pPr>
+              <a:lnSpc>
+                <a:spcPct val="90000"/>
+              </a:lnSpc>
+            </a:pPr>
+            <a:r>
+              <a:rPr lang="en-US" altLang="en-US" sz="2400" dirty="0">
+                <a:solidFill>
+                  <a:srgbClr val="008A87"/>
+                </a:solidFill>
+                <a:ea typeface="Arial Unicode MS" pitchFamily="34" charset="-122"/>
+              </a:rPr>
+              <a:t>25</a:t>
             </a:r>
           </a:p>
         </p:txBody>
       </p:sp>
       <p:sp>
         <p:nvSpPr>
-          <p:cNvPr id="3" name="Content Placeholder 2">
+          <p:cNvPr id="7" name="AutoShape 5">
             <a:extLst>
               <a:ext uri="{FF2B5EF4-FFF2-40B4-BE49-F238E27FC236}">
-                <a16:creationId xmlns:a16="http://schemas.microsoft.com/office/drawing/2014/main" id="{E743F478-A2DF-219A-5B57-04877F40911A}"/>
+                <a16:creationId xmlns:a16="http://schemas.microsoft.com/office/drawing/2014/main" id="{6275D0F5-78AD-FCD1-5413-9CE67663D41A}"/>
               </a:ext>
             </a:extLst>
           </p:cNvPr>
           <p:cNvSpPr>
-            <a:spLocks noGrp="1"/>
+            <a:spLocks noChangeArrowheads="1"/>
           </p:cNvSpPr>
-          <p:nvPr>
-            <p:ph idx="1"/>
-          </p:nvPr>
+          <p:nvPr/>
         </p:nvSpPr>
-        <p:spPr/>
+        <p:spPr bwMode="auto">
+          <a:xfrm>
+            <a:off x="2971800" y="5428456"/>
+            <a:ext cx="609600" cy="609600"/>
+          </a:xfrm>
+          <a:prstGeom prst="roundRect">
+            <a:avLst>
+              <a:gd name="adj" fmla="val 16667"/>
+            </a:avLst>
+          </a:prstGeom>
+          <a:solidFill>
+            <a:srgbClr val="FFFF66"/>
+          </a:solidFill>
+          <a:ln w="9525">
+            <a:solidFill>
+              <a:schemeClr val="tx1"/>
+            </a:solidFill>
+            <a:round/>
+            <a:headEnd/>
+            <a:tailEnd/>
+          </a:ln>
+          <a:effectLst/>
+        </p:spPr>
         <p:txBody>
-          <a:bodyPr/>
+          <a:bodyPr wrap="none" anchor="ctr"/>
           <a:lstStyle/>
           <a:p>
+            <a:pPr algn="ctr">
+              <a:lnSpc>
+                <a:spcPct val="90000"/>
+              </a:lnSpc>
+            </a:pPr>
             <a:r>
-              <a:rPr lang="en-US" dirty="0"/>
-              <a:t>Two types of Linked Lists: Singly-linked and Doubly-linked</a:t>
+              <a:rPr lang="en-US" altLang="en-US" sz="2400" dirty="0">
+                <a:solidFill>
+                  <a:srgbClr val="008A87"/>
+                </a:solidFill>
+                <a:ea typeface="Arial Unicode MS" pitchFamily="34" charset="-122"/>
+              </a:rPr>
+              <a:t>9</a:t>
             </a:r>
           </a:p>
+        </p:txBody>
+      </p:sp>
+      <p:cxnSp>
+        <p:nvCxnSpPr>
+          <p:cNvPr id="8" name="AutoShape 6">
+            <a:extLst>
+              <a:ext uri="{FF2B5EF4-FFF2-40B4-BE49-F238E27FC236}">
+                <a16:creationId xmlns:a16="http://schemas.microsoft.com/office/drawing/2014/main" id="{5AE590A0-F8EA-F76A-B7B3-168BC03D0CA4}"/>
+              </a:ext>
+            </a:extLst>
+          </p:cNvPr>
+          <p:cNvCxnSpPr>
+            <a:cxnSpLocks noChangeShapeType="1"/>
+            <a:stCxn id="6" idx="3"/>
+            <a:endCxn id="7" idx="1"/>
+          </p:cNvCxnSpPr>
+          <p:nvPr/>
+        </p:nvCxnSpPr>
+        <p:spPr bwMode="auto">
+          <a:xfrm>
+            <a:off x="2590800" y="5733256"/>
+            <a:ext cx="381000" cy="0"/>
+          </a:xfrm>
+          <a:prstGeom prst="straightConnector1">
+            <a:avLst/>
+          </a:prstGeom>
+          <a:noFill/>
+          <a:ln w="38100">
+            <a:solidFill>
+              <a:schemeClr val="tx1"/>
+            </a:solidFill>
+            <a:round/>
+            <a:headEnd type="triangle" w="med" len="med"/>
+            <a:tailEnd type="triangle" w="med" len="med"/>
+          </a:ln>
+          <a:effectLst/>
+          <a:extLst>
+            <a:ext uri="{909E8E84-426E-40DD-AFC4-6F175D3DCCD1}">
+              <a14:hiddenFill xmlns:a14="http://schemas.microsoft.com/office/drawing/2010/main">
+                <a:noFill/>
+              </a14:hiddenFill>
+            </a:ext>
+          </a:extLst>
+        </p:spPr>
+      </p:cxnSp>
+      <p:sp>
+        <p:nvSpPr>
+          <p:cNvPr id="9" name="AutoShape 7">
+            <a:extLst>
+              <a:ext uri="{FF2B5EF4-FFF2-40B4-BE49-F238E27FC236}">
+                <a16:creationId xmlns:a16="http://schemas.microsoft.com/office/drawing/2014/main" id="{441B14BE-673C-AFB6-0276-06C1155640BD}"/>
+              </a:ext>
+            </a:extLst>
+          </p:cNvPr>
+          <p:cNvSpPr>
+            <a:spLocks noChangeArrowheads="1"/>
+          </p:cNvSpPr>
+          <p:nvPr/>
+        </p:nvSpPr>
+        <p:spPr bwMode="auto">
+          <a:xfrm>
+            <a:off x="3962400" y="5428456"/>
+            <a:ext cx="609600" cy="609600"/>
+          </a:xfrm>
+          <a:prstGeom prst="roundRect">
+            <a:avLst>
+              <a:gd name="adj" fmla="val 16667"/>
+            </a:avLst>
+          </a:prstGeom>
+          <a:solidFill>
+            <a:srgbClr val="FFFF66"/>
+          </a:solidFill>
+          <a:ln w="9525">
+            <a:solidFill>
+              <a:schemeClr val="tx1"/>
+            </a:solidFill>
+            <a:round/>
+            <a:headEnd/>
+            <a:tailEnd/>
+          </a:ln>
+          <a:effectLst/>
+        </p:spPr>
+        <p:txBody>
+          <a:bodyPr wrap="none" anchor="ctr"/>
+          <a:lstStyle/>
           <a:p>
+            <a:pPr>
+              <a:lnSpc>
+                <a:spcPct val="90000"/>
+              </a:lnSpc>
+            </a:pPr>
             <a:r>
-              <a:rPr lang="en-US" dirty="0"/>
-              <a:t>Each node contains data and a reference to the next(and previous) node.</a:t>
+              <a:rPr lang="en-US" altLang="en-US" sz="2400" dirty="0">
+                <a:solidFill>
+                  <a:srgbClr val="008A87"/>
+                </a:solidFill>
+                <a:ea typeface="Arial Unicode MS" pitchFamily="34" charset="-122"/>
+              </a:rPr>
+              <a:t>16</a:t>
             </a:r>
           </a:p>
+        </p:txBody>
+      </p:sp>
+      <p:cxnSp>
+        <p:nvCxnSpPr>
+          <p:cNvPr id="10" name="AutoShape 8">
+            <a:extLst>
+              <a:ext uri="{FF2B5EF4-FFF2-40B4-BE49-F238E27FC236}">
+                <a16:creationId xmlns:a16="http://schemas.microsoft.com/office/drawing/2014/main" id="{85A3A7B3-17D5-1B9A-7B2E-861E92D99427}"/>
+              </a:ext>
+            </a:extLst>
+          </p:cNvPr>
+          <p:cNvCxnSpPr>
+            <a:cxnSpLocks noChangeShapeType="1"/>
+            <a:stCxn id="7" idx="3"/>
+            <a:endCxn id="9" idx="1"/>
+          </p:cNvCxnSpPr>
+          <p:nvPr/>
+        </p:nvCxnSpPr>
+        <p:spPr bwMode="auto">
+          <a:xfrm>
+            <a:off x="3581400" y="5733256"/>
+            <a:ext cx="381000" cy="0"/>
+          </a:xfrm>
+          <a:prstGeom prst="straightConnector1">
+            <a:avLst/>
+          </a:prstGeom>
+          <a:noFill/>
+          <a:ln w="38100">
+            <a:solidFill>
+              <a:schemeClr val="tx1"/>
+            </a:solidFill>
+            <a:round/>
+            <a:headEnd type="triangle" w="med" len="med"/>
+            <a:tailEnd type="triangle" w="med" len="med"/>
+          </a:ln>
+          <a:effectLst/>
+          <a:extLst>
+            <a:ext uri="{909E8E84-426E-40DD-AFC4-6F175D3DCCD1}">
+              <a14:hiddenFill xmlns:a14="http://schemas.microsoft.com/office/drawing/2010/main">
+                <a:noFill/>
+              </a14:hiddenFill>
+            </a:ext>
+          </a:extLst>
+        </p:spPr>
+      </p:cxnSp>
+      <p:sp>
+        <p:nvSpPr>
+          <p:cNvPr id="11" name="AutoShape 9">
+            <a:extLst>
+              <a:ext uri="{FF2B5EF4-FFF2-40B4-BE49-F238E27FC236}">
+                <a16:creationId xmlns:a16="http://schemas.microsoft.com/office/drawing/2014/main" id="{781D77EF-B706-E1D8-3603-FEAA46696A36}"/>
+              </a:ext>
+            </a:extLst>
+          </p:cNvPr>
+          <p:cNvSpPr>
+            <a:spLocks noChangeArrowheads="1"/>
+          </p:cNvSpPr>
+          <p:nvPr/>
+        </p:nvSpPr>
+        <p:spPr bwMode="auto">
+          <a:xfrm>
+            <a:off x="4953000" y="5428456"/>
+            <a:ext cx="609600" cy="609600"/>
+          </a:xfrm>
+          <a:prstGeom prst="roundRect">
+            <a:avLst>
+              <a:gd name="adj" fmla="val 16667"/>
+            </a:avLst>
+          </a:prstGeom>
+          <a:solidFill>
+            <a:srgbClr val="FFFF66"/>
+          </a:solidFill>
+          <a:ln w="9525">
+            <a:solidFill>
+              <a:schemeClr val="tx1"/>
+            </a:solidFill>
+            <a:round/>
+            <a:headEnd/>
+            <a:tailEnd/>
+          </a:ln>
+          <a:effectLst/>
+        </p:spPr>
+        <p:txBody>
+          <a:bodyPr wrap="none" anchor="ctr"/>
+          <a:lstStyle/>
           <a:p>
+            <a:pPr algn="ctr">
+              <a:lnSpc>
+                <a:spcPct val="90000"/>
+              </a:lnSpc>
+            </a:pPr>
             <a:r>
-              <a:rPr lang="en-US" dirty="0"/>
-              <a:t>Operations over Linked Lists: Insertion, Deletion and Traversal</a:t>
+              <a:rPr lang="en-US" altLang="en-US" sz="2400" dirty="0">
+                <a:solidFill>
+                  <a:srgbClr val="008A87"/>
+                </a:solidFill>
+                <a:ea typeface="Arial Unicode MS" pitchFamily="34" charset="-122"/>
+              </a:rPr>
+              <a:t>4</a:t>
             </a:r>
           </a:p>
+        </p:txBody>
+      </p:sp>
+      <p:cxnSp>
+        <p:nvCxnSpPr>
+          <p:cNvPr id="12" name="AutoShape 10">
+            <a:extLst>
+              <a:ext uri="{FF2B5EF4-FFF2-40B4-BE49-F238E27FC236}">
+                <a16:creationId xmlns:a16="http://schemas.microsoft.com/office/drawing/2014/main" id="{4B2A3907-0DEC-EE62-CB06-517CE208C511}"/>
+              </a:ext>
+            </a:extLst>
+          </p:cNvPr>
+          <p:cNvCxnSpPr>
+            <a:cxnSpLocks noChangeShapeType="1"/>
+            <a:stCxn id="9" idx="3"/>
+            <a:endCxn id="11" idx="1"/>
+          </p:cNvCxnSpPr>
+          <p:nvPr/>
+        </p:nvCxnSpPr>
+        <p:spPr bwMode="auto">
+          <a:xfrm>
+            <a:off x="4572000" y="5733256"/>
+            <a:ext cx="381000" cy="0"/>
+          </a:xfrm>
+          <a:prstGeom prst="straightConnector1">
+            <a:avLst/>
+          </a:prstGeom>
+          <a:noFill/>
+          <a:ln w="38100">
+            <a:solidFill>
+              <a:schemeClr val="tx1"/>
+            </a:solidFill>
+            <a:round/>
+            <a:headEnd type="triangle" w="med" len="med"/>
+            <a:tailEnd type="triangle" w="med" len="med"/>
+          </a:ln>
+          <a:effectLst/>
+          <a:extLst>
+            <a:ext uri="{909E8E84-426E-40DD-AFC4-6F175D3DCCD1}">
+              <a14:hiddenFill xmlns:a14="http://schemas.microsoft.com/office/drawing/2010/main">
+                <a:noFill/>
+              </a14:hiddenFill>
+            </a:ext>
+          </a:extLst>
+        </p:spPr>
+      </p:cxnSp>
+      <p:sp>
+        <p:nvSpPr>
+          <p:cNvPr id="13" name="AutoShape 11">
+            <a:extLst>
+              <a:ext uri="{FF2B5EF4-FFF2-40B4-BE49-F238E27FC236}">
+                <a16:creationId xmlns:a16="http://schemas.microsoft.com/office/drawing/2014/main" id="{C8141BBA-B21F-5E53-527A-291B5A93B95E}"/>
+              </a:ext>
+            </a:extLst>
+          </p:cNvPr>
+          <p:cNvSpPr>
+            <a:spLocks noChangeArrowheads="1"/>
+          </p:cNvSpPr>
+          <p:nvPr/>
+        </p:nvSpPr>
+        <p:spPr bwMode="auto">
+          <a:xfrm>
+            <a:off x="5943600" y="5428456"/>
+            <a:ext cx="609600" cy="609600"/>
+          </a:xfrm>
+          <a:prstGeom prst="roundRect">
+            <a:avLst>
+              <a:gd name="adj" fmla="val 16667"/>
+            </a:avLst>
+          </a:prstGeom>
+          <a:solidFill>
+            <a:srgbClr val="FFFF66"/>
+          </a:solidFill>
+          <a:ln w="9525">
+            <a:solidFill>
+              <a:schemeClr val="tx1"/>
+            </a:solidFill>
+            <a:round/>
+            <a:headEnd/>
+            <a:tailEnd/>
+          </a:ln>
+          <a:effectLst/>
+        </p:spPr>
+        <p:txBody>
+          <a:bodyPr wrap="none" anchor="ctr"/>
+          <a:lstStyle/>
           <a:p>
+            <a:pPr algn="ctr">
+              <a:lnSpc>
+                <a:spcPct val="90000"/>
+              </a:lnSpc>
+            </a:pPr>
             <a:r>
-              <a:rPr lang="en-US" dirty="0"/>
-              <a:t>Drawbacks: No Random Access</a:t>
+              <a:rPr lang="en-US" altLang="en-US" sz="2400" dirty="0">
+                <a:solidFill>
+                  <a:srgbClr val="008A87"/>
+                </a:solidFill>
+                <a:ea typeface="Arial Unicode MS" pitchFamily="34" charset="-122"/>
+              </a:rPr>
+              <a:t>1</a:t>
             </a:r>
+          </a:p>
+        </p:txBody>
+      </p:sp>
+      <p:cxnSp>
+        <p:nvCxnSpPr>
+          <p:cNvPr id="14" name="AutoShape 12">
+            <a:extLst>
+              <a:ext uri="{FF2B5EF4-FFF2-40B4-BE49-F238E27FC236}">
+                <a16:creationId xmlns:a16="http://schemas.microsoft.com/office/drawing/2014/main" id="{F5E19483-1F1A-CA1C-5F8C-3B69F6D7F643}"/>
+              </a:ext>
+            </a:extLst>
+          </p:cNvPr>
+          <p:cNvCxnSpPr>
+            <a:cxnSpLocks noChangeShapeType="1"/>
+            <a:stCxn id="11" idx="3"/>
+            <a:endCxn id="13" idx="1"/>
+          </p:cNvCxnSpPr>
+          <p:nvPr/>
+        </p:nvCxnSpPr>
+        <p:spPr bwMode="auto">
+          <a:xfrm>
+            <a:off x="5562600" y="5733256"/>
+            <a:ext cx="381000" cy="0"/>
+          </a:xfrm>
+          <a:prstGeom prst="straightConnector1">
+            <a:avLst/>
+          </a:prstGeom>
+          <a:noFill/>
+          <a:ln w="38100">
+            <a:solidFill>
+              <a:schemeClr val="tx1"/>
+            </a:solidFill>
+            <a:round/>
+            <a:headEnd type="triangle" w="med" len="med"/>
+            <a:tailEnd type="triangle" w="med" len="med"/>
+          </a:ln>
+          <a:effectLst/>
+          <a:extLst>
+            <a:ext uri="{909E8E84-426E-40DD-AFC4-6F175D3DCCD1}">
+              <a14:hiddenFill xmlns:a14="http://schemas.microsoft.com/office/drawing/2010/main">
+                <a:noFill/>
+              </a14:hiddenFill>
+            </a:ext>
+          </a:extLst>
+        </p:spPr>
+      </p:cxnSp>
+      <p:pic>
+        <p:nvPicPr>
+          <p:cNvPr id="18" name="Picture 17">
+            <a:extLst>
+              <a:ext uri="{FF2B5EF4-FFF2-40B4-BE49-F238E27FC236}">
+                <a16:creationId xmlns:a16="http://schemas.microsoft.com/office/drawing/2014/main" id="{2D0DADED-14B1-F574-FEE7-E712D45A0F79}"/>
+              </a:ext>
+            </a:extLst>
+          </p:cNvPr>
+          <p:cNvPicPr>
+            <a:picLocks noChangeAspect="1"/>
+          </p:cNvPicPr>
+          <p:nvPr/>
+        </p:nvPicPr>
+        <p:blipFill>
+          <a:blip r:embed="rId3"/>
+          <a:stretch>
+            <a:fillRect/>
+          </a:stretch>
+        </p:blipFill>
+        <p:spPr>
+          <a:xfrm>
+            <a:off x="683568" y="3645024"/>
+            <a:ext cx="7681210" cy="855826"/>
+          </a:xfrm>
+          <a:prstGeom prst="rect">
+            <a:avLst/>
+          </a:prstGeom>
+        </p:spPr>
+      </p:pic>
+      <p:sp>
+        <p:nvSpPr>
+          <p:cNvPr id="19" name="Arrow: Down 18">
+            <a:extLst>
+              <a:ext uri="{FF2B5EF4-FFF2-40B4-BE49-F238E27FC236}">
+                <a16:creationId xmlns:a16="http://schemas.microsoft.com/office/drawing/2014/main" id="{35676B1E-89BA-C53F-69F9-C7F2DAB8214F}"/>
+              </a:ext>
+            </a:extLst>
+          </p:cNvPr>
+          <p:cNvSpPr/>
+          <p:nvPr/>
+        </p:nvSpPr>
+        <p:spPr>
+          <a:xfrm>
+            <a:off x="4139952" y="4581128"/>
+            <a:ext cx="288032" cy="504056"/>
+          </a:xfrm>
+          <a:prstGeom prst="downArrow">
+            <a:avLst/>
+          </a:prstGeom>
+        </p:spPr>
+        <p:style>
+          <a:lnRef idx="2">
+            <a:schemeClr val="dk1">
+              <a:shade val="15000"/>
+            </a:schemeClr>
+          </a:lnRef>
+          <a:fillRef idx="1">
+            <a:schemeClr val="dk1"/>
+          </a:fillRef>
+          <a:effectRef idx="0">
+            <a:schemeClr val="dk1"/>
+          </a:effectRef>
+          <a:fontRef idx="minor">
+            <a:schemeClr val="lt1"/>
+          </a:fontRef>
+        </p:style>
+        <p:txBody>
+          <a:bodyPr rtlCol="0" anchor="ctr"/>
+          <a:lstStyle/>
+          <a:p>
+            <a:pPr algn="ctr"/>
+            <a:endParaRPr lang="en-US"/>
           </a:p>
         </p:txBody>
       </p:sp>
     </p:spTree>
     <p:extLst>
       <p:ext uri="{BB962C8B-B14F-4D97-AF65-F5344CB8AC3E}">
-        <p14:creationId xmlns:p14="http://schemas.microsoft.com/office/powerpoint/2010/main" val="2338289289"/>
+        <p14:creationId xmlns:p14="http://schemas.microsoft.com/office/powerpoint/2010/main" val="2376949845"/>
       </p:ext>
     </p:extLst>
   </p:cSld>
@@ -41040,7 +37848,7 @@
 </p:sld>
 </file>
 
-<file path=ppt/slides/slide6.xml><?xml version="1.0" encoding="utf-8"?>
+<file path=ppt/slides/slide5.xml><?xml version="1.0" encoding="utf-8"?>
 <p:sld xmlns:a="http://schemas.openxmlformats.org/drawingml/2006/main" xmlns:r="http://schemas.openxmlformats.org/officeDocument/2006/relationships" xmlns:p="http://schemas.openxmlformats.org/presentationml/2006/main">
   <p:cSld>
     <p:spTree>
@@ -42660,7 +39468,7 @@
 </p:sld>
 </file>
 
-<file path=ppt/slides/slide7.xml><?xml version="1.0" encoding="utf-8"?>
+<file path=ppt/slides/slide6.xml><?xml version="1.0" encoding="utf-8"?>
 <p:sld xmlns:a="http://schemas.openxmlformats.org/drawingml/2006/main" xmlns:r="http://schemas.openxmlformats.org/officeDocument/2006/relationships" xmlns:p="http://schemas.openxmlformats.org/presentationml/2006/main">
   <p:cSld>
     <p:spTree>
@@ -44745,7 +41553,7 @@
 </p:sld>
 </file>
 
-<file path=ppt/slides/slide8.xml><?xml version="1.0" encoding="utf-8"?>
+<file path=ppt/slides/slide7.xml><?xml version="1.0" encoding="utf-8"?>
 <p:sld xmlns:a="http://schemas.openxmlformats.org/drawingml/2006/main" xmlns:r="http://schemas.openxmlformats.org/officeDocument/2006/relationships" xmlns:p="http://schemas.openxmlformats.org/presentationml/2006/main">
   <p:cSld>
     <p:spTree>
@@ -47224,7 +44032,7 @@
 </p:sld>
 </file>
 
-<file path=ppt/slides/slide9.xml><?xml version="1.0" encoding="utf-8"?>
+<file path=ppt/slides/slide8.xml><?xml version="1.0" encoding="utf-8"?>
 <p:sld xmlns:a="http://schemas.openxmlformats.org/drawingml/2006/main" xmlns:r="http://schemas.openxmlformats.org/officeDocument/2006/relationships" xmlns:p="http://schemas.openxmlformats.org/presentationml/2006/main">
   <p:cSld>
     <p:spTree>
@@ -49708,6 +46516,3198 @@
     <p:extLst>
       <p:ext uri="{BB962C8B-B14F-4D97-AF65-F5344CB8AC3E}">
         <p14:creationId xmlns:p14="http://schemas.microsoft.com/office/powerpoint/2010/main" val="923996865"/>
+      </p:ext>
+    </p:extLst>
+  </p:cSld>
+  <p:clrMapOvr>
+    <a:masterClrMapping/>
+  </p:clrMapOvr>
+</p:sld>
+</file>
+
+<file path=ppt/slides/slide9.xml><?xml version="1.0" encoding="utf-8"?>
+<p:sld xmlns:a="http://schemas.openxmlformats.org/drawingml/2006/main" xmlns:r="http://schemas.openxmlformats.org/officeDocument/2006/relationships" xmlns:p="http://schemas.openxmlformats.org/presentationml/2006/main">
+  <p:cSld>
+    <p:spTree>
+      <p:nvGrpSpPr>
+        <p:cNvPr id="1" name=""/>
+        <p:cNvGrpSpPr/>
+        <p:nvPr/>
+      </p:nvGrpSpPr>
+      <p:grpSpPr>
+        <a:xfrm>
+          <a:off x="0" y="0"/>
+          <a:ext cx="0" cy="0"/>
+          <a:chOff x="0" y="0"/>
+          <a:chExt cx="0" cy="0"/>
+        </a:xfrm>
+      </p:grpSpPr>
+      <p:sp>
+        <p:nvSpPr>
+          <p:cNvPr id="2" name="Title 1">
+            <a:extLst>
+              <a:ext uri="{FF2B5EF4-FFF2-40B4-BE49-F238E27FC236}">
+                <a16:creationId xmlns:a16="http://schemas.microsoft.com/office/drawing/2014/main" id="{80F8BAA8-9E9C-7134-B2D0-E6101584F2CF}"/>
+              </a:ext>
+            </a:extLst>
+          </p:cNvPr>
+          <p:cNvSpPr>
+            <a:spLocks noGrp="1"/>
+          </p:cNvSpPr>
+          <p:nvPr>
+            <p:ph type="title"/>
+          </p:nvPr>
+        </p:nvSpPr>
+        <p:spPr>
+          <a:xfrm>
+            <a:off x="457200" y="277813"/>
+            <a:ext cx="8229600" cy="846931"/>
+          </a:xfrm>
+        </p:spPr>
+        <p:txBody>
+          <a:bodyPr/>
+          <a:lstStyle/>
+          <a:p>
+            <a:r>
+              <a:rPr lang="en-US" dirty="0"/>
+              <a:t>Skip lists</a:t>
+            </a:r>
+          </a:p>
+        </p:txBody>
+      </p:sp>
+      <mc:AlternateContent xmlns:mc="http://schemas.openxmlformats.org/markup-compatibility/2006" xmlns:a14="http://schemas.microsoft.com/office/drawing/2010/main">
+        <mc:Choice Requires="a14">
+          <p:sp>
+            <p:nvSpPr>
+              <p:cNvPr id="3" name="Content Placeholder 2">
+                <a:extLst>
+                  <a:ext uri="{FF2B5EF4-FFF2-40B4-BE49-F238E27FC236}">
+                    <a16:creationId xmlns:a16="http://schemas.microsoft.com/office/drawing/2014/main" id="{FBE3A370-27BD-6F01-E3D4-C91157F6AB9E}"/>
+                  </a:ext>
+                </a:extLst>
+              </p:cNvPr>
+              <p:cNvSpPr>
+                <a:spLocks noGrp="1"/>
+              </p:cNvSpPr>
+              <p:nvPr>
+                <p:ph idx="1"/>
+              </p:nvPr>
+            </p:nvSpPr>
+            <p:spPr>
+              <a:xfrm>
+                <a:off x="457200" y="1124744"/>
+                <a:ext cx="8507288" cy="2448272"/>
+              </a:xfrm>
+            </p:spPr>
+            <p:txBody>
+              <a:bodyPr/>
+              <a:lstStyle/>
+              <a:p>
+                <a:r>
+                  <a:rPr lang="en-US" sz="2200" dirty="0"/>
+                  <a:t>In general, the </a:t>
+                </a:r>
+                <a:r>
+                  <a:rPr lang="en-US" sz="2200" dirty="0">
+                    <a:solidFill>
+                      <a:srgbClr val="FF0000"/>
+                    </a:solidFill>
+                  </a:rPr>
+                  <a:t>SEARCH</a:t>
+                </a:r>
+                <a:r>
+                  <a:rPr lang="en-US" sz="2200" dirty="0"/>
+                  <a:t> cost is:</a:t>
+                </a:r>
+              </a:p>
+              <a:p>
+                <a:pPr lvl="1"/>
+                <a:r>
+                  <a:rPr lang="en-US" sz="2200" dirty="0">
+                    <a:solidFill>
+                      <a:srgbClr val="0000FF"/>
+                    </a:solidFill>
+                  </a:rPr>
+                  <a:t>2</a:t>
+                </a:r>
+                <a:r>
+                  <a:rPr lang="en-US" sz="2200" dirty="0"/>
+                  <a:t> sorted lists: </a:t>
+                </a:r>
+                <a14:m>
+                  <m:oMath xmlns:m="http://schemas.openxmlformats.org/officeDocument/2006/math">
+                    <m:r>
+                      <a:rPr lang="en-US" sz="2200" b="0" i="1" smtClean="0">
+                        <a:solidFill>
+                          <a:srgbClr val="0000FF"/>
+                        </a:solidFill>
+                        <a:latin typeface="Cambria Math" panose="02040503050406030204" pitchFamily="18" charset="0"/>
+                      </a:rPr>
+                      <m:t>2⋅</m:t>
+                    </m:r>
+                    <m:rad>
+                      <m:radPr>
+                        <m:degHide m:val="on"/>
+                        <m:ctrlPr>
+                          <a:rPr lang="en-US" sz="2200" i="1" smtClean="0">
+                            <a:solidFill>
+                              <a:srgbClr val="0000FF"/>
+                            </a:solidFill>
+                            <a:latin typeface="Cambria Math" panose="02040503050406030204" pitchFamily="18" charset="0"/>
+                          </a:rPr>
+                        </m:ctrlPr>
+                      </m:radPr>
+                      <m:deg/>
+                      <m:e>
+                        <m:r>
+                          <a:rPr lang="en-US" sz="2200" b="0" i="1" smtClean="0">
+                            <a:solidFill>
+                              <a:srgbClr val="0000FF"/>
+                            </a:solidFill>
+                            <a:latin typeface="Cambria Math" panose="02040503050406030204" pitchFamily="18" charset="0"/>
+                          </a:rPr>
+                          <m:t>𝑛</m:t>
+                        </m:r>
+                      </m:e>
+                    </m:rad>
+                  </m:oMath>
+                </a14:m>
+                <a:endParaRPr lang="en-US" sz="2200" dirty="0"/>
+              </a:p>
+              <a:p>
+                <a:pPr lvl="1"/>
+                <a:r>
+                  <a:rPr lang="en-US" sz="2200" dirty="0">
+                    <a:solidFill>
+                      <a:srgbClr val="0000FF"/>
+                    </a:solidFill>
+                  </a:rPr>
+                  <a:t>3</a:t>
+                </a:r>
+                <a:r>
+                  <a:rPr lang="en-US" sz="2200" dirty="0"/>
+                  <a:t> sorted lists: </a:t>
+                </a:r>
+                <a14:m>
+                  <m:oMath xmlns:m="http://schemas.openxmlformats.org/officeDocument/2006/math">
+                    <m:r>
+                      <a:rPr lang="en-US" sz="2200" b="0" i="0" dirty="0" smtClean="0">
+                        <a:solidFill>
+                          <a:srgbClr val="0000FF"/>
+                        </a:solidFill>
+                        <a:latin typeface="Cambria Math" panose="02040503050406030204" pitchFamily="18" charset="0"/>
+                      </a:rPr>
+                      <m:t>3</m:t>
+                    </m:r>
+                    <m:r>
+                      <a:rPr lang="en-US" sz="2200" b="0" i="1" dirty="0" smtClean="0">
+                        <a:solidFill>
+                          <a:srgbClr val="0000FF"/>
+                        </a:solidFill>
+                        <a:latin typeface="Cambria Math" panose="02040503050406030204" pitchFamily="18" charset="0"/>
+                      </a:rPr>
+                      <m:t>⋅</m:t>
+                    </m:r>
+                    <m:rad>
+                      <m:radPr>
+                        <m:ctrlPr>
+                          <a:rPr lang="en-US" sz="2200" i="1" dirty="0" smtClean="0">
+                            <a:solidFill>
+                              <a:srgbClr val="0000FF"/>
+                            </a:solidFill>
+                            <a:latin typeface="Cambria Math" panose="02040503050406030204" pitchFamily="18" charset="0"/>
+                          </a:rPr>
+                        </m:ctrlPr>
+                      </m:radPr>
+                      <m:deg>
+                        <m:r>
+                          <m:rPr>
+                            <m:brk m:alnAt="7"/>
+                          </m:rPr>
+                          <a:rPr lang="en-US" sz="2200" b="0" i="1" dirty="0" smtClean="0">
+                            <a:solidFill>
+                              <a:srgbClr val="0000FF"/>
+                            </a:solidFill>
+                            <a:latin typeface="Cambria Math" panose="02040503050406030204" pitchFamily="18" charset="0"/>
+                          </a:rPr>
+                          <m:t>3</m:t>
+                        </m:r>
+                      </m:deg>
+                      <m:e>
+                        <m:r>
+                          <a:rPr lang="en-US" sz="2200" b="0" i="1" dirty="0" smtClean="0">
+                            <a:solidFill>
+                              <a:srgbClr val="0000FF"/>
+                            </a:solidFill>
+                            <a:latin typeface="Cambria Math" panose="02040503050406030204" pitchFamily="18" charset="0"/>
+                          </a:rPr>
+                          <m:t>𝑛</m:t>
+                        </m:r>
+                      </m:e>
+                    </m:rad>
+                  </m:oMath>
+                </a14:m>
+                <a:endParaRPr lang="en-US" sz="2200" dirty="0"/>
+              </a:p>
+              <a:p>
+                <a:pPr lvl="1"/>
+                <a14:m>
+                  <m:oMath xmlns:m="http://schemas.openxmlformats.org/officeDocument/2006/math">
+                    <m:r>
+                      <a:rPr lang="en-US" sz="2200" i="1" dirty="0" smtClean="0">
+                        <a:solidFill>
+                          <a:srgbClr val="0000FF"/>
+                        </a:solidFill>
+                        <a:latin typeface="Cambria Math" panose="02040503050406030204" pitchFamily="18" charset="0"/>
+                      </a:rPr>
+                      <m:t>𝑘</m:t>
+                    </m:r>
+                  </m:oMath>
+                </a14:m>
+                <a:r>
+                  <a:rPr lang="en-US" sz="2200" dirty="0"/>
+                  <a:t> sorted lists: </a:t>
+                </a:r>
+                <a14:m>
+                  <m:oMath xmlns:m="http://schemas.openxmlformats.org/officeDocument/2006/math">
+                    <m:r>
+                      <a:rPr lang="en-US" sz="2200" i="1" dirty="0" smtClean="0">
+                        <a:solidFill>
+                          <a:srgbClr val="0000FF"/>
+                        </a:solidFill>
+                        <a:latin typeface="Cambria Math" panose="02040503050406030204" pitchFamily="18" charset="0"/>
+                      </a:rPr>
+                      <m:t>𝑘</m:t>
+                    </m:r>
+                    <m:r>
+                      <a:rPr lang="en-US" sz="2200" b="0" i="1" dirty="0" smtClean="0">
+                        <a:solidFill>
+                          <a:srgbClr val="0000FF"/>
+                        </a:solidFill>
+                        <a:latin typeface="Cambria Math" panose="02040503050406030204" pitchFamily="18" charset="0"/>
+                      </a:rPr>
+                      <m:t>⋅</m:t>
+                    </m:r>
+                    <m:rad>
+                      <m:radPr>
+                        <m:ctrlPr>
+                          <a:rPr lang="en-US" sz="2200" i="1" dirty="0" smtClean="0">
+                            <a:solidFill>
+                              <a:srgbClr val="0000FF"/>
+                            </a:solidFill>
+                            <a:latin typeface="Cambria Math" panose="02040503050406030204" pitchFamily="18" charset="0"/>
+                          </a:rPr>
+                        </m:ctrlPr>
+                      </m:radPr>
+                      <m:deg>
+                        <m:r>
+                          <m:rPr>
+                            <m:brk m:alnAt="7"/>
+                          </m:rPr>
+                          <a:rPr lang="en-US" sz="2200" b="0" i="1" dirty="0" smtClean="0">
+                            <a:solidFill>
+                              <a:srgbClr val="0000FF"/>
+                            </a:solidFill>
+                            <a:latin typeface="Cambria Math" panose="02040503050406030204" pitchFamily="18" charset="0"/>
+                          </a:rPr>
+                          <m:t>𝑘</m:t>
+                        </m:r>
+                      </m:deg>
+                      <m:e>
+                        <m:r>
+                          <a:rPr lang="en-US" sz="2200" b="0" i="1" dirty="0" smtClean="0">
+                            <a:solidFill>
+                              <a:srgbClr val="0000FF"/>
+                            </a:solidFill>
+                            <a:latin typeface="Cambria Math" panose="02040503050406030204" pitchFamily="18" charset="0"/>
+                          </a:rPr>
+                          <m:t>𝑛</m:t>
+                        </m:r>
+                      </m:e>
+                    </m:rad>
+                  </m:oMath>
+                </a14:m>
+                <a:endParaRPr lang="en-US" sz="2200" dirty="0"/>
+              </a:p>
+              <a:p>
+                <a:r>
+                  <a:rPr lang="en-US" sz="2200" dirty="0">
+                    <a:solidFill>
+                      <a:srgbClr val="FF0000"/>
+                    </a:solidFill>
+                  </a:rPr>
+                  <a:t>Skip lists </a:t>
+                </a:r>
+                <a:r>
+                  <a:rPr lang="en-US" sz="2200" dirty="0"/>
+                  <a:t>maintain </a:t>
+                </a:r>
+                <a14:m>
+                  <m:oMath xmlns:m="http://schemas.openxmlformats.org/officeDocument/2006/math">
+                    <m:func>
+                      <m:funcPr>
+                        <m:ctrlPr>
+                          <a:rPr lang="en-US" sz="2200" b="0" i="1" smtClean="0">
+                            <a:solidFill>
+                              <a:srgbClr val="0000FF"/>
+                            </a:solidFill>
+                            <a:latin typeface="Cambria Math" panose="02040503050406030204" pitchFamily="18" charset="0"/>
+                          </a:rPr>
+                        </m:ctrlPr>
+                      </m:funcPr>
+                      <m:fName>
+                        <m:r>
+                          <m:rPr>
+                            <m:sty m:val="p"/>
+                          </m:rPr>
+                          <a:rPr lang="en-US" sz="2200" b="0" i="0" smtClean="0">
+                            <a:solidFill>
+                              <a:srgbClr val="0000FF"/>
+                            </a:solidFill>
+                            <a:latin typeface="Cambria Math" panose="02040503050406030204" pitchFamily="18" charset="0"/>
+                          </a:rPr>
+                          <m:t>lg</m:t>
+                        </m:r>
+                      </m:fName>
+                      <m:e>
+                        <m:r>
+                          <a:rPr lang="en-US" sz="2200" b="0" i="1" smtClean="0">
+                            <a:solidFill>
+                              <a:srgbClr val="0000FF"/>
+                            </a:solidFill>
+                            <a:latin typeface="Cambria Math" panose="02040503050406030204" pitchFamily="18" charset="0"/>
+                          </a:rPr>
+                          <m:t>𝑛</m:t>
+                        </m:r>
+                      </m:e>
+                    </m:func>
+                  </m:oMath>
+                </a14:m>
+                <a:r>
+                  <a:rPr lang="en-US" sz="2200" dirty="0">
+                    <a:solidFill>
+                      <a:srgbClr val="0000FF"/>
+                    </a:solidFill>
+                  </a:rPr>
+                  <a:t> </a:t>
+                </a:r>
+                <a:r>
+                  <a:rPr lang="en-US" sz="2200" dirty="0"/>
+                  <a:t>sorted lists with a cost: </a:t>
+                </a:r>
+                <a14:m>
+                  <m:oMath xmlns:m="http://schemas.openxmlformats.org/officeDocument/2006/math">
+                    <m:r>
+                      <m:rPr>
+                        <m:sty m:val="p"/>
+                      </m:rPr>
+                      <a:rPr lang="en-US" sz="2200" dirty="0">
+                        <a:solidFill>
+                          <a:srgbClr val="0000FF"/>
+                        </a:solidFill>
+                        <a:latin typeface="Cambria Math" panose="02040503050406030204" pitchFamily="18" charset="0"/>
+                      </a:rPr>
+                      <m:t>l</m:t>
+                    </m:r>
+                    <m:r>
+                      <m:rPr>
+                        <m:sty m:val="p"/>
+                      </m:rPr>
+                      <a:rPr lang="en-US" sz="2200" b="0" i="0" dirty="0" smtClean="0">
+                        <a:solidFill>
+                          <a:srgbClr val="0000FF"/>
+                        </a:solidFill>
+                        <a:latin typeface="Cambria Math" panose="02040503050406030204" pitchFamily="18" charset="0"/>
+                      </a:rPr>
+                      <m:t>g</m:t>
+                    </m:r>
+                    <m:r>
+                      <a:rPr lang="en-US" sz="2200" b="0" i="0" dirty="0" smtClean="0">
+                        <a:solidFill>
+                          <a:srgbClr val="0000FF"/>
+                        </a:solidFill>
+                        <a:latin typeface="Cambria Math" panose="02040503050406030204" pitchFamily="18" charset="0"/>
+                      </a:rPr>
+                      <m:t> </m:t>
+                    </m:r>
+                    <m:r>
+                      <a:rPr lang="en-US" sz="2200" b="0" i="1" dirty="0" smtClean="0">
+                        <a:solidFill>
+                          <a:srgbClr val="0000FF"/>
+                        </a:solidFill>
+                        <a:latin typeface="Cambria Math" panose="02040503050406030204" pitchFamily="18" charset="0"/>
+                      </a:rPr>
+                      <m:t>𝑛</m:t>
+                    </m:r>
+                    <m:r>
+                      <a:rPr lang="en-US" sz="2200" i="1" dirty="0">
+                        <a:solidFill>
+                          <a:srgbClr val="0000FF"/>
+                        </a:solidFill>
+                        <a:latin typeface="Cambria Math" panose="02040503050406030204" pitchFamily="18" charset="0"/>
+                      </a:rPr>
+                      <m:t>⋅</m:t>
+                    </m:r>
+                    <m:rad>
+                      <m:radPr>
+                        <m:ctrlPr>
+                          <a:rPr lang="en-US" sz="2200" i="1" dirty="0">
+                            <a:solidFill>
+                              <a:srgbClr val="0000FF"/>
+                            </a:solidFill>
+                            <a:latin typeface="Cambria Math" panose="02040503050406030204" pitchFamily="18" charset="0"/>
+                          </a:rPr>
+                        </m:ctrlPr>
+                      </m:radPr>
+                      <m:deg>
+                        <m:func>
+                          <m:funcPr>
+                            <m:ctrlPr>
+                              <a:rPr lang="en-US" sz="2200" i="1">
+                                <a:solidFill>
+                                  <a:srgbClr val="0000FF"/>
+                                </a:solidFill>
+                                <a:latin typeface="Cambria Math" panose="02040503050406030204" pitchFamily="18" charset="0"/>
+                              </a:rPr>
+                            </m:ctrlPr>
+                          </m:funcPr>
+                          <m:fName>
+                            <m:r>
+                              <m:rPr>
+                                <m:sty m:val="p"/>
+                              </m:rPr>
+                              <a:rPr lang="en-US" sz="2200">
+                                <a:solidFill>
+                                  <a:srgbClr val="0000FF"/>
+                                </a:solidFill>
+                                <a:latin typeface="Cambria Math" panose="02040503050406030204" pitchFamily="18" charset="0"/>
+                              </a:rPr>
+                              <m:t>lg</m:t>
+                            </m:r>
+                          </m:fName>
+                          <m:e>
+                            <m:r>
+                              <a:rPr lang="en-US" sz="2200" i="1">
+                                <a:solidFill>
+                                  <a:srgbClr val="0000FF"/>
+                                </a:solidFill>
+                                <a:latin typeface="Cambria Math" panose="02040503050406030204" pitchFamily="18" charset="0"/>
+                              </a:rPr>
+                              <m:t>𝑛</m:t>
+                            </m:r>
+                          </m:e>
+                        </m:func>
+                      </m:deg>
+                      <m:e>
+                        <m:r>
+                          <a:rPr lang="en-US" sz="2200" i="1" dirty="0">
+                            <a:solidFill>
+                              <a:srgbClr val="0000FF"/>
+                            </a:solidFill>
+                            <a:latin typeface="Cambria Math" panose="02040503050406030204" pitchFamily="18" charset="0"/>
+                          </a:rPr>
+                          <m:t>𝑛</m:t>
+                        </m:r>
+                      </m:e>
+                    </m:rad>
+                    <m:r>
+                      <a:rPr lang="en-US" sz="2200" b="0" i="1" dirty="0" smtClean="0">
+                        <a:solidFill>
+                          <a:srgbClr val="0000FF"/>
+                        </a:solidFill>
+                        <a:latin typeface="Cambria Math" panose="02040503050406030204" pitchFamily="18" charset="0"/>
+                      </a:rPr>
+                      <m:t>=</m:t>
+                    </m:r>
+                    <m:r>
+                      <a:rPr lang="en-US" sz="2200" b="0" i="0" dirty="0" smtClean="0">
+                        <a:solidFill>
+                          <a:srgbClr val="0000FF"/>
+                        </a:solidFill>
+                        <a:latin typeface="Cambria Math" panose="02040503050406030204" pitchFamily="18" charset="0"/>
+                      </a:rPr>
+                      <m:t>2</m:t>
+                    </m:r>
+                    <m:r>
+                      <m:rPr>
+                        <m:sty m:val="p"/>
+                      </m:rPr>
+                      <a:rPr lang="en-US" sz="2200" dirty="0">
+                        <a:solidFill>
+                          <a:srgbClr val="0000FF"/>
+                        </a:solidFill>
+                        <a:latin typeface="Cambria Math" panose="02040503050406030204" pitchFamily="18" charset="0"/>
+                      </a:rPr>
+                      <m:t>lg</m:t>
+                    </m:r>
+                    <m:r>
+                      <a:rPr lang="en-US" sz="2200" dirty="0">
+                        <a:solidFill>
+                          <a:srgbClr val="0000FF"/>
+                        </a:solidFill>
+                        <a:latin typeface="Cambria Math" panose="02040503050406030204" pitchFamily="18" charset="0"/>
+                      </a:rPr>
+                      <m:t> </m:t>
+                    </m:r>
+                    <m:r>
+                      <a:rPr lang="en-US" sz="2200" i="1" dirty="0">
+                        <a:solidFill>
+                          <a:srgbClr val="0000FF"/>
+                        </a:solidFill>
+                        <a:latin typeface="Cambria Math" panose="02040503050406030204" pitchFamily="18" charset="0"/>
+                      </a:rPr>
+                      <m:t>𝑛</m:t>
+                    </m:r>
+                  </m:oMath>
+                </a14:m>
+                <a:endParaRPr lang="en-US" sz="2200" dirty="0"/>
+              </a:p>
+              <a:p>
+                <a:pPr lvl="1"/>
+                <a:endParaRPr lang="en-US" sz="2000" dirty="0"/>
+              </a:p>
+            </p:txBody>
+          </p:sp>
+        </mc:Choice>
+        <mc:Fallback xmlns="">
+          <p:sp>
+            <p:nvSpPr>
+              <p:cNvPr id="3" name="Content Placeholder 2">
+                <a:extLst>
+                  <a:ext uri="{FF2B5EF4-FFF2-40B4-BE49-F238E27FC236}">
+                    <a16:creationId xmlns:a16="http://schemas.microsoft.com/office/drawing/2014/main" id="{FBE3A370-27BD-6F01-E3D4-C91157F6AB9E}"/>
+                  </a:ext>
+                </a:extLst>
+              </p:cNvPr>
+              <p:cNvSpPr>
+                <a:spLocks noGrp="1" noRot="1" noChangeAspect="1" noMove="1" noResize="1" noEditPoints="1" noAdjustHandles="1" noChangeArrowheads="1" noChangeShapeType="1" noTextEdit="1"/>
+              </p:cNvSpPr>
+              <p:nvPr>
+                <p:ph idx="1"/>
+              </p:nvPr>
+            </p:nvSpPr>
+            <p:spPr>
+              <a:xfrm>
+                <a:off x="457200" y="1124744"/>
+                <a:ext cx="8507288" cy="2448272"/>
+              </a:xfrm>
+              <a:blipFill>
+                <a:blip r:embed="rId2"/>
+                <a:stretch>
+                  <a:fillRect l="-143" t="-1496"/>
+                </a:stretch>
+              </a:blipFill>
+            </p:spPr>
+            <p:txBody>
+              <a:bodyPr/>
+              <a:lstStyle/>
+              <a:p>
+                <a:r>
+                  <a:rPr lang="en-US">
+                    <a:noFill/>
+                  </a:rPr>
+                  <a:t> </a:t>
+                </a:r>
+              </a:p>
+            </p:txBody>
+          </p:sp>
+        </mc:Fallback>
+      </mc:AlternateContent>
+      <p:grpSp>
+        <p:nvGrpSpPr>
+          <p:cNvPr id="87" name="Group 86">
+            <a:extLst>
+              <a:ext uri="{FF2B5EF4-FFF2-40B4-BE49-F238E27FC236}">
+                <a16:creationId xmlns:a16="http://schemas.microsoft.com/office/drawing/2014/main" id="{0DD38B20-733B-14FF-5A58-C224C8F7233D}"/>
+              </a:ext>
+            </a:extLst>
+          </p:cNvPr>
+          <p:cNvGrpSpPr/>
+          <p:nvPr/>
+        </p:nvGrpSpPr>
+        <p:grpSpPr>
+          <a:xfrm>
+            <a:off x="1259632" y="3645024"/>
+            <a:ext cx="6219800" cy="2370584"/>
+            <a:chOff x="152400" y="2362200"/>
+            <a:chExt cx="8915400" cy="3581400"/>
+          </a:xfrm>
+        </p:grpSpPr>
+        <p:sp>
+          <p:nvSpPr>
+            <p:cNvPr id="4" name="AutoShape 4">
+              <a:extLst>
+                <a:ext uri="{FF2B5EF4-FFF2-40B4-BE49-F238E27FC236}">
+                  <a16:creationId xmlns:a16="http://schemas.microsoft.com/office/drawing/2014/main" id="{C28FF6BA-9DAD-FA66-2192-6253FF27CBF0}"/>
+                </a:ext>
+              </a:extLst>
+            </p:cNvPr>
+            <p:cNvSpPr>
+              <a:spLocks noChangeArrowheads="1"/>
+            </p:cNvSpPr>
+            <p:nvPr/>
+          </p:nvSpPr>
+          <p:spPr bwMode="auto">
+            <a:xfrm>
+              <a:off x="152400" y="5334000"/>
+              <a:ext cx="609600" cy="609600"/>
+            </a:xfrm>
+            <a:prstGeom prst="roundRect">
+              <a:avLst>
+                <a:gd name="adj" fmla="val 16667"/>
+              </a:avLst>
+            </a:prstGeom>
+            <a:solidFill>
+              <a:srgbClr val="FFFF66"/>
+            </a:solidFill>
+            <a:ln w="9525">
+              <a:solidFill>
+                <a:schemeClr val="tx1"/>
+              </a:solidFill>
+              <a:round/>
+              <a:headEnd/>
+              <a:tailEnd/>
+            </a:ln>
+            <a:effectLst/>
+          </p:spPr>
+          <p:txBody>
+            <a:bodyPr wrap="none" anchor="ctr"/>
+            <a:lstStyle/>
+            <a:p>
+              <a:pPr>
+                <a:lnSpc>
+                  <a:spcPct val="90000"/>
+                </a:lnSpc>
+              </a:pPr>
+              <a:r>
+                <a:rPr lang="en-US" altLang="en-US">
+                  <a:solidFill>
+                    <a:srgbClr val="008A87"/>
+                  </a:solidFill>
+                  <a:ea typeface="Arial Unicode MS" pitchFamily="34" charset="-122"/>
+                </a:rPr>
+                <a:t>14</a:t>
+              </a:r>
+            </a:p>
+          </p:txBody>
+        </p:sp>
+        <p:sp>
+          <p:nvSpPr>
+            <p:cNvPr id="5" name="AutoShape 5">
+              <a:extLst>
+                <a:ext uri="{FF2B5EF4-FFF2-40B4-BE49-F238E27FC236}">
+                  <a16:creationId xmlns:a16="http://schemas.microsoft.com/office/drawing/2014/main" id="{A1630324-F3C5-64B4-E245-1EF7EC058742}"/>
+                </a:ext>
+              </a:extLst>
+            </p:cNvPr>
+            <p:cNvSpPr>
+              <a:spLocks noChangeArrowheads="1"/>
+            </p:cNvSpPr>
+            <p:nvPr/>
+          </p:nvSpPr>
+          <p:spPr bwMode="auto">
+            <a:xfrm>
+              <a:off x="1143000" y="5334000"/>
+              <a:ext cx="609600" cy="609600"/>
+            </a:xfrm>
+            <a:prstGeom prst="roundRect">
+              <a:avLst>
+                <a:gd name="adj" fmla="val 16667"/>
+              </a:avLst>
+            </a:prstGeom>
+            <a:solidFill>
+              <a:srgbClr val="FFFF66"/>
+            </a:solidFill>
+            <a:ln w="9525">
+              <a:solidFill>
+                <a:schemeClr val="tx1"/>
+              </a:solidFill>
+              <a:round/>
+              <a:headEnd/>
+              <a:tailEnd/>
+            </a:ln>
+            <a:effectLst/>
+          </p:spPr>
+          <p:txBody>
+            <a:bodyPr wrap="none" anchor="ctr"/>
+            <a:lstStyle/>
+            <a:p>
+              <a:pPr>
+                <a:lnSpc>
+                  <a:spcPct val="90000"/>
+                </a:lnSpc>
+              </a:pPr>
+              <a:r>
+                <a:rPr lang="en-US" altLang="en-US">
+                  <a:solidFill>
+                    <a:srgbClr val="008A87"/>
+                  </a:solidFill>
+                  <a:ea typeface="Arial Unicode MS" pitchFamily="34" charset="-122"/>
+                </a:rPr>
+                <a:t>23</a:t>
+              </a:r>
+            </a:p>
+          </p:txBody>
+        </p:sp>
+        <p:cxnSp>
+          <p:nvCxnSpPr>
+            <p:cNvPr id="15" name="AutoShape 6">
+              <a:extLst>
+                <a:ext uri="{FF2B5EF4-FFF2-40B4-BE49-F238E27FC236}">
+                  <a16:creationId xmlns:a16="http://schemas.microsoft.com/office/drawing/2014/main" id="{DB9DD16F-E9AE-E86E-6397-91BCBECB1B6F}"/>
+                </a:ext>
+              </a:extLst>
+            </p:cNvPr>
+            <p:cNvCxnSpPr>
+              <a:cxnSpLocks noChangeShapeType="1"/>
+              <a:stCxn id="4" idx="3"/>
+              <a:endCxn id="5" idx="1"/>
+            </p:cNvCxnSpPr>
+            <p:nvPr/>
+          </p:nvCxnSpPr>
+          <p:spPr bwMode="auto">
+            <a:xfrm>
+              <a:off x="762000" y="5638800"/>
+              <a:ext cx="381000" cy="0"/>
+            </a:xfrm>
+            <a:prstGeom prst="straightConnector1">
+              <a:avLst/>
+            </a:prstGeom>
+            <a:noFill/>
+            <a:ln w="38100">
+              <a:solidFill>
+                <a:schemeClr val="tx1"/>
+              </a:solidFill>
+              <a:round/>
+              <a:headEnd type="triangle" w="med" len="med"/>
+              <a:tailEnd type="triangle" w="med" len="med"/>
+            </a:ln>
+            <a:effectLst/>
+            <a:extLst>
+              <a:ext uri="{909E8E84-426E-40DD-AFC4-6F175D3DCCD1}">
+                <a14:hiddenFill xmlns:a14="http://schemas.microsoft.com/office/drawing/2010/main">
+                  <a:noFill/>
+                </a14:hiddenFill>
+              </a:ext>
+            </a:extLst>
+          </p:spPr>
+        </p:cxnSp>
+        <p:sp>
+          <p:nvSpPr>
+            <p:cNvPr id="16" name="AutoShape 7">
+              <a:extLst>
+                <a:ext uri="{FF2B5EF4-FFF2-40B4-BE49-F238E27FC236}">
+                  <a16:creationId xmlns:a16="http://schemas.microsoft.com/office/drawing/2014/main" id="{3906E530-BAA0-A3DE-6A1F-43F9220A05A5}"/>
+                </a:ext>
+              </a:extLst>
+            </p:cNvPr>
+            <p:cNvSpPr>
+              <a:spLocks noChangeArrowheads="1"/>
+            </p:cNvSpPr>
+            <p:nvPr/>
+          </p:nvSpPr>
+          <p:spPr bwMode="auto">
+            <a:xfrm>
+              <a:off x="2133600" y="5334000"/>
+              <a:ext cx="609600" cy="609600"/>
+            </a:xfrm>
+            <a:prstGeom prst="roundRect">
+              <a:avLst>
+                <a:gd name="adj" fmla="val 16667"/>
+              </a:avLst>
+            </a:prstGeom>
+            <a:solidFill>
+              <a:srgbClr val="FFFF66"/>
+            </a:solidFill>
+            <a:ln w="9525">
+              <a:solidFill>
+                <a:schemeClr val="tx1"/>
+              </a:solidFill>
+              <a:round/>
+              <a:headEnd/>
+              <a:tailEnd/>
+            </a:ln>
+            <a:effectLst/>
+          </p:spPr>
+          <p:txBody>
+            <a:bodyPr wrap="none" anchor="ctr"/>
+            <a:lstStyle/>
+            <a:p>
+              <a:pPr>
+                <a:lnSpc>
+                  <a:spcPct val="90000"/>
+                </a:lnSpc>
+              </a:pPr>
+              <a:r>
+                <a:rPr lang="en-US" altLang="en-US">
+                  <a:solidFill>
+                    <a:srgbClr val="008A87"/>
+                  </a:solidFill>
+                  <a:ea typeface="Arial Unicode MS" pitchFamily="34" charset="-122"/>
+                </a:rPr>
+                <a:t>34</a:t>
+              </a:r>
+            </a:p>
+          </p:txBody>
+        </p:sp>
+        <p:cxnSp>
+          <p:nvCxnSpPr>
+            <p:cNvPr id="17" name="AutoShape 8">
+              <a:extLst>
+                <a:ext uri="{FF2B5EF4-FFF2-40B4-BE49-F238E27FC236}">
+                  <a16:creationId xmlns:a16="http://schemas.microsoft.com/office/drawing/2014/main" id="{964CBFDA-AE6F-2529-95B2-DF16A7021E73}"/>
+                </a:ext>
+              </a:extLst>
+            </p:cNvPr>
+            <p:cNvCxnSpPr>
+              <a:cxnSpLocks noChangeShapeType="1"/>
+              <a:stCxn id="5" idx="3"/>
+              <a:endCxn id="16" idx="1"/>
+            </p:cNvCxnSpPr>
+            <p:nvPr/>
+          </p:nvCxnSpPr>
+          <p:spPr bwMode="auto">
+            <a:xfrm>
+              <a:off x="1752600" y="5638800"/>
+              <a:ext cx="381000" cy="0"/>
+            </a:xfrm>
+            <a:prstGeom prst="straightConnector1">
+              <a:avLst/>
+            </a:prstGeom>
+            <a:noFill/>
+            <a:ln w="38100">
+              <a:solidFill>
+                <a:schemeClr val="tx1"/>
+              </a:solidFill>
+              <a:round/>
+              <a:headEnd type="triangle" w="med" len="med"/>
+              <a:tailEnd type="triangle" w="med" len="med"/>
+            </a:ln>
+            <a:effectLst/>
+            <a:extLst>
+              <a:ext uri="{909E8E84-426E-40DD-AFC4-6F175D3DCCD1}">
+                <a14:hiddenFill xmlns:a14="http://schemas.microsoft.com/office/drawing/2010/main">
+                  <a:noFill/>
+                </a14:hiddenFill>
+              </a:ext>
+            </a:extLst>
+          </p:spPr>
+        </p:cxnSp>
+        <p:sp>
+          <p:nvSpPr>
+            <p:cNvPr id="20" name="AutoShape 9">
+              <a:extLst>
+                <a:ext uri="{FF2B5EF4-FFF2-40B4-BE49-F238E27FC236}">
+                  <a16:creationId xmlns:a16="http://schemas.microsoft.com/office/drawing/2014/main" id="{A6F677B7-5A21-02E0-F05C-EF02C42EB980}"/>
+                </a:ext>
+              </a:extLst>
+            </p:cNvPr>
+            <p:cNvSpPr>
+              <a:spLocks noChangeArrowheads="1"/>
+            </p:cNvSpPr>
+            <p:nvPr/>
+          </p:nvSpPr>
+          <p:spPr bwMode="auto">
+            <a:xfrm>
+              <a:off x="3124200" y="5334000"/>
+              <a:ext cx="609600" cy="609600"/>
+            </a:xfrm>
+            <a:prstGeom prst="roundRect">
+              <a:avLst>
+                <a:gd name="adj" fmla="val 16667"/>
+              </a:avLst>
+            </a:prstGeom>
+            <a:solidFill>
+              <a:srgbClr val="FFFF66"/>
+            </a:solidFill>
+            <a:ln w="9525">
+              <a:solidFill>
+                <a:schemeClr val="tx1"/>
+              </a:solidFill>
+              <a:round/>
+              <a:headEnd/>
+              <a:tailEnd/>
+            </a:ln>
+            <a:effectLst/>
+          </p:spPr>
+          <p:txBody>
+            <a:bodyPr wrap="none" anchor="ctr"/>
+            <a:lstStyle/>
+            <a:p>
+              <a:pPr>
+                <a:lnSpc>
+                  <a:spcPct val="90000"/>
+                </a:lnSpc>
+              </a:pPr>
+              <a:r>
+                <a:rPr lang="en-US" altLang="en-US">
+                  <a:solidFill>
+                    <a:srgbClr val="008A87"/>
+                  </a:solidFill>
+                  <a:ea typeface="Arial Unicode MS" pitchFamily="34" charset="-122"/>
+                </a:rPr>
+                <a:t>42</a:t>
+              </a:r>
+            </a:p>
+          </p:txBody>
+        </p:sp>
+        <p:cxnSp>
+          <p:nvCxnSpPr>
+            <p:cNvPr id="21" name="AutoShape 10">
+              <a:extLst>
+                <a:ext uri="{FF2B5EF4-FFF2-40B4-BE49-F238E27FC236}">
+                  <a16:creationId xmlns:a16="http://schemas.microsoft.com/office/drawing/2014/main" id="{A7F20E0C-B270-7655-E894-DC818F0FC755}"/>
+                </a:ext>
+              </a:extLst>
+            </p:cNvPr>
+            <p:cNvCxnSpPr>
+              <a:cxnSpLocks noChangeShapeType="1"/>
+              <a:stCxn id="16" idx="3"/>
+              <a:endCxn id="20" idx="1"/>
+            </p:cNvCxnSpPr>
+            <p:nvPr/>
+          </p:nvCxnSpPr>
+          <p:spPr bwMode="auto">
+            <a:xfrm>
+              <a:off x="2743200" y="5638800"/>
+              <a:ext cx="381000" cy="0"/>
+            </a:xfrm>
+            <a:prstGeom prst="straightConnector1">
+              <a:avLst/>
+            </a:prstGeom>
+            <a:noFill/>
+            <a:ln w="38100">
+              <a:solidFill>
+                <a:schemeClr val="tx1"/>
+              </a:solidFill>
+              <a:round/>
+              <a:headEnd type="triangle" w="med" len="med"/>
+              <a:tailEnd type="triangle" w="med" len="med"/>
+            </a:ln>
+            <a:effectLst/>
+            <a:extLst>
+              <a:ext uri="{909E8E84-426E-40DD-AFC4-6F175D3DCCD1}">
+                <a14:hiddenFill xmlns:a14="http://schemas.microsoft.com/office/drawing/2010/main">
+                  <a:noFill/>
+                </a14:hiddenFill>
+              </a:ext>
+            </a:extLst>
+          </p:spPr>
+        </p:cxnSp>
+        <p:sp>
+          <p:nvSpPr>
+            <p:cNvPr id="26" name="AutoShape 11">
+              <a:extLst>
+                <a:ext uri="{FF2B5EF4-FFF2-40B4-BE49-F238E27FC236}">
+                  <a16:creationId xmlns:a16="http://schemas.microsoft.com/office/drawing/2014/main" id="{B6BC73F4-CCC1-4CC1-075E-F787843E089A}"/>
+                </a:ext>
+              </a:extLst>
+            </p:cNvPr>
+            <p:cNvSpPr>
+              <a:spLocks noChangeArrowheads="1"/>
+            </p:cNvSpPr>
+            <p:nvPr/>
+          </p:nvSpPr>
+          <p:spPr bwMode="auto">
+            <a:xfrm>
+              <a:off x="4114800" y="5334000"/>
+              <a:ext cx="609600" cy="609600"/>
+            </a:xfrm>
+            <a:prstGeom prst="roundRect">
+              <a:avLst>
+                <a:gd name="adj" fmla="val 16667"/>
+              </a:avLst>
+            </a:prstGeom>
+            <a:solidFill>
+              <a:srgbClr val="FFFF66"/>
+            </a:solidFill>
+            <a:ln w="9525">
+              <a:solidFill>
+                <a:schemeClr val="tx1"/>
+              </a:solidFill>
+              <a:round/>
+              <a:headEnd/>
+              <a:tailEnd/>
+            </a:ln>
+            <a:effectLst/>
+          </p:spPr>
+          <p:txBody>
+            <a:bodyPr wrap="none" anchor="ctr"/>
+            <a:lstStyle/>
+            <a:p>
+              <a:pPr>
+                <a:lnSpc>
+                  <a:spcPct val="90000"/>
+                </a:lnSpc>
+              </a:pPr>
+              <a:r>
+                <a:rPr lang="en-US" altLang="en-US">
+                  <a:solidFill>
+                    <a:srgbClr val="008A87"/>
+                  </a:solidFill>
+                  <a:ea typeface="Arial Unicode MS" pitchFamily="34" charset="-122"/>
+                </a:rPr>
+                <a:t>50</a:t>
+              </a:r>
+            </a:p>
+          </p:txBody>
+        </p:sp>
+        <p:sp>
+          <p:nvSpPr>
+            <p:cNvPr id="31" name="AutoShape 12">
+              <a:extLst>
+                <a:ext uri="{FF2B5EF4-FFF2-40B4-BE49-F238E27FC236}">
+                  <a16:creationId xmlns:a16="http://schemas.microsoft.com/office/drawing/2014/main" id="{4944AA23-0FB7-E0D9-3009-3D8EA07D73C5}"/>
+                </a:ext>
+              </a:extLst>
+            </p:cNvPr>
+            <p:cNvSpPr>
+              <a:spLocks noChangeArrowheads="1"/>
+            </p:cNvSpPr>
+            <p:nvPr/>
+          </p:nvSpPr>
+          <p:spPr bwMode="auto">
+            <a:xfrm>
+              <a:off x="5105400" y="5334000"/>
+              <a:ext cx="609600" cy="609600"/>
+            </a:xfrm>
+            <a:prstGeom prst="roundRect">
+              <a:avLst>
+                <a:gd name="adj" fmla="val 16667"/>
+              </a:avLst>
+            </a:prstGeom>
+            <a:solidFill>
+              <a:srgbClr val="FFFF66"/>
+            </a:solidFill>
+            <a:ln w="9525">
+              <a:solidFill>
+                <a:schemeClr val="tx1"/>
+              </a:solidFill>
+              <a:round/>
+              <a:headEnd/>
+              <a:tailEnd/>
+            </a:ln>
+            <a:effectLst/>
+          </p:spPr>
+          <p:txBody>
+            <a:bodyPr wrap="none" anchor="ctr"/>
+            <a:lstStyle/>
+            <a:p>
+              <a:pPr>
+                <a:lnSpc>
+                  <a:spcPct val="90000"/>
+                </a:lnSpc>
+              </a:pPr>
+              <a:r>
+                <a:rPr lang="en-US" altLang="en-US">
+                  <a:solidFill>
+                    <a:srgbClr val="008A87"/>
+                  </a:solidFill>
+                  <a:ea typeface="Arial Unicode MS" pitchFamily="34" charset="-122"/>
+                </a:rPr>
+                <a:t>59</a:t>
+              </a:r>
+            </a:p>
+          </p:txBody>
+        </p:sp>
+        <p:sp>
+          <p:nvSpPr>
+            <p:cNvPr id="32" name="AutoShape 13">
+              <a:extLst>
+                <a:ext uri="{FF2B5EF4-FFF2-40B4-BE49-F238E27FC236}">
+                  <a16:creationId xmlns:a16="http://schemas.microsoft.com/office/drawing/2014/main" id="{52260C36-08F6-E289-1A57-957DD47183B7}"/>
+                </a:ext>
+              </a:extLst>
+            </p:cNvPr>
+            <p:cNvSpPr>
+              <a:spLocks noChangeArrowheads="1"/>
+            </p:cNvSpPr>
+            <p:nvPr/>
+          </p:nvSpPr>
+          <p:spPr bwMode="auto">
+            <a:xfrm>
+              <a:off x="6096000" y="5334000"/>
+              <a:ext cx="609600" cy="609600"/>
+            </a:xfrm>
+            <a:prstGeom prst="roundRect">
+              <a:avLst>
+                <a:gd name="adj" fmla="val 16667"/>
+              </a:avLst>
+            </a:prstGeom>
+            <a:solidFill>
+              <a:srgbClr val="FFFF66"/>
+            </a:solidFill>
+            <a:ln w="9525">
+              <a:solidFill>
+                <a:schemeClr val="tx1"/>
+              </a:solidFill>
+              <a:round/>
+              <a:headEnd/>
+              <a:tailEnd/>
+            </a:ln>
+            <a:effectLst/>
+          </p:spPr>
+          <p:txBody>
+            <a:bodyPr wrap="none" anchor="ctr"/>
+            <a:lstStyle/>
+            <a:p>
+              <a:pPr>
+                <a:lnSpc>
+                  <a:spcPct val="90000"/>
+                </a:lnSpc>
+              </a:pPr>
+              <a:r>
+                <a:rPr lang="en-US" altLang="en-US">
+                  <a:solidFill>
+                    <a:srgbClr val="008A87"/>
+                  </a:solidFill>
+                  <a:ea typeface="Arial Unicode MS" pitchFamily="34" charset="-122"/>
+                </a:rPr>
+                <a:t>66</a:t>
+              </a:r>
+            </a:p>
+          </p:txBody>
+        </p:sp>
+        <p:sp>
+          <p:nvSpPr>
+            <p:cNvPr id="33" name="AutoShape 14">
+              <a:extLst>
+                <a:ext uri="{FF2B5EF4-FFF2-40B4-BE49-F238E27FC236}">
+                  <a16:creationId xmlns:a16="http://schemas.microsoft.com/office/drawing/2014/main" id="{270967E8-6E0D-0482-4E3C-0302348E9789}"/>
+                </a:ext>
+              </a:extLst>
+            </p:cNvPr>
+            <p:cNvSpPr>
+              <a:spLocks noChangeArrowheads="1"/>
+            </p:cNvSpPr>
+            <p:nvPr/>
+          </p:nvSpPr>
+          <p:spPr bwMode="auto">
+            <a:xfrm>
+              <a:off x="7086600" y="5334000"/>
+              <a:ext cx="609600" cy="609600"/>
+            </a:xfrm>
+            <a:prstGeom prst="roundRect">
+              <a:avLst>
+                <a:gd name="adj" fmla="val 16667"/>
+              </a:avLst>
+            </a:prstGeom>
+            <a:solidFill>
+              <a:srgbClr val="FFFF66"/>
+            </a:solidFill>
+            <a:ln w="9525">
+              <a:solidFill>
+                <a:schemeClr val="tx1"/>
+              </a:solidFill>
+              <a:round/>
+              <a:headEnd/>
+              <a:tailEnd/>
+            </a:ln>
+            <a:effectLst/>
+          </p:spPr>
+          <p:txBody>
+            <a:bodyPr wrap="none" anchor="ctr"/>
+            <a:lstStyle/>
+            <a:p>
+              <a:pPr>
+                <a:lnSpc>
+                  <a:spcPct val="90000"/>
+                </a:lnSpc>
+              </a:pPr>
+              <a:r>
+                <a:rPr lang="en-US" altLang="en-US">
+                  <a:solidFill>
+                    <a:srgbClr val="008A87"/>
+                  </a:solidFill>
+                  <a:ea typeface="Arial Unicode MS" pitchFamily="34" charset="-122"/>
+                </a:rPr>
+                <a:t>72</a:t>
+              </a:r>
+            </a:p>
+          </p:txBody>
+        </p:sp>
+        <p:cxnSp>
+          <p:nvCxnSpPr>
+            <p:cNvPr id="34" name="AutoShape 15">
+              <a:extLst>
+                <a:ext uri="{FF2B5EF4-FFF2-40B4-BE49-F238E27FC236}">
+                  <a16:creationId xmlns:a16="http://schemas.microsoft.com/office/drawing/2014/main" id="{E0A99421-8663-BD8D-182C-F7A0A7A5BD61}"/>
+                </a:ext>
+              </a:extLst>
+            </p:cNvPr>
+            <p:cNvCxnSpPr>
+              <a:cxnSpLocks noChangeShapeType="1"/>
+              <a:stCxn id="32" idx="3"/>
+              <a:endCxn id="33" idx="1"/>
+            </p:cNvCxnSpPr>
+            <p:nvPr/>
+          </p:nvCxnSpPr>
+          <p:spPr bwMode="auto">
+            <a:xfrm>
+              <a:off x="6705600" y="5638800"/>
+              <a:ext cx="381000" cy="0"/>
+            </a:xfrm>
+            <a:prstGeom prst="straightConnector1">
+              <a:avLst/>
+            </a:prstGeom>
+            <a:noFill/>
+            <a:ln w="38100">
+              <a:solidFill>
+                <a:schemeClr val="tx1"/>
+              </a:solidFill>
+              <a:round/>
+              <a:headEnd type="triangle" w="med" len="med"/>
+              <a:tailEnd type="triangle" w="med" len="med"/>
+            </a:ln>
+            <a:effectLst/>
+            <a:extLst>
+              <a:ext uri="{909E8E84-426E-40DD-AFC4-6F175D3DCCD1}">
+                <a14:hiddenFill xmlns:a14="http://schemas.microsoft.com/office/drawing/2010/main">
+                  <a:noFill/>
+                </a14:hiddenFill>
+              </a:ext>
+            </a:extLst>
+          </p:spPr>
+        </p:cxnSp>
+        <p:sp>
+          <p:nvSpPr>
+            <p:cNvPr id="51" name="AutoShape 16">
+              <a:extLst>
+                <a:ext uri="{FF2B5EF4-FFF2-40B4-BE49-F238E27FC236}">
+                  <a16:creationId xmlns:a16="http://schemas.microsoft.com/office/drawing/2014/main" id="{8860A565-2683-17E9-7023-A969EE1E7C4F}"/>
+                </a:ext>
+              </a:extLst>
+            </p:cNvPr>
+            <p:cNvSpPr>
+              <a:spLocks noChangeArrowheads="1"/>
+            </p:cNvSpPr>
+            <p:nvPr/>
+          </p:nvSpPr>
+          <p:spPr bwMode="auto">
+            <a:xfrm>
+              <a:off x="8077200" y="5334000"/>
+              <a:ext cx="609600" cy="609600"/>
+            </a:xfrm>
+            <a:prstGeom prst="roundRect">
+              <a:avLst>
+                <a:gd name="adj" fmla="val 16667"/>
+              </a:avLst>
+            </a:prstGeom>
+            <a:solidFill>
+              <a:srgbClr val="FFFF66"/>
+            </a:solidFill>
+            <a:ln w="9525">
+              <a:solidFill>
+                <a:schemeClr val="tx1"/>
+              </a:solidFill>
+              <a:round/>
+              <a:headEnd/>
+              <a:tailEnd/>
+            </a:ln>
+            <a:effectLst/>
+          </p:spPr>
+          <p:txBody>
+            <a:bodyPr wrap="none" anchor="ctr"/>
+            <a:lstStyle/>
+            <a:p>
+              <a:pPr>
+                <a:lnSpc>
+                  <a:spcPct val="90000"/>
+                </a:lnSpc>
+              </a:pPr>
+              <a:r>
+                <a:rPr lang="en-US" altLang="en-US">
+                  <a:solidFill>
+                    <a:srgbClr val="008A87"/>
+                  </a:solidFill>
+                  <a:ea typeface="Arial Unicode MS" pitchFamily="34" charset="-122"/>
+                </a:rPr>
+                <a:t>79</a:t>
+              </a:r>
+            </a:p>
+          </p:txBody>
+        </p:sp>
+        <p:cxnSp>
+          <p:nvCxnSpPr>
+            <p:cNvPr id="52" name="AutoShape 17">
+              <a:extLst>
+                <a:ext uri="{FF2B5EF4-FFF2-40B4-BE49-F238E27FC236}">
+                  <a16:creationId xmlns:a16="http://schemas.microsoft.com/office/drawing/2014/main" id="{790514D1-6F43-A8B2-CAC1-4AAB09B53DDC}"/>
+                </a:ext>
+              </a:extLst>
+            </p:cNvPr>
+            <p:cNvCxnSpPr>
+              <a:cxnSpLocks noChangeShapeType="1"/>
+              <a:stCxn id="33" idx="3"/>
+              <a:endCxn id="51" idx="1"/>
+            </p:cNvCxnSpPr>
+            <p:nvPr/>
+          </p:nvCxnSpPr>
+          <p:spPr bwMode="auto">
+            <a:xfrm>
+              <a:off x="7696200" y="5638800"/>
+              <a:ext cx="381000" cy="0"/>
+            </a:xfrm>
+            <a:prstGeom prst="straightConnector1">
+              <a:avLst/>
+            </a:prstGeom>
+            <a:noFill/>
+            <a:ln w="38100">
+              <a:solidFill>
+                <a:schemeClr val="tx1"/>
+              </a:solidFill>
+              <a:round/>
+              <a:headEnd type="triangle" w="med" len="med"/>
+              <a:tailEnd type="triangle" w="med" len="med"/>
+            </a:ln>
+            <a:effectLst/>
+            <a:extLst>
+              <a:ext uri="{909E8E84-426E-40DD-AFC4-6F175D3DCCD1}">
+                <a14:hiddenFill xmlns:a14="http://schemas.microsoft.com/office/drawing/2010/main">
+                  <a:noFill/>
+                </a14:hiddenFill>
+              </a:ext>
+            </a:extLst>
+          </p:spPr>
+        </p:cxnSp>
+        <p:cxnSp>
+          <p:nvCxnSpPr>
+            <p:cNvPr id="53" name="AutoShape 18">
+              <a:extLst>
+                <a:ext uri="{FF2B5EF4-FFF2-40B4-BE49-F238E27FC236}">
+                  <a16:creationId xmlns:a16="http://schemas.microsoft.com/office/drawing/2014/main" id="{FAD8F871-B43C-D682-5BBF-338E4456E2A4}"/>
+                </a:ext>
+              </a:extLst>
+            </p:cNvPr>
+            <p:cNvCxnSpPr>
+              <a:cxnSpLocks noChangeShapeType="1"/>
+              <a:stCxn id="51" idx="3"/>
+            </p:cNvCxnSpPr>
+            <p:nvPr/>
+          </p:nvCxnSpPr>
+          <p:spPr bwMode="auto">
+            <a:xfrm>
+              <a:off x="8686800" y="5638800"/>
+              <a:ext cx="381000" cy="1588"/>
+            </a:xfrm>
+            <a:prstGeom prst="straightConnector1">
+              <a:avLst/>
+            </a:prstGeom>
+            <a:noFill/>
+            <a:ln w="38100">
+              <a:solidFill>
+                <a:schemeClr val="tx1"/>
+              </a:solidFill>
+              <a:round/>
+              <a:headEnd type="triangle" w="med" len="med"/>
+              <a:tailEnd type="triangle" w="med" len="med"/>
+            </a:ln>
+            <a:effectLst/>
+            <a:extLst>
+              <a:ext uri="{909E8E84-426E-40DD-AFC4-6F175D3DCCD1}">
+                <a14:hiddenFill xmlns:a14="http://schemas.microsoft.com/office/drawing/2010/main">
+                  <a:noFill/>
+                </a14:hiddenFill>
+              </a:ext>
+            </a:extLst>
+          </p:spPr>
+        </p:cxnSp>
+        <p:sp>
+          <p:nvSpPr>
+            <p:cNvPr id="54" name="AutoShape 19">
+              <a:extLst>
+                <a:ext uri="{FF2B5EF4-FFF2-40B4-BE49-F238E27FC236}">
+                  <a16:creationId xmlns:a16="http://schemas.microsoft.com/office/drawing/2014/main" id="{01B40B1F-CBC5-44C0-6F25-C66FD35538EB}"/>
+                </a:ext>
+              </a:extLst>
+            </p:cNvPr>
+            <p:cNvSpPr>
+              <a:spLocks noChangeArrowheads="1"/>
+            </p:cNvSpPr>
+            <p:nvPr/>
+          </p:nvSpPr>
+          <p:spPr bwMode="auto">
+            <a:xfrm>
+              <a:off x="152400" y="4343400"/>
+              <a:ext cx="609600" cy="609600"/>
+            </a:xfrm>
+            <a:prstGeom prst="roundRect">
+              <a:avLst>
+                <a:gd name="adj" fmla="val 16667"/>
+              </a:avLst>
+            </a:prstGeom>
+            <a:solidFill>
+              <a:srgbClr val="FFFF66"/>
+            </a:solidFill>
+            <a:ln w="9525">
+              <a:solidFill>
+                <a:schemeClr val="tx1"/>
+              </a:solidFill>
+              <a:round/>
+              <a:headEnd/>
+              <a:tailEnd/>
+            </a:ln>
+            <a:effectLst/>
+          </p:spPr>
+          <p:txBody>
+            <a:bodyPr wrap="none" anchor="ctr"/>
+            <a:lstStyle/>
+            <a:p>
+              <a:pPr>
+                <a:lnSpc>
+                  <a:spcPct val="90000"/>
+                </a:lnSpc>
+              </a:pPr>
+              <a:r>
+                <a:rPr lang="en-US" altLang="en-US">
+                  <a:solidFill>
+                    <a:srgbClr val="008A87"/>
+                  </a:solidFill>
+                  <a:ea typeface="Arial Unicode MS" pitchFamily="34" charset="-122"/>
+                </a:rPr>
+                <a:t>14</a:t>
+              </a:r>
+            </a:p>
+          </p:txBody>
+        </p:sp>
+        <p:sp>
+          <p:nvSpPr>
+            <p:cNvPr id="55" name="AutoShape 20">
+              <a:extLst>
+                <a:ext uri="{FF2B5EF4-FFF2-40B4-BE49-F238E27FC236}">
+                  <a16:creationId xmlns:a16="http://schemas.microsoft.com/office/drawing/2014/main" id="{8B8D4FD8-7A7D-ECB0-A7F4-398D8E8E1903}"/>
+                </a:ext>
+              </a:extLst>
+            </p:cNvPr>
+            <p:cNvSpPr>
+              <a:spLocks noChangeArrowheads="1"/>
+            </p:cNvSpPr>
+            <p:nvPr/>
+          </p:nvSpPr>
+          <p:spPr bwMode="auto">
+            <a:xfrm>
+              <a:off x="2133600" y="4343400"/>
+              <a:ext cx="609600" cy="609600"/>
+            </a:xfrm>
+            <a:prstGeom prst="roundRect">
+              <a:avLst>
+                <a:gd name="adj" fmla="val 16667"/>
+              </a:avLst>
+            </a:prstGeom>
+            <a:solidFill>
+              <a:srgbClr val="FFFF66"/>
+            </a:solidFill>
+            <a:ln w="9525">
+              <a:solidFill>
+                <a:schemeClr val="tx1"/>
+              </a:solidFill>
+              <a:round/>
+              <a:headEnd/>
+              <a:tailEnd/>
+            </a:ln>
+            <a:effectLst/>
+          </p:spPr>
+          <p:txBody>
+            <a:bodyPr wrap="none" anchor="ctr"/>
+            <a:lstStyle/>
+            <a:p>
+              <a:pPr>
+                <a:lnSpc>
+                  <a:spcPct val="90000"/>
+                </a:lnSpc>
+              </a:pPr>
+              <a:r>
+                <a:rPr lang="en-US" altLang="en-US">
+                  <a:solidFill>
+                    <a:srgbClr val="008A87"/>
+                  </a:solidFill>
+                  <a:ea typeface="Arial Unicode MS" pitchFamily="34" charset="-122"/>
+                </a:rPr>
+                <a:t>34</a:t>
+              </a:r>
+            </a:p>
+          </p:txBody>
+        </p:sp>
+        <p:sp>
+          <p:nvSpPr>
+            <p:cNvPr id="56" name="AutoShape 21">
+              <a:extLst>
+                <a:ext uri="{FF2B5EF4-FFF2-40B4-BE49-F238E27FC236}">
+                  <a16:creationId xmlns:a16="http://schemas.microsoft.com/office/drawing/2014/main" id="{284C0AB9-1E39-8474-C1B9-AAFCA18CDF74}"/>
+                </a:ext>
+              </a:extLst>
+            </p:cNvPr>
+            <p:cNvSpPr>
+              <a:spLocks noChangeArrowheads="1"/>
+            </p:cNvSpPr>
+            <p:nvPr/>
+          </p:nvSpPr>
+          <p:spPr bwMode="auto">
+            <a:xfrm>
+              <a:off x="6096000" y="4343400"/>
+              <a:ext cx="609600" cy="609600"/>
+            </a:xfrm>
+            <a:prstGeom prst="roundRect">
+              <a:avLst>
+                <a:gd name="adj" fmla="val 16667"/>
+              </a:avLst>
+            </a:prstGeom>
+            <a:solidFill>
+              <a:srgbClr val="FFFF66"/>
+            </a:solidFill>
+            <a:ln w="9525">
+              <a:solidFill>
+                <a:schemeClr val="tx1"/>
+              </a:solidFill>
+              <a:round/>
+              <a:headEnd/>
+              <a:tailEnd/>
+            </a:ln>
+            <a:effectLst/>
+          </p:spPr>
+          <p:txBody>
+            <a:bodyPr wrap="none" anchor="ctr"/>
+            <a:lstStyle/>
+            <a:p>
+              <a:pPr>
+                <a:lnSpc>
+                  <a:spcPct val="90000"/>
+                </a:lnSpc>
+              </a:pPr>
+              <a:r>
+                <a:rPr lang="en-US" altLang="en-US">
+                  <a:solidFill>
+                    <a:srgbClr val="008A87"/>
+                  </a:solidFill>
+                  <a:ea typeface="Arial Unicode MS" pitchFamily="34" charset="-122"/>
+                </a:rPr>
+                <a:t>66</a:t>
+              </a:r>
+            </a:p>
+          </p:txBody>
+        </p:sp>
+        <p:cxnSp>
+          <p:nvCxnSpPr>
+            <p:cNvPr id="57" name="AutoShape 22">
+              <a:extLst>
+                <a:ext uri="{FF2B5EF4-FFF2-40B4-BE49-F238E27FC236}">
+                  <a16:creationId xmlns:a16="http://schemas.microsoft.com/office/drawing/2014/main" id="{AE541858-59A9-2F0D-D523-3D5EF4BAB21D}"/>
+                </a:ext>
+              </a:extLst>
+            </p:cNvPr>
+            <p:cNvCxnSpPr>
+              <a:cxnSpLocks noChangeShapeType="1"/>
+              <a:stCxn id="56" idx="3"/>
+              <a:endCxn id="69" idx="1"/>
+            </p:cNvCxnSpPr>
+            <p:nvPr/>
+          </p:nvCxnSpPr>
+          <p:spPr bwMode="auto">
+            <a:xfrm>
+              <a:off x="6705600" y="4648200"/>
+              <a:ext cx="1371600" cy="0"/>
+            </a:xfrm>
+            <a:prstGeom prst="straightConnector1">
+              <a:avLst/>
+            </a:prstGeom>
+            <a:noFill/>
+            <a:ln w="38100">
+              <a:solidFill>
+                <a:schemeClr val="tx1"/>
+              </a:solidFill>
+              <a:round/>
+              <a:headEnd type="triangle" w="med" len="med"/>
+              <a:tailEnd type="triangle" w="med" len="med"/>
+            </a:ln>
+            <a:effectLst/>
+            <a:extLst>
+              <a:ext uri="{909E8E84-426E-40DD-AFC4-6F175D3DCCD1}">
+                <a14:hiddenFill xmlns:a14="http://schemas.microsoft.com/office/drawing/2010/main">
+                  <a:noFill/>
+                </a14:hiddenFill>
+              </a:ext>
+            </a:extLst>
+          </p:spPr>
+        </p:cxnSp>
+        <p:cxnSp>
+          <p:nvCxnSpPr>
+            <p:cNvPr id="58" name="AutoShape 23">
+              <a:extLst>
+                <a:ext uri="{FF2B5EF4-FFF2-40B4-BE49-F238E27FC236}">
+                  <a16:creationId xmlns:a16="http://schemas.microsoft.com/office/drawing/2014/main" id="{82E97256-F52A-7184-42D3-1909993C9AEC}"/>
+                </a:ext>
+              </a:extLst>
+            </p:cNvPr>
+            <p:cNvCxnSpPr>
+              <a:cxnSpLocks noChangeShapeType="1"/>
+              <a:stCxn id="54" idx="2"/>
+              <a:endCxn id="4" idx="0"/>
+            </p:cNvCxnSpPr>
+            <p:nvPr/>
+          </p:nvCxnSpPr>
+          <p:spPr bwMode="auto">
+            <a:xfrm>
+              <a:off x="457200" y="4953000"/>
+              <a:ext cx="0" cy="381000"/>
+            </a:xfrm>
+            <a:prstGeom prst="straightConnector1">
+              <a:avLst/>
+            </a:prstGeom>
+            <a:noFill/>
+            <a:ln w="38100">
+              <a:solidFill>
+                <a:schemeClr val="tx1"/>
+              </a:solidFill>
+              <a:round/>
+              <a:headEnd type="triangle" w="med" len="med"/>
+              <a:tailEnd type="triangle" w="med" len="med"/>
+            </a:ln>
+            <a:effectLst/>
+            <a:extLst>
+              <a:ext uri="{909E8E84-426E-40DD-AFC4-6F175D3DCCD1}">
+                <a14:hiddenFill xmlns:a14="http://schemas.microsoft.com/office/drawing/2010/main">
+                  <a:noFill/>
+                </a14:hiddenFill>
+              </a:ext>
+            </a:extLst>
+          </p:spPr>
+        </p:cxnSp>
+        <p:cxnSp>
+          <p:nvCxnSpPr>
+            <p:cNvPr id="59" name="AutoShape 24">
+              <a:extLst>
+                <a:ext uri="{FF2B5EF4-FFF2-40B4-BE49-F238E27FC236}">
+                  <a16:creationId xmlns:a16="http://schemas.microsoft.com/office/drawing/2014/main" id="{B6AB9559-38DC-0F4D-E1D2-AD3C85AB9A71}"/>
+                </a:ext>
+              </a:extLst>
+            </p:cNvPr>
+            <p:cNvCxnSpPr>
+              <a:cxnSpLocks noChangeShapeType="1"/>
+              <a:stCxn id="56" idx="2"/>
+              <a:endCxn id="32" idx="0"/>
+            </p:cNvCxnSpPr>
+            <p:nvPr/>
+          </p:nvCxnSpPr>
+          <p:spPr bwMode="auto">
+            <a:xfrm>
+              <a:off x="6400800" y="4953000"/>
+              <a:ext cx="0" cy="381000"/>
+            </a:xfrm>
+            <a:prstGeom prst="straightConnector1">
+              <a:avLst/>
+            </a:prstGeom>
+            <a:noFill/>
+            <a:ln w="38100">
+              <a:solidFill>
+                <a:schemeClr val="tx1"/>
+              </a:solidFill>
+              <a:round/>
+              <a:headEnd type="triangle" w="med" len="med"/>
+              <a:tailEnd type="triangle" w="med" len="med"/>
+            </a:ln>
+            <a:effectLst/>
+            <a:extLst>
+              <a:ext uri="{909E8E84-426E-40DD-AFC4-6F175D3DCCD1}">
+                <a14:hiddenFill xmlns:a14="http://schemas.microsoft.com/office/drawing/2010/main">
+                  <a:noFill/>
+                </a14:hiddenFill>
+              </a:ext>
+            </a:extLst>
+          </p:spPr>
+        </p:cxnSp>
+        <p:cxnSp>
+          <p:nvCxnSpPr>
+            <p:cNvPr id="60" name="AutoShape 25">
+              <a:extLst>
+                <a:ext uri="{FF2B5EF4-FFF2-40B4-BE49-F238E27FC236}">
+                  <a16:creationId xmlns:a16="http://schemas.microsoft.com/office/drawing/2014/main" id="{19D979FB-B0F5-EE0C-7609-10D352469978}"/>
+                </a:ext>
+              </a:extLst>
+            </p:cNvPr>
+            <p:cNvCxnSpPr>
+              <a:cxnSpLocks noChangeShapeType="1"/>
+              <a:stCxn id="54" idx="3"/>
+              <a:endCxn id="55" idx="1"/>
+            </p:cNvCxnSpPr>
+            <p:nvPr/>
+          </p:nvCxnSpPr>
+          <p:spPr bwMode="auto">
+            <a:xfrm>
+              <a:off x="762000" y="4648200"/>
+              <a:ext cx="1371600" cy="0"/>
+            </a:xfrm>
+            <a:prstGeom prst="straightConnector1">
+              <a:avLst/>
+            </a:prstGeom>
+            <a:noFill/>
+            <a:ln w="38100">
+              <a:solidFill>
+                <a:schemeClr val="tx1"/>
+              </a:solidFill>
+              <a:round/>
+              <a:headEnd type="triangle" w="med" len="med"/>
+              <a:tailEnd type="triangle" w="med" len="med"/>
+            </a:ln>
+            <a:effectLst/>
+            <a:extLst>
+              <a:ext uri="{909E8E84-426E-40DD-AFC4-6F175D3DCCD1}">
+                <a14:hiddenFill xmlns:a14="http://schemas.microsoft.com/office/drawing/2010/main">
+                  <a:noFill/>
+                </a14:hiddenFill>
+              </a:ext>
+            </a:extLst>
+          </p:spPr>
+        </p:cxnSp>
+        <p:cxnSp>
+          <p:nvCxnSpPr>
+            <p:cNvPr id="61" name="AutoShape 26">
+              <a:extLst>
+                <a:ext uri="{FF2B5EF4-FFF2-40B4-BE49-F238E27FC236}">
+                  <a16:creationId xmlns:a16="http://schemas.microsoft.com/office/drawing/2014/main" id="{33B675A9-1A68-3C81-5CD8-C7525541BC6C}"/>
+                </a:ext>
+              </a:extLst>
+            </p:cNvPr>
+            <p:cNvCxnSpPr>
+              <a:cxnSpLocks noChangeShapeType="1"/>
+              <a:stCxn id="55" idx="3"/>
+              <a:endCxn id="66" idx="1"/>
+            </p:cNvCxnSpPr>
+            <p:nvPr/>
+          </p:nvCxnSpPr>
+          <p:spPr bwMode="auto">
+            <a:xfrm>
+              <a:off x="2743200" y="4648200"/>
+              <a:ext cx="1371600" cy="0"/>
+            </a:xfrm>
+            <a:prstGeom prst="straightConnector1">
+              <a:avLst/>
+            </a:prstGeom>
+            <a:noFill/>
+            <a:ln w="38100">
+              <a:solidFill>
+                <a:schemeClr val="tx1"/>
+              </a:solidFill>
+              <a:round/>
+              <a:headEnd type="triangle" w="med" len="med"/>
+              <a:tailEnd type="triangle" w="med" len="med"/>
+            </a:ln>
+            <a:effectLst/>
+            <a:extLst>
+              <a:ext uri="{909E8E84-426E-40DD-AFC4-6F175D3DCCD1}">
+                <a14:hiddenFill xmlns:a14="http://schemas.microsoft.com/office/drawing/2010/main">
+                  <a:noFill/>
+                </a14:hiddenFill>
+              </a:ext>
+            </a:extLst>
+          </p:spPr>
+        </p:cxnSp>
+        <p:cxnSp>
+          <p:nvCxnSpPr>
+            <p:cNvPr id="62" name="AutoShape 27">
+              <a:extLst>
+                <a:ext uri="{FF2B5EF4-FFF2-40B4-BE49-F238E27FC236}">
+                  <a16:creationId xmlns:a16="http://schemas.microsoft.com/office/drawing/2014/main" id="{AF4F3F49-5060-71BC-03EB-05D937D862D9}"/>
+                </a:ext>
+              </a:extLst>
+            </p:cNvPr>
+            <p:cNvCxnSpPr>
+              <a:cxnSpLocks noChangeShapeType="1"/>
+              <a:stCxn id="55" idx="2"/>
+              <a:endCxn id="16" idx="0"/>
+            </p:cNvCxnSpPr>
+            <p:nvPr/>
+          </p:nvCxnSpPr>
+          <p:spPr bwMode="auto">
+            <a:xfrm>
+              <a:off x="2438400" y="4953000"/>
+              <a:ext cx="0" cy="381000"/>
+            </a:xfrm>
+            <a:prstGeom prst="straightConnector1">
+              <a:avLst/>
+            </a:prstGeom>
+            <a:noFill/>
+            <a:ln w="38100">
+              <a:solidFill>
+                <a:schemeClr val="tx1"/>
+              </a:solidFill>
+              <a:round/>
+              <a:headEnd type="triangle" w="med" len="med"/>
+              <a:tailEnd type="triangle" w="med" len="med"/>
+            </a:ln>
+            <a:effectLst/>
+            <a:extLst>
+              <a:ext uri="{909E8E84-426E-40DD-AFC4-6F175D3DCCD1}">
+                <a14:hiddenFill xmlns:a14="http://schemas.microsoft.com/office/drawing/2010/main">
+                  <a:noFill/>
+                </a14:hiddenFill>
+              </a:ext>
+            </a:extLst>
+          </p:spPr>
+        </p:cxnSp>
+        <p:cxnSp>
+          <p:nvCxnSpPr>
+            <p:cNvPr id="63" name="AutoShape 28">
+              <a:extLst>
+                <a:ext uri="{FF2B5EF4-FFF2-40B4-BE49-F238E27FC236}">
+                  <a16:creationId xmlns:a16="http://schemas.microsoft.com/office/drawing/2014/main" id="{C301C38E-C141-F3FC-5C23-34362C8193C1}"/>
+                </a:ext>
+              </a:extLst>
+            </p:cNvPr>
+            <p:cNvCxnSpPr>
+              <a:cxnSpLocks noChangeShapeType="1"/>
+              <a:stCxn id="20" idx="3"/>
+              <a:endCxn id="26" idx="1"/>
+            </p:cNvCxnSpPr>
+            <p:nvPr/>
+          </p:nvCxnSpPr>
+          <p:spPr bwMode="auto">
+            <a:xfrm>
+              <a:off x="3733800" y="5638800"/>
+              <a:ext cx="381000" cy="0"/>
+            </a:xfrm>
+            <a:prstGeom prst="straightConnector1">
+              <a:avLst/>
+            </a:prstGeom>
+            <a:noFill/>
+            <a:ln w="38100">
+              <a:solidFill>
+                <a:schemeClr val="tx1"/>
+              </a:solidFill>
+              <a:round/>
+              <a:headEnd type="triangle" w="med" len="med"/>
+              <a:tailEnd type="triangle" w="med" len="med"/>
+            </a:ln>
+            <a:effectLst/>
+            <a:extLst>
+              <a:ext uri="{909E8E84-426E-40DD-AFC4-6F175D3DCCD1}">
+                <a14:hiddenFill xmlns:a14="http://schemas.microsoft.com/office/drawing/2010/main">
+                  <a:noFill/>
+                </a14:hiddenFill>
+              </a:ext>
+            </a:extLst>
+          </p:spPr>
+        </p:cxnSp>
+        <p:cxnSp>
+          <p:nvCxnSpPr>
+            <p:cNvPr id="64" name="AutoShape 29">
+              <a:extLst>
+                <a:ext uri="{FF2B5EF4-FFF2-40B4-BE49-F238E27FC236}">
+                  <a16:creationId xmlns:a16="http://schemas.microsoft.com/office/drawing/2014/main" id="{DDC73EE0-ED44-C1A1-37F8-88E520B87C27}"/>
+                </a:ext>
+              </a:extLst>
+            </p:cNvPr>
+            <p:cNvCxnSpPr>
+              <a:cxnSpLocks noChangeShapeType="1"/>
+              <a:stCxn id="26" idx="3"/>
+              <a:endCxn id="31" idx="1"/>
+            </p:cNvCxnSpPr>
+            <p:nvPr/>
+          </p:nvCxnSpPr>
+          <p:spPr bwMode="auto">
+            <a:xfrm>
+              <a:off x="4724400" y="5638800"/>
+              <a:ext cx="381000" cy="0"/>
+            </a:xfrm>
+            <a:prstGeom prst="straightConnector1">
+              <a:avLst/>
+            </a:prstGeom>
+            <a:noFill/>
+            <a:ln w="38100">
+              <a:solidFill>
+                <a:schemeClr val="tx1"/>
+              </a:solidFill>
+              <a:round/>
+              <a:headEnd type="triangle" w="med" len="med"/>
+              <a:tailEnd type="triangle" w="med" len="med"/>
+            </a:ln>
+            <a:effectLst/>
+            <a:extLst>
+              <a:ext uri="{909E8E84-426E-40DD-AFC4-6F175D3DCCD1}">
+                <a14:hiddenFill xmlns:a14="http://schemas.microsoft.com/office/drawing/2010/main">
+                  <a:noFill/>
+                </a14:hiddenFill>
+              </a:ext>
+            </a:extLst>
+          </p:spPr>
+        </p:cxnSp>
+        <p:cxnSp>
+          <p:nvCxnSpPr>
+            <p:cNvPr id="65" name="AutoShape 30">
+              <a:extLst>
+                <a:ext uri="{FF2B5EF4-FFF2-40B4-BE49-F238E27FC236}">
+                  <a16:creationId xmlns:a16="http://schemas.microsoft.com/office/drawing/2014/main" id="{50C8CB1C-4964-0F95-AF73-871F517F351E}"/>
+                </a:ext>
+              </a:extLst>
+            </p:cNvPr>
+            <p:cNvCxnSpPr>
+              <a:cxnSpLocks noChangeShapeType="1"/>
+              <a:stCxn id="31" idx="3"/>
+              <a:endCxn id="32" idx="1"/>
+            </p:cNvCxnSpPr>
+            <p:nvPr/>
+          </p:nvCxnSpPr>
+          <p:spPr bwMode="auto">
+            <a:xfrm>
+              <a:off x="5715000" y="5638800"/>
+              <a:ext cx="381000" cy="0"/>
+            </a:xfrm>
+            <a:prstGeom prst="straightConnector1">
+              <a:avLst/>
+            </a:prstGeom>
+            <a:noFill/>
+            <a:ln w="38100">
+              <a:solidFill>
+                <a:schemeClr val="tx1"/>
+              </a:solidFill>
+              <a:round/>
+              <a:headEnd type="triangle" w="med" len="med"/>
+              <a:tailEnd type="triangle" w="med" len="med"/>
+            </a:ln>
+            <a:effectLst/>
+            <a:extLst>
+              <a:ext uri="{909E8E84-426E-40DD-AFC4-6F175D3DCCD1}">
+                <a14:hiddenFill xmlns:a14="http://schemas.microsoft.com/office/drawing/2010/main">
+                  <a:noFill/>
+                </a14:hiddenFill>
+              </a:ext>
+            </a:extLst>
+          </p:spPr>
+        </p:cxnSp>
+        <p:sp>
+          <p:nvSpPr>
+            <p:cNvPr id="66" name="AutoShape 46">
+              <a:extLst>
+                <a:ext uri="{FF2B5EF4-FFF2-40B4-BE49-F238E27FC236}">
+                  <a16:creationId xmlns:a16="http://schemas.microsoft.com/office/drawing/2014/main" id="{94A60583-51CA-396D-772E-836253748596}"/>
+                </a:ext>
+              </a:extLst>
+            </p:cNvPr>
+            <p:cNvSpPr>
+              <a:spLocks noChangeArrowheads="1"/>
+            </p:cNvSpPr>
+            <p:nvPr/>
+          </p:nvSpPr>
+          <p:spPr bwMode="auto">
+            <a:xfrm>
+              <a:off x="4114800" y="4343400"/>
+              <a:ext cx="609600" cy="609600"/>
+            </a:xfrm>
+            <a:prstGeom prst="roundRect">
+              <a:avLst>
+                <a:gd name="adj" fmla="val 16667"/>
+              </a:avLst>
+            </a:prstGeom>
+            <a:solidFill>
+              <a:srgbClr val="FFFF66"/>
+            </a:solidFill>
+            <a:ln w="9525">
+              <a:solidFill>
+                <a:schemeClr val="tx1"/>
+              </a:solidFill>
+              <a:round/>
+              <a:headEnd/>
+              <a:tailEnd/>
+            </a:ln>
+            <a:effectLst/>
+          </p:spPr>
+          <p:txBody>
+            <a:bodyPr wrap="none" anchor="ctr"/>
+            <a:lstStyle/>
+            <a:p>
+              <a:pPr>
+                <a:lnSpc>
+                  <a:spcPct val="90000"/>
+                </a:lnSpc>
+              </a:pPr>
+              <a:r>
+                <a:rPr lang="en-US" altLang="en-US">
+                  <a:solidFill>
+                    <a:srgbClr val="008A87"/>
+                  </a:solidFill>
+                  <a:ea typeface="Arial Unicode MS" pitchFamily="34" charset="-122"/>
+                </a:rPr>
+                <a:t>50</a:t>
+              </a:r>
+            </a:p>
+          </p:txBody>
+        </p:sp>
+        <p:cxnSp>
+          <p:nvCxnSpPr>
+            <p:cNvPr id="67" name="AutoShape 47">
+              <a:extLst>
+                <a:ext uri="{FF2B5EF4-FFF2-40B4-BE49-F238E27FC236}">
+                  <a16:creationId xmlns:a16="http://schemas.microsoft.com/office/drawing/2014/main" id="{F568BF41-CF7C-F3D5-153E-E76C5BFF9674}"/>
+                </a:ext>
+              </a:extLst>
+            </p:cNvPr>
+            <p:cNvCxnSpPr>
+              <a:cxnSpLocks noChangeShapeType="1"/>
+              <a:stCxn id="66" idx="3"/>
+              <a:endCxn id="56" idx="1"/>
+            </p:cNvCxnSpPr>
+            <p:nvPr/>
+          </p:nvCxnSpPr>
+          <p:spPr bwMode="auto">
+            <a:xfrm>
+              <a:off x="4724400" y="4648200"/>
+              <a:ext cx="1371600" cy="0"/>
+            </a:xfrm>
+            <a:prstGeom prst="straightConnector1">
+              <a:avLst/>
+            </a:prstGeom>
+            <a:noFill/>
+            <a:ln w="38100">
+              <a:solidFill>
+                <a:schemeClr val="tx1"/>
+              </a:solidFill>
+              <a:round/>
+              <a:headEnd type="triangle" w="med" len="med"/>
+              <a:tailEnd type="triangle" w="med" len="med"/>
+            </a:ln>
+            <a:effectLst/>
+            <a:extLst>
+              <a:ext uri="{909E8E84-426E-40DD-AFC4-6F175D3DCCD1}">
+                <a14:hiddenFill xmlns:a14="http://schemas.microsoft.com/office/drawing/2010/main">
+                  <a:noFill/>
+                </a14:hiddenFill>
+              </a:ext>
+            </a:extLst>
+          </p:spPr>
+        </p:cxnSp>
+        <p:cxnSp>
+          <p:nvCxnSpPr>
+            <p:cNvPr id="68" name="AutoShape 48">
+              <a:extLst>
+                <a:ext uri="{FF2B5EF4-FFF2-40B4-BE49-F238E27FC236}">
+                  <a16:creationId xmlns:a16="http://schemas.microsoft.com/office/drawing/2014/main" id="{D044EDE6-EA49-7900-EF5D-EBD1FF53BD37}"/>
+                </a:ext>
+              </a:extLst>
+            </p:cNvPr>
+            <p:cNvCxnSpPr>
+              <a:cxnSpLocks noChangeShapeType="1"/>
+              <a:stCxn id="66" idx="2"/>
+              <a:endCxn id="26" idx="0"/>
+            </p:cNvCxnSpPr>
+            <p:nvPr/>
+          </p:nvCxnSpPr>
+          <p:spPr bwMode="auto">
+            <a:xfrm>
+              <a:off x="4419600" y="4953000"/>
+              <a:ext cx="0" cy="381000"/>
+            </a:xfrm>
+            <a:prstGeom prst="straightConnector1">
+              <a:avLst/>
+            </a:prstGeom>
+            <a:noFill/>
+            <a:ln w="38100">
+              <a:solidFill>
+                <a:schemeClr val="tx1"/>
+              </a:solidFill>
+              <a:round/>
+              <a:headEnd type="triangle" w="med" len="med"/>
+              <a:tailEnd type="triangle" w="med" len="med"/>
+            </a:ln>
+            <a:effectLst/>
+            <a:extLst>
+              <a:ext uri="{909E8E84-426E-40DD-AFC4-6F175D3DCCD1}">
+                <a14:hiddenFill xmlns:a14="http://schemas.microsoft.com/office/drawing/2010/main">
+                  <a:noFill/>
+                </a14:hiddenFill>
+              </a:ext>
+            </a:extLst>
+          </p:spPr>
+        </p:cxnSp>
+        <p:sp>
+          <p:nvSpPr>
+            <p:cNvPr id="69" name="AutoShape 49">
+              <a:extLst>
+                <a:ext uri="{FF2B5EF4-FFF2-40B4-BE49-F238E27FC236}">
+                  <a16:creationId xmlns:a16="http://schemas.microsoft.com/office/drawing/2014/main" id="{171BC906-6682-4FFB-1545-B4A1EB178B8A}"/>
+                </a:ext>
+              </a:extLst>
+            </p:cNvPr>
+            <p:cNvSpPr>
+              <a:spLocks noChangeArrowheads="1"/>
+            </p:cNvSpPr>
+            <p:nvPr/>
+          </p:nvSpPr>
+          <p:spPr bwMode="auto">
+            <a:xfrm>
+              <a:off x="8077200" y="4343400"/>
+              <a:ext cx="609600" cy="609600"/>
+            </a:xfrm>
+            <a:prstGeom prst="roundRect">
+              <a:avLst>
+                <a:gd name="adj" fmla="val 16667"/>
+              </a:avLst>
+            </a:prstGeom>
+            <a:solidFill>
+              <a:srgbClr val="FFFF66"/>
+            </a:solidFill>
+            <a:ln w="9525">
+              <a:solidFill>
+                <a:schemeClr val="tx1"/>
+              </a:solidFill>
+              <a:round/>
+              <a:headEnd/>
+              <a:tailEnd/>
+            </a:ln>
+            <a:effectLst/>
+          </p:spPr>
+          <p:txBody>
+            <a:bodyPr wrap="none" anchor="ctr"/>
+            <a:lstStyle/>
+            <a:p>
+              <a:pPr>
+                <a:lnSpc>
+                  <a:spcPct val="90000"/>
+                </a:lnSpc>
+              </a:pPr>
+              <a:r>
+                <a:rPr lang="en-US" altLang="en-US">
+                  <a:solidFill>
+                    <a:srgbClr val="008A87"/>
+                  </a:solidFill>
+                  <a:ea typeface="Arial Unicode MS" pitchFamily="34" charset="-122"/>
+                </a:rPr>
+                <a:t>79</a:t>
+              </a:r>
+            </a:p>
+          </p:txBody>
+        </p:sp>
+        <p:cxnSp>
+          <p:nvCxnSpPr>
+            <p:cNvPr id="70" name="AutoShape 50">
+              <a:extLst>
+                <a:ext uri="{FF2B5EF4-FFF2-40B4-BE49-F238E27FC236}">
+                  <a16:creationId xmlns:a16="http://schemas.microsoft.com/office/drawing/2014/main" id="{5A7DB1E4-9DDB-9AAD-493D-35B2E3EC7DB1}"/>
+                </a:ext>
+              </a:extLst>
+            </p:cNvPr>
+            <p:cNvCxnSpPr>
+              <a:cxnSpLocks noChangeShapeType="1"/>
+              <a:stCxn id="69" idx="2"/>
+              <a:endCxn id="51" idx="0"/>
+            </p:cNvCxnSpPr>
+            <p:nvPr/>
+          </p:nvCxnSpPr>
+          <p:spPr bwMode="auto">
+            <a:xfrm>
+              <a:off x="8382000" y="4953000"/>
+              <a:ext cx="0" cy="381000"/>
+            </a:xfrm>
+            <a:prstGeom prst="straightConnector1">
+              <a:avLst/>
+            </a:prstGeom>
+            <a:noFill/>
+            <a:ln w="38100">
+              <a:solidFill>
+                <a:schemeClr val="tx1"/>
+              </a:solidFill>
+              <a:round/>
+              <a:headEnd type="triangle" w="med" len="med"/>
+              <a:tailEnd type="triangle" w="med" len="med"/>
+            </a:ln>
+            <a:effectLst/>
+            <a:extLst>
+              <a:ext uri="{909E8E84-426E-40DD-AFC4-6F175D3DCCD1}">
+                <a14:hiddenFill xmlns:a14="http://schemas.microsoft.com/office/drawing/2010/main">
+                  <a:noFill/>
+                </a14:hiddenFill>
+              </a:ext>
+            </a:extLst>
+          </p:spPr>
+        </p:cxnSp>
+        <p:sp>
+          <p:nvSpPr>
+            <p:cNvPr id="71" name="AutoShape 51">
+              <a:extLst>
+                <a:ext uri="{FF2B5EF4-FFF2-40B4-BE49-F238E27FC236}">
+                  <a16:creationId xmlns:a16="http://schemas.microsoft.com/office/drawing/2014/main" id="{1D60EF03-38A9-9F4D-A3CD-F7FD5EB65C66}"/>
+                </a:ext>
+              </a:extLst>
+            </p:cNvPr>
+            <p:cNvSpPr>
+              <a:spLocks noChangeArrowheads="1"/>
+            </p:cNvSpPr>
+            <p:nvPr/>
+          </p:nvSpPr>
+          <p:spPr bwMode="auto">
+            <a:xfrm>
+              <a:off x="152400" y="3352800"/>
+              <a:ext cx="609600" cy="609600"/>
+            </a:xfrm>
+            <a:prstGeom prst="roundRect">
+              <a:avLst>
+                <a:gd name="adj" fmla="val 16667"/>
+              </a:avLst>
+            </a:prstGeom>
+            <a:solidFill>
+              <a:srgbClr val="FFFF66"/>
+            </a:solidFill>
+            <a:ln w="9525">
+              <a:solidFill>
+                <a:schemeClr val="tx1"/>
+              </a:solidFill>
+              <a:round/>
+              <a:headEnd/>
+              <a:tailEnd/>
+            </a:ln>
+            <a:effectLst/>
+          </p:spPr>
+          <p:txBody>
+            <a:bodyPr wrap="none" anchor="ctr"/>
+            <a:lstStyle/>
+            <a:p>
+              <a:pPr>
+                <a:lnSpc>
+                  <a:spcPct val="90000"/>
+                </a:lnSpc>
+              </a:pPr>
+              <a:r>
+                <a:rPr lang="en-US" altLang="en-US">
+                  <a:solidFill>
+                    <a:srgbClr val="008A87"/>
+                  </a:solidFill>
+                  <a:ea typeface="Arial Unicode MS" pitchFamily="34" charset="-122"/>
+                </a:rPr>
+                <a:t>14</a:t>
+              </a:r>
+            </a:p>
+          </p:txBody>
+        </p:sp>
+        <p:cxnSp>
+          <p:nvCxnSpPr>
+            <p:cNvPr id="72" name="AutoShape 52">
+              <a:extLst>
+                <a:ext uri="{FF2B5EF4-FFF2-40B4-BE49-F238E27FC236}">
+                  <a16:creationId xmlns:a16="http://schemas.microsoft.com/office/drawing/2014/main" id="{FA1A4262-1612-BD16-14E3-2CAD2D088AB3}"/>
+                </a:ext>
+              </a:extLst>
+            </p:cNvPr>
+            <p:cNvCxnSpPr>
+              <a:cxnSpLocks noChangeShapeType="1"/>
+              <a:stCxn id="71" idx="2"/>
+              <a:endCxn id="54" idx="0"/>
+            </p:cNvCxnSpPr>
+            <p:nvPr/>
+          </p:nvCxnSpPr>
+          <p:spPr bwMode="auto">
+            <a:xfrm>
+              <a:off x="457200" y="3962400"/>
+              <a:ext cx="0" cy="381000"/>
+            </a:xfrm>
+            <a:prstGeom prst="straightConnector1">
+              <a:avLst/>
+            </a:prstGeom>
+            <a:noFill/>
+            <a:ln w="38100">
+              <a:solidFill>
+                <a:schemeClr val="tx1"/>
+              </a:solidFill>
+              <a:round/>
+              <a:headEnd type="triangle" w="med" len="med"/>
+              <a:tailEnd type="triangle" w="med" len="med"/>
+            </a:ln>
+            <a:effectLst/>
+            <a:extLst>
+              <a:ext uri="{909E8E84-426E-40DD-AFC4-6F175D3DCCD1}">
+                <a14:hiddenFill xmlns:a14="http://schemas.microsoft.com/office/drawing/2010/main">
+                  <a:noFill/>
+                </a14:hiddenFill>
+              </a:ext>
+            </a:extLst>
+          </p:spPr>
+        </p:cxnSp>
+        <p:sp>
+          <p:nvSpPr>
+            <p:cNvPr id="73" name="AutoShape 53">
+              <a:extLst>
+                <a:ext uri="{FF2B5EF4-FFF2-40B4-BE49-F238E27FC236}">
+                  <a16:creationId xmlns:a16="http://schemas.microsoft.com/office/drawing/2014/main" id="{656B5637-0735-C074-42D5-937B903BE151}"/>
+                </a:ext>
+              </a:extLst>
+            </p:cNvPr>
+            <p:cNvSpPr>
+              <a:spLocks noChangeArrowheads="1"/>
+            </p:cNvSpPr>
+            <p:nvPr/>
+          </p:nvSpPr>
+          <p:spPr bwMode="auto">
+            <a:xfrm>
+              <a:off x="4114800" y="3352800"/>
+              <a:ext cx="609600" cy="609600"/>
+            </a:xfrm>
+            <a:prstGeom prst="roundRect">
+              <a:avLst>
+                <a:gd name="adj" fmla="val 16667"/>
+              </a:avLst>
+            </a:prstGeom>
+            <a:solidFill>
+              <a:srgbClr val="FFFF66"/>
+            </a:solidFill>
+            <a:ln w="9525">
+              <a:solidFill>
+                <a:schemeClr val="tx1"/>
+              </a:solidFill>
+              <a:round/>
+              <a:headEnd/>
+              <a:tailEnd/>
+            </a:ln>
+            <a:effectLst/>
+          </p:spPr>
+          <p:txBody>
+            <a:bodyPr wrap="none" anchor="ctr"/>
+            <a:lstStyle/>
+            <a:p>
+              <a:pPr>
+                <a:lnSpc>
+                  <a:spcPct val="90000"/>
+                </a:lnSpc>
+              </a:pPr>
+              <a:r>
+                <a:rPr lang="en-US" altLang="en-US">
+                  <a:solidFill>
+                    <a:srgbClr val="008A87"/>
+                  </a:solidFill>
+                  <a:ea typeface="Arial Unicode MS" pitchFamily="34" charset="-122"/>
+                </a:rPr>
+                <a:t>50</a:t>
+              </a:r>
+            </a:p>
+          </p:txBody>
+        </p:sp>
+        <p:cxnSp>
+          <p:nvCxnSpPr>
+            <p:cNvPr id="74" name="AutoShape 54">
+              <a:extLst>
+                <a:ext uri="{FF2B5EF4-FFF2-40B4-BE49-F238E27FC236}">
+                  <a16:creationId xmlns:a16="http://schemas.microsoft.com/office/drawing/2014/main" id="{56666AE5-DE39-83B8-D968-28BD8F545F97}"/>
+                </a:ext>
+              </a:extLst>
+            </p:cNvPr>
+            <p:cNvCxnSpPr>
+              <a:cxnSpLocks noChangeShapeType="1"/>
+              <a:stCxn id="73" idx="2"/>
+              <a:endCxn id="66" idx="0"/>
+            </p:cNvCxnSpPr>
+            <p:nvPr/>
+          </p:nvCxnSpPr>
+          <p:spPr bwMode="auto">
+            <a:xfrm>
+              <a:off x="4419600" y="3962400"/>
+              <a:ext cx="0" cy="381000"/>
+            </a:xfrm>
+            <a:prstGeom prst="straightConnector1">
+              <a:avLst/>
+            </a:prstGeom>
+            <a:noFill/>
+            <a:ln w="38100">
+              <a:solidFill>
+                <a:schemeClr val="tx1"/>
+              </a:solidFill>
+              <a:round/>
+              <a:headEnd type="triangle" w="med" len="med"/>
+              <a:tailEnd type="triangle" w="med" len="med"/>
+            </a:ln>
+            <a:effectLst/>
+            <a:extLst>
+              <a:ext uri="{909E8E84-426E-40DD-AFC4-6F175D3DCCD1}">
+                <a14:hiddenFill xmlns:a14="http://schemas.microsoft.com/office/drawing/2010/main">
+                  <a:noFill/>
+                </a14:hiddenFill>
+              </a:ext>
+            </a:extLst>
+          </p:spPr>
+        </p:cxnSp>
+        <p:sp>
+          <p:nvSpPr>
+            <p:cNvPr id="75" name="AutoShape 55">
+              <a:extLst>
+                <a:ext uri="{FF2B5EF4-FFF2-40B4-BE49-F238E27FC236}">
+                  <a16:creationId xmlns:a16="http://schemas.microsoft.com/office/drawing/2014/main" id="{95100B3E-0C0F-3B6B-F6EC-A1BF5DE385A9}"/>
+                </a:ext>
+              </a:extLst>
+            </p:cNvPr>
+            <p:cNvSpPr>
+              <a:spLocks noChangeArrowheads="1"/>
+            </p:cNvSpPr>
+            <p:nvPr/>
+          </p:nvSpPr>
+          <p:spPr bwMode="auto">
+            <a:xfrm>
+              <a:off x="8077200" y="3352800"/>
+              <a:ext cx="609600" cy="609600"/>
+            </a:xfrm>
+            <a:prstGeom prst="roundRect">
+              <a:avLst>
+                <a:gd name="adj" fmla="val 16667"/>
+              </a:avLst>
+            </a:prstGeom>
+            <a:solidFill>
+              <a:srgbClr val="FFFF66"/>
+            </a:solidFill>
+            <a:ln w="9525">
+              <a:solidFill>
+                <a:schemeClr val="tx1"/>
+              </a:solidFill>
+              <a:round/>
+              <a:headEnd/>
+              <a:tailEnd/>
+            </a:ln>
+            <a:effectLst/>
+          </p:spPr>
+          <p:txBody>
+            <a:bodyPr wrap="none" anchor="ctr"/>
+            <a:lstStyle/>
+            <a:p>
+              <a:pPr>
+                <a:lnSpc>
+                  <a:spcPct val="90000"/>
+                </a:lnSpc>
+              </a:pPr>
+              <a:r>
+                <a:rPr lang="en-US" altLang="en-US">
+                  <a:solidFill>
+                    <a:srgbClr val="008A87"/>
+                  </a:solidFill>
+                  <a:ea typeface="Arial Unicode MS" pitchFamily="34" charset="-122"/>
+                </a:rPr>
+                <a:t>79</a:t>
+              </a:r>
+            </a:p>
+          </p:txBody>
+        </p:sp>
+        <p:cxnSp>
+          <p:nvCxnSpPr>
+            <p:cNvPr id="76" name="AutoShape 56">
+              <a:extLst>
+                <a:ext uri="{FF2B5EF4-FFF2-40B4-BE49-F238E27FC236}">
+                  <a16:creationId xmlns:a16="http://schemas.microsoft.com/office/drawing/2014/main" id="{DD77DADD-9A18-2A53-739F-33CF26204764}"/>
+                </a:ext>
+              </a:extLst>
+            </p:cNvPr>
+            <p:cNvCxnSpPr>
+              <a:cxnSpLocks noChangeShapeType="1"/>
+              <a:stCxn id="75" idx="2"/>
+              <a:endCxn id="69" idx="0"/>
+            </p:cNvCxnSpPr>
+            <p:nvPr/>
+          </p:nvCxnSpPr>
+          <p:spPr bwMode="auto">
+            <a:xfrm>
+              <a:off x="8382000" y="3962400"/>
+              <a:ext cx="0" cy="381000"/>
+            </a:xfrm>
+            <a:prstGeom prst="straightConnector1">
+              <a:avLst/>
+            </a:prstGeom>
+            <a:noFill/>
+            <a:ln w="38100">
+              <a:solidFill>
+                <a:schemeClr val="tx1"/>
+              </a:solidFill>
+              <a:round/>
+              <a:headEnd type="triangle" w="med" len="med"/>
+              <a:tailEnd type="triangle" w="med" len="med"/>
+            </a:ln>
+            <a:effectLst/>
+            <a:extLst>
+              <a:ext uri="{909E8E84-426E-40DD-AFC4-6F175D3DCCD1}">
+                <a14:hiddenFill xmlns:a14="http://schemas.microsoft.com/office/drawing/2010/main">
+                  <a:noFill/>
+                </a14:hiddenFill>
+              </a:ext>
+            </a:extLst>
+          </p:spPr>
+        </p:cxnSp>
+        <p:cxnSp>
+          <p:nvCxnSpPr>
+            <p:cNvPr id="77" name="AutoShape 57">
+              <a:extLst>
+                <a:ext uri="{FF2B5EF4-FFF2-40B4-BE49-F238E27FC236}">
+                  <a16:creationId xmlns:a16="http://schemas.microsoft.com/office/drawing/2014/main" id="{4CD2226A-BE28-7810-ACFB-525D621D70F8}"/>
+                </a:ext>
+              </a:extLst>
+            </p:cNvPr>
+            <p:cNvCxnSpPr>
+              <a:cxnSpLocks noChangeShapeType="1"/>
+              <a:stCxn id="71" idx="3"/>
+              <a:endCxn id="73" idx="1"/>
+            </p:cNvCxnSpPr>
+            <p:nvPr/>
+          </p:nvCxnSpPr>
+          <p:spPr bwMode="auto">
+            <a:xfrm>
+              <a:off x="762000" y="3657600"/>
+              <a:ext cx="3352800" cy="0"/>
+            </a:xfrm>
+            <a:prstGeom prst="straightConnector1">
+              <a:avLst/>
+            </a:prstGeom>
+            <a:noFill/>
+            <a:ln w="38100">
+              <a:solidFill>
+                <a:schemeClr val="tx1"/>
+              </a:solidFill>
+              <a:round/>
+              <a:headEnd type="triangle" w="med" len="med"/>
+              <a:tailEnd type="triangle" w="med" len="med"/>
+            </a:ln>
+            <a:effectLst/>
+            <a:extLst>
+              <a:ext uri="{909E8E84-426E-40DD-AFC4-6F175D3DCCD1}">
+                <a14:hiddenFill xmlns:a14="http://schemas.microsoft.com/office/drawing/2010/main">
+                  <a:noFill/>
+                </a14:hiddenFill>
+              </a:ext>
+            </a:extLst>
+          </p:spPr>
+        </p:cxnSp>
+        <p:cxnSp>
+          <p:nvCxnSpPr>
+            <p:cNvPr id="78" name="AutoShape 58">
+              <a:extLst>
+                <a:ext uri="{FF2B5EF4-FFF2-40B4-BE49-F238E27FC236}">
+                  <a16:creationId xmlns:a16="http://schemas.microsoft.com/office/drawing/2014/main" id="{3337A946-0CA1-44D9-3064-BEC08BC251A4}"/>
+                </a:ext>
+              </a:extLst>
+            </p:cNvPr>
+            <p:cNvCxnSpPr>
+              <a:cxnSpLocks noChangeShapeType="1"/>
+              <a:stCxn id="73" idx="3"/>
+              <a:endCxn id="75" idx="1"/>
+            </p:cNvCxnSpPr>
+            <p:nvPr/>
+          </p:nvCxnSpPr>
+          <p:spPr bwMode="auto">
+            <a:xfrm>
+              <a:off x="4724400" y="3657600"/>
+              <a:ext cx="3352800" cy="0"/>
+            </a:xfrm>
+            <a:prstGeom prst="straightConnector1">
+              <a:avLst/>
+            </a:prstGeom>
+            <a:noFill/>
+            <a:ln w="38100">
+              <a:solidFill>
+                <a:schemeClr val="tx1"/>
+              </a:solidFill>
+              <a:round/>
+              <a:headEnd type="triangle" w="med" len="med"/>
+              <a:tailEnd type="triangle" w="med" len="med"/>
+            </a:ln>
+            <a:effectLst/>
+            <a:extLst>
+              <a:ext uri="{909E8E84-426E-40DD-AFC4-6F175D3DCCD1}">
+                <a14:hiddenFill xmlns:a14="http://schemas.microsoft.com/office/drawing/2010/main">
+                  <a:noFill/>
+                </a14:hiddenFill>
+              </a:ext>
+            </a:extLst>
+          </p:spPr>
+        </p:cxnSp>
+        <p:sp>
+          <p:nvSpPr>
+            <p:cNvPr id="79" name="AutoShape 59">
+              <a:extLst>
+                <a:ext uri="{FF2B5EF4-FFF2-40B4-BE49-F238E27FC236}">
+                  <a16:creationId xmlns:a16="http://schemas.microsoft.com/office/drawing/2014/main" id="{11069BBA-3682-148C-118B-73665275CE72}"/>
+                </a:ext>
+              </a:extLst>
+            </p:cNvPr>
+            <p:cNvSpPr>
+              <a:spLocks noChangeArrowheads="1"/>
+            </p:cNvSpPr>
+            <p:nvPr/>
+          </p:nvSpPr>
+          <p:spPr bwMode="auto">
+            <a:xfrm>
+              <a:off x="152400" y="2362200"/>
+              <a:ext cx="609600" cy="609600"/>
+            </a:xfrm>
+            <a:prstGeom prst="roundRect">
+              <a:avLst>
+                <a:gd name="adj" fmla="val 16667"/>
+              </a:avLst>
+            </a:prstGeom>
+            <a:solidFill>
+              <a:srgbClr val="FFFF66"/>
+            </a:solidFill>
+            <a:ln w="9525">
+              <a:solidFill>
+                <a:schemeClr val="tx1"/>
+              </a:solidFill>
+              <a:round/>
+              <a:headEnd/>
+              <a:tailEnd/>
+            </a:ln>
+            <a:effectLst/>
+          </p:spPr>
+          <p:txBody>
+            <a:bodyPr wrap="none" anchor="ctr"/>
+            <a:lstStyle/>
+            <a:p>
+              <a:pPr>
+                <a:lnSpc>
+                  <a:spcPct val="90000"/>
+                </a:lnSpc>
+              </a:pPr>
+              <a:r>
+                <a:rPr lang="en-US" altLang="en-US">
+                  <a:solidFill>
+                    <a:srgbClr val="008A87"/>
+                  </a:solidFill>
+                  <a:ea typeface="Arial Unicode MS" pitchFamily="34" charset="-122"/>
+                </a:rPr>
+                <a:t>14</a:t>
+              </a:r>
+            </a:p>
+          </p:txBody>
+        </p:sp>
+        <p:sp>
+          <p:nvSpPr>
+            <p:cNvPr id="80" name="AutoShape 60">
+              <a:extLst>
+                <a:ext uri="{FF2B5EF4-FFF2-40B4-BE49-F238E27FC236}">
+                  <a16:creationId xmlns:a16="http://schemas.microsoft.com/office/drawing/2014/main" id="{4EBFEDAC-6021-E249-BB73-5152A31AADF8}"/>
+                </a:ext>
+              </a:extLst>
+            </p:cNvPr>
+            <p:cNvSpPr>
+              <a:spLocks noChangeArrowheads="1"/>
+            </p:cNvSpPr>
+            <p:nvPr/>
+          </p:nvSpPr>
+          <p:spPr bwMode="auto">
+            <a:xfrm>
+              <a:off x="8077200" y="2362200"/>
+              <a:ext cx="609600" cy="609600"/>
+            </a:xfrm>
+            <a:prstGeom prst="roundRect">
+              <a:avLst>
+                <a:gd name="adj" fmla="val 16667"/>
+              </a:avLst>
+            </a:prstGeom>
+            <a:solidFill>
+              <a:srgbClr val="FFFF66"/>
+            </a:solidFill>
+            <a:ln w="9525">
+              <a:solidFill>
+                <a:schemeClr val="tx1"/>
+              </a:solidFill>
+              <a:round/>
+              <a:headEnd/>
+              <a:tailEnd/>
+            </a:ln>
+            <a:effectLst/>
+          </p:spPr>
+          <p:txBody>
+            <a:bodyPr wrap="none" anchor="ctr"/>
+            <a:lstStyle/>
+            <a:p>
+              <a:pPr>
+                <a:lnSpc>
+                  <a:spcPct val="90000"/>
+                </a:lnSpc>
+              </a:pPr>
+              <a:r>
+                <a:rPr lang="en-US" altLang="en-US">
+                  <a:solidFill>
+                    <a:srgbClr val="008A87"/>
+                  </a:solidFill>
+                  <a:ea typeface="Arial Unicode MS" pitchFamily="34" charset="-122"/>
+                </a:rPr>
+                <a:t>79</a:t>
+              </a:r>
+            </a:p>
+          </p:txBody>
+        </p:sp>
+        <p:cxnSp>
+          <p:nvCxnSpPr>
+            <p:cNvPr id="81" name="AutoShape 61">
+              <a:extLst>
+                <a:ext uri="{FF2B5EF4-FFF2-40B4-BE49-F238E27FC236}">
+                  <a16:creationId xmlns:a16="http://schemas.microsoft.com/office/drawing/2014/main" id="{6E35804E-3474-B620-ED0D-2CF06B6AFE41}"/>
+                </a:ext>
+              </a:extLst>
+            </p:cNvPr>
+            <p:cNvCxnSpPr>
+              <a:cxnSpLocks noChangeShapeType="1"/>
+              <a:stCxn id="79" idx="3"/>
+              <a:endCxn id="80" idx="1"/>
+            </p:cNvCxnSpPr>
+            <p:nvPr/>
+          </p:nvCxnSpPr>
+          <p:spPr bwMode="auto">
+            <a:xfrm>
+              <a:off x="762000" y="2667000"/>
+              <a:ext cx="7315200" cy="0"/>
+            </a:xfrm>
+            <a:prstGeom prst="straightConnector1">
+              <a:avLst/>
+            </a:prstGeom>
+            <a:noFill/>
+            <a:ln w="38100">
+              <a:solidFill>
+                <a:schemeClr val="tx1"/>
+              </a:solidFill>
+              <a:round/>
+              <a:headEnd type="triangle" w="med" len="med"/>
+              <a:tailEnd type="triangle" w="med" len="med"/>
+            </a:ln>
+            <a:effectLst/>
+            <a:extLst>
+              <a:ext uri="{909E8E84-426E-40DD-AFC4-6F175D3DCCD1}">
+                <a14:hiddenFill xmlns:a14="http://schemas.microsoft.com/office/drawing/2010/main">
+                  <a:noFill/>
+                </a14:hiddenFill>
+              </a:ext>
+            </a:extLst>
+          </p:spPr>
+        </p:cxnSp>
+        <p:cxnSp>
+          <p:nvCxnSpPr>
+            <p:cNvPr id="82" name="AutoShape 62">
+              <a:extLst>
+                <a:ext uri="{FF2B5EF4-FFF2-40B4-BE49-F238E27FC236}">
+                  <a16:creationId xmlns:a16="http://schemas.microsoft.com/office/drawing/2014/main" id="{EB647BFA-FBBA-C3DE-600C-EBE52579384E}"/>
+                </a:ext>
+              </a:extLst>
+            </p:cNvPr>
+            <p:cNvCxnSpPr>
+              <a:cxnSpLocks noChangeShapeType="1"/>
+              <a:stCxn id="79" idx="2"/>
+              <a:endCxn id="71" idx="0"/>
+            </p:cNvCxnSpPr>
+            <p:nvPr/>
+          </p:nvCxnSpPr>
+          <p:spPr bwMode="auto">
+            <a:xfrm>
+              <a:off x="457200" y="2971800"/>
+              <a:ext cx="0" cy="381000"/>
+            </a:xfrm>
+            <a:prstGeom prst="straightConnector1">
+              <a:avLst/>
+            </a:prstGeom>
+            <a:noFill/>
+            <a:ln w="38100">
+              <a:solidFill>
+                <a:schemeClr val="tx1"/>
+              </a:solidFill>
+              <a:round/>
+              <a:headEnd type="triangle" w="med" len="med"/>
+              <a:tailEnd type="triangle" w="med" len="med"/>
+            </a:ln>
+            <a:effectLst/>
+            <a:extLst>
+              <a:ext uri="{909E8E84-426E-40DD-AFC4-6F175D3DCCD1}">
+                <a14:hiddenFill xmlns:a14="http://schemas.microsoft.com/office/drawing/2010/main">
+                  <a:noFill/>
+                </a14:hiddenFill>
+              </a:ext>
+            </a:extLst>
+          </p:spPr>
+        </p:cxnSp>
+        <p:cxnSp>
+          <p:nvCxnSpPr>
+            <p:cNvPr id="83" name="AutoShape 63">
+              <a:extLst>
+                <a:ext uri="{FF2B5EF4-FFF2-40B4-BE49-F238E27FC236}">
+                  <a16:creationId xmlns:a16="http://schemas.microsoft.com/office/drawing/2014/main" id="{147347F3-21BB-69D3-3254-E5667989A786}"/>
+                </a:ext>
+              </a:extLst>
+            </p:cNvPr>
+            <p:cNvCxnSpPr>
+              <a:cxnSpLocks noChangeShapeType="1"/>
+              <a:stCxn id="80" idx="2"/>
+              <a:endCxn id="75" idx="0"/>
+            </p:cNvCxnSpPr>
+            <p:nvPr/>
+          </p:nvCxnSpPr>
+          <p:spPr bwMode="auto">
+            <a:xfrm>
+              <a:off x="8382000" y="2971800"/>
+              <a:ext cx="0" cy="381000"/>
+            </a:xfrm>
+            <a:prstGeom prst="straightConnector1">
+              <a:avLst/>
+            </a:prstGeom>
+            <a:noFill/>
+            <a:ln w="38100">
+              <a:solidFill>
+                <a:schemeClr val="tx1"/>
+              </a:solidFill>
+              <a:round/>
+              <a:headEnd type="triangle" w="med" len="med"/>
+              <a:tailEnd type="triangle" w="med" len="med"/>
+            </a:ln>
+            <a:effectLst/>
+            <a:extLst>
+              <a:ext uri="{909E8E84-426E-40DD-AFC4-6F175D3DCCD1}">
+                <a14:hiddenFill xmlns:a14="http://schemas.microsoft.com/office/drawing/2010/main">
+                  <a:noFill/>
+                </a14:hiddenFill>
+              </a:ext>
+            </a:extLst>
+          </p:spPr>
+        </p:cxnSp>
+        <p:cxnSp>
+          <p:nvCxnSpPr>
+            <p:cNvPr id="84" name="AutoShape 64">
+              <a:extLst>
+                <a:ext uri="{FF2B5EF4-FFF2-40B4-BE49-F238E27FC236}">
+                  <a16:creationId xmlns:a16="http://schemas.microsoft.com/office/drawing/2014/main" id="{AD302F35-C133-8FF6-ABFF-CBE2887C430E}"/>
+                </a:ext>
+              </a:extLst>
+            </p:cNvPr>
+            <p:cNvCxnSpPr>
+              <a:cxnSpLocks noChangeShapeType="1"/>
+              <a:stCxn id="69" idx="3"/>
+            </p:cNvCxnSpPr>
+            <p:nvPr/>
+          </p:nvCxnSpPr>
+          <p:spPr bwMode="auto">
+            <a:xfrm>
+              <a:off x="8686800" y="4648200"/>
+              <a:ext cx="381000" cy="1588"/>
+            </a:xfrm>
+            <a:prstGeom prst="straightConnector1">
+              <a:avLst/>
+            </a:prstGeom>
+            <a:noFill/>
+            <a:ln w="38100">
+              <a:solidFill>
+                <a:schemeClr val="tx1"/>
+              </a:solidFill>
+              <a:round/>
+              <a:headEnd type="triangle" w="med" len="med"/>
+              <a:tailEnd type="triangle" w="med" len="med"/>
+            </a:ln>
+            <a:effectLst/>
+            <a:extLst>
+              <a:ext uri="{909E8E84-426E-40DD-AFC4-6F175D3DCCD1}">
+                <a14:hiddenFill xmlns:a14="http://schemas.microsoft.com/office/drawing/2010/main">
+                  <a:noFill/>
+                </a14:hiddenFill>
+              </a:ext>
+            </a:extLst>
+          </p:spPr>
+        </p:cxnSp>
+        <p:cxnSp>
+          <p:nvCxnSpPr>
+            <p:cNvPr id="85" name="AutoShape 65">
+              <a:extLst>
+                <a:ext uri="{FF2B5EF4-FFF2-40B4-BE49-F238E27FC236}">
+                  <a16:creationId xmlns:a16="http://schemas.microsoft.com/office/drawing/2014/main" id="{A3D719B2-B293-B7F2-7968-2DA5C590260C}"/>
+                </a:ext>
+              </a:extLst>
+            </p:cNvPr>
+            <p:cNvCxnSpPr>
+              <a:cxnSpLocks noChangeShapeType="1"/>
+              <a:stCxn id="75" idx="3"/>
+            </p:cNvCxnSpPr>
+            <p:nvPr/>
+          </p:nvCxnSpPr>
+          <p:spPr bwMode="auto">
+            <a:xfrm>
+              <a:off x="8686800" y="3657600"/>
+              <a:ext cx="381000" cy="1588"/>
+            </a:xfrm>
+            <a:prstGeom prst="straightConnector1">
+              <a:avLst/>
+            </a:prstGeom>
+            <a:noFill/>
+            <a:ln w="38100">
+              <a:solidFill>
+                <a:schemeClr val="tx1"/>
+              </a:solidFill>
+              <a:round/>
+              <a:headEnd type="triangle" w="med" len="med"/>
+              <a:tailEnd type="triangle" w="med" len="med"/>
+            </a:ln>
+            <a:effectLst/>
+            <a:extLst>
+              <a:ext uri="{909E8E84-426E-40DD-AFC4-6F175D3DCCD1}">
+                <a14:hiddenFill xmlns:a14="http://schemas.microsoft.com/office/drawing/2010/main">
+                  <a:noFill/>
+                </a14:hiddenFill>
+              </a:ext>
+            </a:extLst>
+          </p:spPr>
+        </p:cxnSp>
+        <p:cxnSp>
+          <p:nvCxnSpPr>
+            <p:cNvPr id="86" name="AutoShape 66">
+              <a:extLst>
+                <a:ext uri="{FF2B5EF4-FFF2-40B4-BE49-F238E27FC236}">
+                  <a16:creationId xmlns:a16="http://schemas.microsoft.com/office/drawing/2014/main" id="{88B4C4D3-64CD-9FEE-8600-3EB5EBE523B4}"/>
+                </a:ext>
+              </a:extLst>
+            </p:cNvPr>
+            <p:cNvCxnSpPr>
+              <a:cxnSpLocks noChangeShapeType="1"/>
+              <a:stCxn id="80" idx="3"/>
+            </p:cNvCxnSpPr>
+            <p:nvPr/>
+          </p:nvCxnSpPr>
+          <p:spPr bwMode="auto">
+            <a:xfrm>
+              <a:off x="8686800" y="2667000"/>
+              <a:ext cx="381000" cy="1588"/>
+            </a:xfrm>
+            <a:prstGeom prst="straightConnector1">
+              <a:avLst/>
+            </a:prstGeom>
+            <a:noFill/>
+            <a:ln w="38100">
+              <a:solidFill>
+                <a:schemeClr val="tx1"/>
+              </a:solidFill>
+              <a:round/>
+              <a:headEnd type="triangle" w="med" len="med"/>
+              <a:tailEnd type="triangle" w="med" len="med"/>
+            </a:ln>
+            <a:effectLst/>
+            <a:extLst>
+              <a:ext uri="{909E8E84-426E-40DD-AFC4-6F175D3DCCD1}">
+                <a14:hiddenFill xmlns:a14="http://schemas.microsoft.com/office/drawing/2010/main">
+                  <a:noFill/>
+                </a14:hiddenFill>
+              </a:ext>
+            </a:extLst>
+          </p:spPr>
+        </p:cxnSp>
+      </p:grpSp>
+      <mc:AlternateContent xmlns:mc="http://schemas.openxmlformats.org/markup-compatibility/2006" xmlns:a14="http://schemas.microsoft.com/office/drawing/2010/main">
+        <mc:Choice Requires="a14">
+          <p:sp>
+            <p:nvSpPr>
+              <p:cNvPr id="89" name="TextBox 88">
+                <a:extLst>
+                  <a:ext uri="{FF2B5EF4-FFF2-40B4-BE49-F238E27FC236}">
+                    <a16:creationId xmlns:a16="http://schemas.microsoft.com/office/drawing/2014/main" id="{C63736D7-EC95-BE3C-9B23-BC0D3368D906}"/>
+                  </a:ext>
+                </a:extLst>
+              </p:cNvPr>
+              <p:cNvSpPr txBox="1"/>
+              <p:nvPr/>
+            </p:nvSpPr>
+            <p:spPr>
+              <a:xfrm>
+                <a:off x="8038478" y="4627407"/>
+                <a:ext cx="658706" cy="400110"/>
+              </a:xfrm>
+              <a:prstGeom prst="rect">
+                <a:avLst/>
+              </a:prstGeom>
+              <a:noFill/>
+            </p:spPr>
+            <p:txBody>
+              <a:bodyPr wrap="none" rtlCol="0">
+                <a:spAutoFit/>
+              </a:bodyPr>
+              <a:lstStyle/>
+              <a:p>
+                <a:pPr/>
+                <a14:m>
+                  <m:oMathPara xmlns:m="http://schemas.openxmlformats.org/officeDocument/2006/math">
+                    <m:oMathParaPr>
+                      <m:jc m:val="centerGroup"/>
+                    </m:oMathParaPr>
+                    <m:oMath xmlns:m="http://schemas.openxmlformats.org/officeDocument/2006/math">
+                      <m:r>
+                        <m:rPr>
+                          <m:sty m:val="p"/>
+                        </m:rPr>
+                        <a:rPr lang="en-US" sz="2000" dirty="0">
+                          <a:solidFill>
+                            <a:srgbClr val="0000FF"/>
+                          </a:solidFill>
+                          <a:latin typeface="Cambria Math" panose="02040503050406030204" pitchFamily="18" charset="0"/>
+                        </a:rPr>
+                        <m:t>lg</m:t>
+                      </m:r>
+                      <m:r>
+                        <a:rPr lang="en-US" sz="2000" dirty="0">
+                          <a:solidFill>
+                            <a:srgbClr val="0000FF"/>
+                          </a:solidFill>
+                          <a:latin typeface="Cambria Math" panose="02040503050406030204" pitchFamily="18" charset="0"/>
+                        </a:rPr>
+                        <m:t> </m:t>
+                      </m:r>
+                      <m:r>
+                        <a:rPr lang="en-US" sz="2000" i="1" dirty="0">
+                          <a:solidFill>
+                            <a:srgbClr val="0000FF"/>
+                          </a:solidFill>
+                          <a:latin typeface="Cambria Math" panose="02040503050406030204" pitchFamily="18" charset="0"/>
+                        </a:rPr>
+                        <m:t>𝑛</m:t>
+                      </m:r>
+                    </m:oMath>
+                  </m:oMathPara>
+                </a14:m>
+                <a:endParaRPr lang="en-US" sz="2000" b="1" dirty="0"/>
+              </a:p>
+            </p:txBody>
+          </p:sp>
+        </mc:Choice>
+        <mc:Fallback xmlns="">
+          <p:sp>
+            <p:nvSpPr>
+              <p:cNvPr id="89" name="TextBox 88">
+                <a:extLst>
+                  <a:ext uri="{FF2B5EF4-FFF2-40B4-BE49-F238E27FC236}">
+                    <a16:creationId xmlns:a16="http://schemas.microsoft.com/office/drawing/2014/main" id="{C63736D7-EC95-BE3C-9B23-BC0D3368D906}"/>
+                  </a:ext>
+                </a:extLst>
+              </p:cNvPr>
+              <p:cNvSpPr txBox="1">
+                <a:spLocks noRot="1" noChangeAspect="1" noMove="1" noResize="1" noEditPoints="1" noAdjustHandles="1" noChangeArrowheads="1" noChangeShapeType="1" noTextEdit="1"/>
+              </p:cNvSpPr>
+              <p:nvPr/>
+            </p:nvSpPr>
+            <p:spPr>
+              <a:xfrm>
+                <a:off x="8038478" y="4627407"/>
+                <a:ext cx="658706" cy="400110"/>
+              </a:xfrm>
+              <a:prstGeom prst="rect">
+                <a:avLst/>
+              </a:prstGeom>
+              <a:blipFill>
+                <a:blip r:embed="rId3"/>
+                <a:stretch>
+                  <a:fillRect b="-16667"/>
+                </a:stretch>
+              </a:blipFill>
+            </p:spPr>
+            <p:txBody>
+              <a:bodyPr/>
+              <a:lstStyle/>
+              <a:p>
+                <a:r>
+                  <a:rPr lang="en-US">
+                    <a:noFill/>
+                  </a:rPr>
+                  <a:t> </a:t>
+                </a:r>
+              </a:p>
+            </p:txBody>
+          </p:sp>
+        </mc:Fallback>
+      </mc:AlternateContent>
+      <p:sp>
+        <p:nvSpPr>
+          <p:cNvPr id="90" name="AutoShape 61">
+            <a:extLst>
+              <a:ext uri="{FF2B5EF4-FFF2-40B4-BE49-F238E27FC236}">
+                <a16:creationId xmlns:a16="http://schemas.microsoft.com/office/drawing/2014/main" id="{5F693FFF-C7A4-5E4B-7EF5-68AD5BFCC9C9}"/>
+              </a:ext>
+            </a:extLst>
+          </p:cNvPr>
+          <p:cNvSpPr>
+            <a:spLocks/>
+          </p:cNvSpPr>
+          <p:nvPr/>
+        </p:nvSpPr>
+        <p:spPr bwMode="auto">
+          <a:xfrm>
+            <a:off x="7746079" y="3744198"/>
+            <a:ext cx="228600" cy="2202982"/>
+          </a:xfrm>
+          <a:prstGeom prst="rightBrace">
+            <a:avLst>
+              <a:gd name="adj1" fmla="val 166177"/>
+              <a:gd name="adj2" fmla="val 50000"/>
+            </a:avLst>
+          </a:prstGeom>
+          <a:noFill/>
+          <a:ln w="22225">
+            <a:solidFill>
+              <a:srgbClr val="0000FF"/>
+            </a:solidFill>
+            <a:round/>
+            <a:headEnd/>
+            <a:tailEnd/>
+          </a:ln>
+          <a:effectLst/>
+          <a:extLst>
+            <a:ext uri="{909E8E84-426E-40DD-AFC4-6F175D3DCCD1}">
+              <a14:hiddenFill xmlns:a14="http://schemas.microsoft.com/office/drawing/2010/main">
+                <a:solidFill>
+                  <a:schemeClr val="accent1"/>
+                </a:solidFill>
+              </a14:hiddenFill>
+            </a:ext>
+            <a:ext uri="{AF507438-7753-43E0-B8FC-AC1667EBCBE1}">
+              <a14:hiddenEffects xmlns:a14="http://schemas.microsoft.com/office/drawing/2010/main">
+                <a:effectLst>
+                  <a:outerShdw dist="35921" dir="2700000" algn="ctr" rotWithShape="0">
+                    <a:schemeClr val="bg2"/>
+                  </a:outerShdw>
+                </a:effectLst>
+              </a14:hiddenEffects>
+            </a:ext>
+          </a:extLst>
+        </p:spPr>
+        <p:txBody>
+          <a:bodyPr wrap="none" anchor="ctr"/>
+          <a:lstStyle/>
+          <a:p>
+            <a:endParaRPr lang="en-US"/>
+          </a:p>
+        </p:txBody>
+      </p:sp>
+      <p:sp>
+        <p:nvSpPr>
+          <p:cNvPr id="91" name="TextBox 90">
+            <a:extLst>
+              <a:ext uri="{FF2B5EF4-FFF2-40B4-BE49-F238E27FC236}">
+                <a16:creationId xmlns:a16="http://schemas.microsoft.com/office/drawing/2014/main" id="{A812BDC0-0BDC-52DF-5A68-3902D5A86E2F}"/>
+              </a:ext>
+            </a:extLst>
+          </p:cNvPr>
+          <p:cNvSpPr txBox="1"/>
+          <p:nvPr/>
+        </p:nvSpPr>
+        <p:spPr>
+          <a:xfrm>
+            <a:off x="2121462" y="6242992"/>
+            <a:ext cx="4903907" cy="369332"/>
+          </a:xfrm>
+          <a:prstGeom prst="rect">
+            <a:avLst/>
+          </a:prstGeom>
+          <a:noFill/>
+        </p:spPr>
+        <p:txBody>
+          <a:bodyPr wrap="none" rtlCol="0">
+            <a:spAutoFit/>
+          </a:bodyPr>
+          <a:lstStyle/>
+          <a:p>
+            <a:r>
+              <a:rPr lang="en-US" dirty="0">
+                <a:solidFill>
+                  <a:srgbClr val="0000FF"/>
+                </a:solidFill>
+              </a:rPr>
+              <a:t>In each list, at most 2 elements are searched.</a:t>
+            </a:r>
+            <a:r>
+              <a:rPr lang="en-US" dirty="0"/>
+              <a:t> </a:t>
+            </a:r>
+          </a:p>
+        </p:txBody>
+      </p:sp>
+    </p:spTree>
+    <p:extLst>
+      <p:ext uri="{BB962C8B-B14F-4D97-AF65-F5344CB8AC3E}">
+        <p14:creationId xmlns:p14="http://schemas.microsoft.com/office/powerpoint/2010/main" val="2459153230"/>
       </p:ext>
     </p:extLst>
   </p:cSld>
